--- a/ComputerVision/Lecture 07 - Image Descriptors/Lecture 07 - Image Descriptors.pptx
+++ b/ComputerVision/Lecture 07 - Image Descriptors/Lecture 07 - Image Descriptors.pptx
@@ -10737,7 +10737,7 @@
         <p:spPr>
           <a:xfrm>
             <a:off x="200025" y="1689990"/>
-            <a:ext cx="9516375" cy="3416320"/>
+            <a:ext cx="9516375" cy="3693319"/>
           </a:xfrm>
           <a:prstGeom prst="rect">
             <a:avLst/>
@@ -10762,6 +10762,16 @@
               </a:rPr>
               <a:t>LINK</a:t>
             </a:r>
+            <a:endParaRPr lang="en-US" dirty="0">
+              <a:latin typeface="Calibri" panose="020F0502020204030204" pitchFamily="34" charset="0"/>
+              <a:cs typeface="Calibri" panose="020F0502020204030204" pitchFamily="34" charset="0"/>
+            </a:endParaRPr>
+          </a:p>
+          <a:p>
+            <a:pPr marL="285750" indent="-285750">
+              <a:buFont typeface="Arial" panose="020B0604020202020204" pitchFamily="34" charset="0"/>
+              <a:buChar char="•"/>
+            </a:pPr>
             <a:endParaRPr lang="en-US" dirty="0">
               <a:latin typeface="Calibri" panose="020F0502020204030204" pitchFamily="34" charset="0"/>
               <a:cs typeface="Calibri" panose="020F0502020204030204" pitchFamily="34" charset="0"/>

--- a/ComputerVision/Lecture 07 - Image Descriptors/Lecture 07 - Image Descriptors.pptx
+++ b/ComputerVision/Lecture 07 - Image Descriptors/Lecture 07 - Image Descriptors.pptx
@@ -69,19 +69,16 @@
             <a:noAutofit/>
           </a:bodyPr>
           <a:p>
-            <a:r>
-              <a:rPr b="0" lang="pt-BR" sz="1800" spc="-1" strike="noStrike">
-                <a:solidFill>
-                  <a:srgbClr val="000000"/>
-                </a:solidFill>
+            <a:pPr algn="ctr">
+              <a:buNone/>
+            </a:pPr>
+            <a:r>
+              <a:rPr b="0" lang="pt-BR" sz="4400" spc="-1" strike="noStrike">
                 <a:latin typeface="Arial"/>
               </a:rPr>
               <a:t>Click to move the slide</a:t>
             </a:r>
-            <a:endParaRPr b="0" lang="pt-BR" sz="1800" spc="-1" strike="noStrike">
-              <a:solidFill>
-                <a:srgbClr val="000000"/>
-              </a:solidFill>
+            <a:endParaRPr b="0" lang="pt-BR" sz="4400" spc="-1" strike="noStrike">
               <a:latin typeface="Arial"/>
             </a:endParaRPr>
           </a:p>
@@ -304,7 +301,7 @@
             <a:pPr algn="r">
               <a:buNone/>
             </a:pPr>
-            <a:fld id="{1FC69C29-66FD-4FED-9B49-D3325736FD71}" type="slidenum">
+            <a:fld id="{ACC0690B-B727-4844-841C-D7DB20935902}" type="slidenum">
               <a:rPr b="0" lang="pt-BR" sz="1400" spc="-1" strike="noStrike">
                 <a:latin typeface="Times New Roman"/>
               </a:rPr>
@@ -352,7 +349,7 @@
         <p:spPr>
           <a:xfrm>
             <a:off x="1376280" y="1336680"/>
-            <a:ext cx="4803480" cy="3603240"/>
+            <a:ext cx="4803120" cy="3602880"/>
           </a:xfrm>
           <a:prstGeom prst="rect">
             <a:avLst/>
@@ -375,7 +372,7 @@
         <p:spPr>
           <a:xfrm>
             <a:off x="756000" y="5145120"/>
-            <a:ext cx="6043680" cy="4205880"/>
+            <a:ext cx="6043320" cy="4205520"/>
           </a:xfrm>
           <a:prstGeom prst="rect">
             <a:avLst/>
@@ -405,7 +402,7 @@
         <p:spPr>
           <a:xfrm>
             <a:off x="0" y="10155240"/>
-            <a:ext cx="3272040" cy="532440"/>
+            <a:ext cx="3271680" cy="532080"/>
           </a:xfrm>
           <a:prstGeom prst="rect">
             <a:avLst/>
@@ -483,7 +480,7 @@
         <p:spPr>
           <a:xfrm>
             <a:off x="1376280" y="1336680"/>
-            <a:ext cx="4803480" cy="3603240"/>
+            <a:ext cx="4803120" cy="3602880"/>
           </a:xfrm>
           <a:prstGeom prst="rect">
             <a:avLst/>
@@ -506,7 +503,7 @@
         <p:spPr>
           <a:xfrm>
             <a:off x="756000" y="5145120"/>
-            <a:ext cx="6043680" cy="4205880"/>
+            <a:ext cx="6043320" cy="4205520"/>
           </a:xfrm>
           <a:prstGeom prst="rect">
             <a:avLst/>
@@ -536,7 +533,7 @@
         <p:spPr>
           <a:xfrm>
             <a:off x="0" y="10155240"/>
-            <a:ext cx="3272040" cy="532440"/>
+            <a:ext cx="3271680" cy="532080"/>
           </a:xfrm>
           <a:prstGeom prst="rect">
             <a:avLst/>
@@ -614,7 +611,7 @@
         <p:spPr>
           <a:xfrm>
             <a:off x="1376280" y="1336680"/>
-            <a:ext cx="4803480" cy="3603240"/>
+            <a:ext cx="4803120" cy="3602880"/>
           </a:xfrm>
           <a:prstGeom prst="rect">
             <a:avLst/>
@@ -637,7 +634,7 @@
         <p:spPr>
           <a:xfrm>
             <a:off x="756000" y="5145120"/>
-            <a:ext cx="6043680" cy="4205880"/>
+            <a:ext cx="6043320" cy="4205520"/>
           </a:xfrm>
           <a:prstGeom prst="rect">
             <a:avLst/>
@@ -667,7 +664,7 @@
         <p:spPr>
           <a:xfrm>
             <a:off x="0" y="10155240"/>
-            <a:ext cx="3272040" cy="532440"/>
+            <a:ext cx="3271680" cy="532080"/>
           </a:xfrm>
           <a:prstGeom prst="rect">
             <a:avLst/>
@@ -745,7 +742,7 @@
         <p:spPr>
           <a:xfrm>
             <a:off x="1376280" y="1336680"/>
-            <a:ext cx="4803480" cy="3603240"/>
+            <a:ext cx="4803120" cy="3602880"/>
           </a:xfrm>
           <a:prstGeom prst="rect">
             <a:avLst/>
@@ -768,7 +765,7 @@
         <p:spPr>
           <a:xfrm>
             <a:off x="756000" y="5145120"/>
-            <a:ext cx="6043680" cy="4205880"/>
+            <a:ext cx="6043320" cy="4205520"/>
           </a:xfrm>
           <a:prstGeom prst="rect">
             <a:avLst/>
@@ -798,7 +795,7 @@
         <p:spPr>
           <a:xfrm>
             <a:off x="0" y="10155240"/>
-            <a:ext cx="3272040" cy="532440"/>
+            <a:ext cx="3271680" cy="532080"/>
           </a:xfrm>
           <a:prstGeom prst="rect">
             <a:avLst/>
@@ -876,7 +873,7 @@
         <p:spPr>
           <a:xfrm>
             <a:off x="1376280" y="1336680"/>
-            <a:ext cx="4803480" cy="3603240"/>
+            <a:ext cx="4803120" cy="3602880"/>
           </a:xfrm>
           <a:prstGeom prst="rect">
             <a:avLst/>
@@ -899,7 +896,7 @@
         <p:spPr>
           <a:xfrm>
             <a:off x="756000" y="5145120"/>
-            <a:ext cx="6043680" cy="4205880"/>
+            <a:ext cx="6043320" cy="4205520"/>
           </a:xfrm>
           <a:prstGeom prst="rect">
             <a:avLst/>
@@ -929,7 +926,7 @@
         <p:spPr>
           <a:xfrm>
             <a:off x="0" y="10155240"/>
-            <a:ext cx="3272040" cy="532440"/>
+            <a:ext cx="3271680" cy="532080"/>
           </a:xfrm>
           <a:prstGeom prst="rect">
             <a:avLst/>
@@ -1007,7 +1004,7 @@
         <p:spPr>
           <a:xfrm>
             <a:off x="1376280" y="1336680"/>
-            <a:ext cx="4803480" cy="3603240"/>
+            <a:ext cx="4803120" cy="3602880"/>
           </a:xfrm>
           <a:prstGeom prst="rect">
             <a:avLst/>
@@ -1030,7 +1027,7 @@
         <p:spPr>
           <a:xfrm>
             <a:off x="756000" y="5145120"/>
-            <a:ext cx="6043680" cy="4205880"/>
+            <a:ext cx="6043320" cy="4205520"/>
           </a:xfrm>
           <a:prstGeom prst="rect">
             <a:avLst/>
@@ -1060,7 +1057,7 @@
         <p:spPr>
           <a:xfrm>
             <a:off x="0" y="10155240"/>
-            <a:ext cx="3272040" cy="532440"/>
+            <a:ext cx="3271680" cy="532080"/>
           </a:xfrm>
           <a:prstGeom prst="rect">
             <a:avLst/>
@@ -1138,7 +1135,7 @@
         <p:spPr>
           <a:xfrm>
             <a:off x="1376280" y="1336680"/>
-            <a:ext cx="4803480" cy="3603240"/>
+            <a:ext cx="4803120" cy="3602880"/>
           </a:xfrm>
           <a:prstGeom prst="rect">
             <a:avLst/>
@@ -1161,7 +1158,7 @@
         <p:spPr>
           <a:xfrm>
             <a:off x="756000" y="5145120"/>
-            <a:ext cx="6043680" cy="4205880"/>
+            <a:ext cx="6043320" cy="4205520"/>
           </a:xfrm>
           <a:prstGeom prst="rect">
             <a:avLst/>
@@ -1191,7 +1188,7 @@
         <p:spPr>
           <a:xfrm>
             <a:off x="0" y="10155240"/>
-            <a:ext cx="3272040" cy="532440"/>
+            <a:ext cx="3271680" cy="532080"/>
           </a:xfrm>
           <a:prstGeom prst="rect">
             <a:avLst/>
@@ -1269,7 +1266,7 @@
         <p:spPr>
           <a:xfrm>
             <a:off x="1376280" y="1336680"/>
-            <a:ext cx="4803480" cy="3603240"/>
+            <a:ext cx="4803120" cy="3602880"/>
           </a:xfrm>
           <a:prstGeom prst="rect">
             <a:avLst/>
@@ -1292,7 +1289,7 @@
         <p:spPr>
           <a:xfrm>
             <a:off x="756000" y="5145120"/>
-            <a:ext cx="6043680" cy="4205880"/>
+            <a:ext cx="6043320" cy="4205520"/>
           </a:xfrm>
           <a:prstGeom prst="rect">
             <a:avLst/>
@@ -1322,7 +1319,7 @@
         <p:spPr>
           <a:xfrm>
             <a:off x="0" y="10155240"/>
-            <a:ext cx="3272040" cy="532440"/>
+            <a:ext cx="3271680" cy="532080"/>
           </a:xfrm>
           <a:prstGeom prst="rect">
             <a:avLst/>
@@ -1400,7 +1397,7 @@
         <p:spPr>
           <a:xfrm>
             <a:off x="1376280" y="1336680"/>
-            <a:ext cx="4803480" cy="3603240"/>
+            <a:ext cx="4803120" cy="3602880"/>
           </a:xfrm>
           <a:prstGeom prst="rect">
             <a:avLst/>
@@ -1423,7 +1420,7 @@
         <p:spPr>
           <a:xfrm>
             <a:off x="756000" y="5145120"/>
-            <a:ext cx="6043680" cy="4205880"/>
+            <a:ext cx="6043320" cy="4205520"/>
           </a:xfrm>
           <a:prstGeom prst="rect">
             <a:avLst/>
@@ -1453,7 +1450,7 @@
         <p:spPr>
           <a:xfrm>
             <a:off x="0" y="10155240"/>
-            <a:ext cx="3272040" cy="532440"/>
+            <a:ext cx="3271680" cy="532080"/>
           </a:xfrm>
           <a:prstGeom prst="rect">
             <a:avLst/>
@@ -1568,10 +1565,10 @@
             <a:noAutofit/>
           </a:bodyPr>
           <a:p>
-            <a:endParaRPr b="0" lang="pt-BR" sz="1800" spc="-1" strike="noStrike">
-              <a:solidFill>
-                <a:srgbClr val="000000"/>
-              </a:solidFill>
+            <a:pPr algn="ctr">
+              <a:buNone/>
+            </a:pPr>
+            <a:endParaRPr b="0" lang="pt-BR" sz="4400" spc="-1" strike="noStrike">
               <a:latin typeface="Arial"/>
             </a:endParaRPr>
           </a:p>
@@ -1605,19 +1602,7 @@
             <a:normAutofit/>
           </a:bodyPr>
           <a:p>
-            <a:pPr>
-              <a:lnSpc>
-                <a:spcPct val="90000"/>
-              </a:lnSpc>
-              <a:spcBef>
-                <a:spcPts val="1417"/>
-              </a:spcBef>
-              <a:buNone/>
-            </a:pPr>
-            <a:endParaRPr b="0" lang="pt-BR" sz="2800" spc="-1" strike="noStrike">
-              <a:solidFill>
-                <a:srgbClr val="000000"/>
-              </a:solidFill>
+            <a:endParaRPr b="0" lang="pt-BR" sz="3200" spc="-1" strike="noStrike">
               <a:latin typeface="Arial"/>
             </a:endParaRPr>
           </a:p>
@@ -1651,19 +1636,7 @@
             <a:normAutofit/>
           </a:bodyPr>
           <a:p>
-            <a:pPr>
-              <a:lnSpc>
-                <a:spcPct val="90000"/>
-              </a:lnSpc>
-              <a:spcBef>
-                <a:spcPts val="1417"/>
-              </a:spcBef>
-              <a:buNone/>
-            </a:pPr>
-            <a:endParaRPr b="0" lang="pt-BR" sz="2800" spc="-1" strike="noStrike">
-              <a:solidFill>
-                <a:srgbClr val="000000"/>
-              </a:solidFill>
+            <a:endParaRPr b="0" lang="pt-BR" sz="3200" spc="-1" strike="noStrike">
               <a:latin typeface="Arial"/>
             </a:endParaRPr>
           </a:p>
@@ -1719,10 +1692,10 @@
             <a:noAutofit/>
           </a:bodyPr>
           <a:p>
-            <a:endParaRPr b="0" lang="pt-BR" sz="1800" spc="-1" strike="noStrike">
-              <a:solidFill>
-                <a:srgbClr val="000000"/>
-              </a:solidFill>
+            <a:pPr algn="ctr">
+              <a:buNone/>
+            </a:pPr>
+            <a:endParaRPr b="0" lang="pt-BR" sz="4400" spc="-1" strike="noStrike">
               <a:latin typeface="Arial"/>
             </a:endParaRPr>
           </a:p>
@@ -1756,19 +1729,7 @@
             <a:normAutofit/>
           </a:bodyPr>
           <a:p>
-            <a:pPr>
-              <a:lnSpc>
-                <a:spcPct val="90000"/>
-              </a:lnSpc>
-              <a:spcBef>
-                <a:spcPts val="1417"/>
-              </a:spcBef>
-              <a:buNone/>
-            </a:pPr>
-            <a:endParaRPr b="0" lang="pt-BR" sz="2800" spc="-1" strike="noStrike">
-              <a:solidFill>
-                <a:srgbClr val="000000"/>
-              </a:solidFill>
+            <a:endParaRPr b="0" lang="pt-BR" sz="3200" spc="-1" strike="noStrike">
               <a:latin typeface="Arial"/>
             </a:endParaRPr>
           </a:p>
@@ -1802,19 +1763,7 @@
             <a:normAutofit/>
           </a:bodyPr>
           <a:p>
-            <a:pPr>
-              <a:lnSpc>
-                <a:spcPct val="90000"/>
-              </a:lnSpc>
-              <a:spcBef>
-                <a:spcPts val="1417"/>
-              </a:spcBef>
-              <a:buNone/>
-            </a:pPr>
-            <a:endParaRPr b="0" lang="pt-BR" sz="2800" spc="-1" strike="noStrike">
-              <a:solidFill>
-                <a:srgbClr val="000000"/>
-              </a:solidFill>
+            <a:endParaRPr b="0" lang="pt-BR" sz="3200" spc="-1" strike="noStrike">
               <a:latin typeface="Arial"/>
             </a:endParaRPr>
           </a:p>
@@ -1848,19 +1797,7 @@
             <a:normAutofit/>
           </a:bodyPr>
           <a:p>
-            <a:pPr>
-              <a:lnSpc>
-                <a:spcPct val="90000"/>
-              </a:lnSpc>
-              <a:spcBef>
-                <a:spcPts val="1417"/>
-              </a:spcBef>
-              <a:buNone/>
-            </a:pPr>
-            <a:endParaRPr b="0" lang="pt-BR" sz="2800" spc="-1" strike="noStrike">
-              <a:solidFill>
-                <a:srgbClr val="000000"/>
-              </a:solidFill>
+            <a:endParaRPr b="0" lang="pt-BR" sz="3200" spc="-1" strike="noStrike">
               <a:latin typeface="Arial"/>
             </a:endParaRPr>
           </a:p>
@@ -1894,19 +1831,7 @@
             <a:normAutofit/>
           </a:bodyPr>
           <a:p>
-            <a:pPr>
-              <a:lnSpc>
-                <a:spcPct val="90000"/>
-              </a:lnSpc>
-              <a:spcBef>
-                <a:spcPts val="1417"/>
-              </a:spcBef>
-              <a:buNone/>
-            </a:pPr>
-            <a:endParaRPr b="0" lang="pt-BR" sz="2800" spc="-1" strike="noStrike">
-              <a:solidFill>
-                <a:srgbClr val="000000"/>
-              </a:solidFill>
+            <a:endParaRPr b="0" lang="pt-BR" sz="3200" spc="-1" strike="noStrike">
               <a:latin typeface="Arial"/>
             </a:endParaRPr>
           </a:p>
@@ -1962,10 +1887,10 @@
             <a:noAutofit/>
           </a:bodyPr>
           <a:p>
-            <a:endParaRPr b="0" lang="pt-BR" sz="1800" spc="-1" strike="noStrike">
-              <a:solidFill>
-                <a:srgbClr val="000000"/>
-              </a:solidFill>
+            <a:pPr algn="ctr">
+              <a:buNone/>
+            </a:pPr>
+            <a:endParaRPr b="0" lang="pt-BR" sz="4400" spc="-1" strike="noStrike">
               <a:latin typeface="Arial"/>
             </a:endParaRPr>
           </a:p>
@@ -1999,19 +1924,7 @@
             <a:normAutofit/>
           </a:bodyPr>
           <a:p>
-            <a:pPr>
-              <a:lnSpc>
-                <a:spcPct val="90000"/>
-              </a:lnSpc>
-              <a:spcBef>
-                <a:spcPts val="1417"/>
-              </a:spcBef>
-              <a:buNone/>
-            </a:pPr>
-            <a:endParaRPr b="0" lang="pt-BR" sz="2800" spc="-1" strike="noStrike">
-              <a:solidFill>
-                <a:srgbClr val="000000"/>
-              </a:solidFill>
+            <a:endParaRPr b="0" lang="pt-BR" sz="3200" spc="-1" strike="noStrike">
               <a:latin typeface="Arial"/>
             </a:endParaRPr>
           </a:p>
@@ -2045,19 +1958,7 @@
             <a:normAutofit/>
           </a:bodyPr>
           <a:p>
-            <a:pPr>
-              <a:lnSpc>
-                <a:spcPct val="90000"/>
-              </a:lnSpc>
-              <a:spcBef>
-                <a:spcPts val="1417"/>
-              </a:spcBef>
-              <a:buNone/>
-            </a:pPr>
-            <a:endParaRPr b="0" lang="pt-BR" sz="2800" spc="-1" strike="noStrike">
-              <a:solidFill>
-                <a:srgbClr val="000000"/>
-              </a:solidFill>
+            <a:endParaRPr b="0" lang="pt-BR" sz="3200" spc="-1" strike="noStrike">
               <a:latin typeface="Arial"/>
             </a:endParaRPr>
           </a:p>
@@ -2091,19 +1992,7 @@
             <a:normAutofit/>
           </a:bodyPr>
           <a:p>
-            <a:pPr>
-              <a:lnSpc>
-                <a:spcPct val="90000"/>
-              </a:lnSpc>
-              <a:spcBef>
-                <a:spcPts val="1417"/>
-              </a:spcBef>
-              <a:buNone/>
-            </a:pPr>
-            <a:endParaRPr b="0" lang="pt-BR" sz="2800" spc="-1" strike="noStrike">
-              <a:solidFill>
-                <a:srgbClr val="000000"/>
-              </a:solidFill>
+            <a:endParaRPr b="0" lang="pt-BR" sz="3200" spc="-1" strike="noStrike">
               <a:latin typeface="Arial"/>
             </a:endParaRPr>
           </a:p>
@@ -2137,19 +2026,7 @@
             <a:normAutofit/>
           </a:bodyPr>
           <a:p>
-            <a:pPr>
-              <a:lnSpc>
-                <a:spcPct val="90000"/>
-              </a:lnSpc>
-              <a:spcBef>
-                <a:spcPts val="1417"/>
-              </a:spcBef>
-              <a:buNone/>
-            </a:pPr>
-            <a:endParaRPr b="0" lang="pt-BR" sz="2800" spc="-1" strike="noStrike">
-              <a:solidFill>
-                <a:srgbClr val="000000"/>
-              </a:solidFill>
+            <a:endParaRPr b="0" lang="pt-BR" sz="3200" spc="-1" strike="noStrike">
               <a:latin typeface="Arial"/>
             </a:endParaRPr>
           </a:p>
@@ -2183,19 +2060,7 @@
             <a:normAutofit/>
           </a:bodyPr>
           <a:p>
-            <a:pPr>
-              <a:lnSpc>
-                <a:spcPct val="90000"/>
-              </a:lnSpc>
-              <a:spcBef>
-                <a:spcPts val="1417"/>
-              </a:spcBef>
-              <a:buNone/>
-            </a:pPr>
-            <a:endParaRPr b="0" lang="pt-BR" sz="2800" spc="-1" strike="noStrike">
-              <a:solidFill>
-                <a:srgbClr val="000000"/>
-              </a:solidFill>
+            <a:endParaRPr b="0" lang="pt-BR" sz="3200" spc="-1" strike="noStrike">
               <a:latin typeface="Arial"/>
             </a:endParaRPr>
           </a:p>
@@ -2229,19 +2094,7 @@
             <a:normAutofit/>
           </a:bodyPr>
           <a:p>
-            <a:pPr>
-              <a:lnSpc>
-                <a:spcPct val="90000"/>
-              </a:lnSpc>
-              <a:spcBef>
-                <a:spcPts val="1417"/>
-              </a:spcBef>
-              <a:buNone/>
-            </a:pPr>
-            <a:endParaRPr b="0" lang="pt-BR" sz="2800" spc="-1" strike="noStrike">
-              <a:solidFill>
-                <a:srgbClr val="000000"/>
-              </a:solidFill>
+            <a:endParaRPr b="0" lang="pt-BR" sz="3200" spc="-1" strike="noStrike">
               <a:latin typeface="Arial"/>
             </a:endParaRPr>
           </a:p>
@@ -2319,10 +2172,10 @@
             <a:noAutofit/>
           </a:bodyPr>
           <a:p>
-            <a:endParaRPr b="0" lang="pt-BR" sz="1800" spc="-1" strike="noStrike">
-              <a:solidFill>
-                <a:srgbClr val="000000"/>
-              </a:solidFill>
+            <a:pPr algn="ctr">
+              <a:buNone/>
+            </a:pPr>
+            <a:endParaRPr b="0" lang="pt-BR" sz="4400" spc="-1" strike="noStrike">
               <a:latin typeface="Arial"/>
             </a:endParaRPr>
           </a:p>
@@ -2415,10 +2268,10 @@
             <a:noAutofit/>
           </a:bodyPr>
           <a:p>
-            <a:endParaRPr b="0" lang="pt-BR" sz="1800" spc="-1" strike="noStrike">
-              <a:solidFill>
-                <a:srgbClr val="000000"/>
-              </a:solidFill>
+            <a:pPr algn="ctr">
+              <a:buNone/>
+            </a:pPr>
+            <a:endParaRPr b="0" lang="pt-BR" sz="4400" spc="-1" strike="noStrike">
               <a:latin typeface="Arial"/>
             </a:endParaRPr>
           </a:p>
@@ -2452,19 +2305,7 @@
             <a:normAutofit/>
           </a:bodyPr>
           <a:p>
-            <a:pPr>
-              <a:lnSpc>
-                <a:spcPct val="90000"/>
-              </a:lnSpc>
-              <a:spcBef>
-                <a:spcPts val="1417"/>
-              </a:spcBef>
-              <a:buNone/>
-            </a:pPr>
-            <a:endParaRPr b="0" lang="pt-BR" sz="2800" spc="-1" strike="noStrike">
-              <a:solidFill>
-                <a:srgbClr val="000000"/>
-              </a:solidFill>
+            <a:endParaRPr b="0" lang="pt-BR" sz="3200" spc="-1" strike="noStrike">
               <a:latin typeface="Arial"/>
             </a:endParaRPr>
           </a:p>
@@ -2520,10 +2361,10 @@
             <a:noAutofit/>
           </a:bodyPr>
           <a:p>
-            <a:endParaRPr b="0" lang="pt-BR" sz="1800" spc="-1" strike="noStrike">
-              <a:solidFill>
-                <a:srgbClr val="000000"/>
-              </a:solidFill>
+            <a:pPr algn="ctr">
+              <a:buNone/>
+            </a:pPr>
+            <a:endParaRPr b="0" lang="pt-BR" sz="4400" spc="-1" strike="noStrike">
               <a:latin typeface="Arial"/>
             </a:endParaRPr>
           </a:p>
@@ -2557,19 +2398,7 @@
             <a:normAutofit/>
           </a:bodyPr>
           <a:p>
-            <a:pPr>
-              <a:lnSpc>
-                <a:spcPct val="90000"/>
-              </a:lnSpc>
-              <a:spcBef>
-                <a:spcPts val="1417"/>
-              </a:spcBef>
-              <a:buNone/>
-            </a:pPr>
-            <a:endParaRPr b="0" lang="pt-BR" sz="2800" spc="-1" strike="noStrike">
-              <a:solidFill>
-                <a:srgbClr val="000000"/>
-              </a:solidFill>
+            <a:endParaRPr b="0" lang="pt-BR" sz="3200" spc="-1" strike="noStrike">
               <a:latin typeface="Arial"/>
             </a:endParaRPr>
           </a:p>
@@ -2603,19 +2432,7 @@
             <a:normAutofit/>
           </a:bodyPr>
           <a:p>
-            <a:pPr>
-              <a:lnSpc>
-                <a:spcPct val="90000"/>
-              </a:lnSpc>
-              <a:spcBef>
-                <a:spcPts val="1417"/>
-              </a:spcBef>
-              <a:buNone/>
-            </a:pPr>
-            <a:endParaRPr b="0" lang="pt-BR" sz="2800" spc="-1" strike="noStrike">
-              <a:solidFill>
-                <a:srgbClr val="000000"/>
-              </a:solidFill>
+            <a:endParaRPr b="0" lang="pt-BR" sz="3200" spc="-1" strike="noStrike">
               <a:latin typeface="Arial"/>
             </a:endParaRPr>
           </a:p>
@@ -2671,10 +2488,10 @@
             <a:noAutofit/>
           </a:bodyPr>
           <a:p>
-            <a:endParaRPr b="0" lang="pt-BR" sz="1800" spc="-1" strike="noStrike">
-              <a:solidFill>
-                <a:srgbClr val="000000"/>
-              </a:solidFill>
+            <a:pPr algn="ctr">
+              <a:buNone/>
+            </a:pPr>
+            <a:endParaRPr b="0" lang="pt-BR" sz="4400" spc="-1" strike="noStrike">
               <a:latin typeface="Arial"/>
             </a:endParaRPr>
           </a:p>
@@ -2789,10 +2606,10 @@
             <a:noAutofit/>
           </a:bodyPr>
           <a:p>
-            <a:endParaRPr b="0" lang="pt-BR" sz="1800" spc="-1" strike="noStrike">
-              <a:solidFill>
-                <a:srgbClr val="000000"/>
-              </a:solidFill>
+            <a:pPr algn="ctr">
+              <a:buNone/>
+            </a:pPr>
+            <a:endParaRPr b="0" lang="pt-BR" sz="4400" spc="-1" strike="noStrike">
               <a:latin typeface="Arial"/>
             </a:endParaRPr>
           </a:p>
@@ -2826,19 +2643,7 @@
             <a:normAutofit/>
           </a:bodyPr>
           <a:p>
-            <a:pPr>
-              <a:lnSpc>
-                <a:spcPct val="90000"/>
-              </a:lnSpc>
-              <a:spcBef>
-                <a:spcPts val="1417"/>
-              </a:spcBef>
-              <a:buNone/>
-            </a:pPr>
-            <a:endParaRPr b="0" lang="pt-BR" sz="2800" spc="-1" strike="noStrike">
-              <a:solidFill>
-                <a:srgbClr val="000000"/>
-              </a:solidFill>
+            <a:endParaRPr b="0" lang="pt-BR" sz="3200" spc="-1" strike="noStrike">
               <a:latin typeface="Arial"/>
             </a:endParaRPr>
           </a:p>
@@ -2872,19 +2677,7 @@
             <a:normAutofit/>
           </a:bodyPr>
           <a:p>
-            <a:pPr>
-              <a:lnSpc>
-                <a:spcPct val="90000"/>
-              </a:lnSpc>
-              <a:spcBef>
-                <a:spcPts val="1417"/>
-              </a:spcBef>
-              <a:buNone/>
-            </a:pPr>
-            <a:endParaRPr b="0" lang="pt-BR" sz="2800" spc="-1" strike="noStrike">
-              <a:solidFill>
-                <a:srgbClr val="000000"/>
-              </a:solidFill>
+            <a:endParaRPr b="0" lang="pt-BR" sz="3200" spc="-1" strike="noStrike">
               <a:latin typeface="Arial"/>
             </a:endParaRPr>
           </a:p>
@@ -2918,19 +2711,7 @@
             <a:normAutofit/>
           </a:bodyPr>
           <a:p>
-            <a:pPr>
-              <a:lnSpc>
-                <a:spcPct val="90000"/>
-              </a:lnSpc>
-              <a:spcBef>
-                <a:spcPts val="1417"/>
-              </a:spcBef>
-              <a:buNone/>
-            </a:pPr>
-            <a:endParaRPr b="0" lang="pt-BR" sz="2800" spc="-1" strike="noStrike">
-              <a:solidFill>
-                <a:srgbClr val="000000"/>
-              </a:solidFill>
+            <a:endParaRPr b="0" lang="pt-BR" sz="3200" spc="-1" strike="noStrike">
               <a:latin typeface="Arial"/>
             </a:endParaRPr>
           </a:p>
@@ -2986,10 +2767,10 @@
             <a:noAutofit/>
           </a:bodyPr>
           <a:p>
-            <a:endParaRPr b="0" lang="pt-BR" sz="1800" spc="-1" strike="noStrike">
-              <a:solidFill>
-                <a:srgbClr val="000000"/>
-              </a:solidFill>
+            <a:pPr algn="ctr">
+              <a:buNone/>
+            </a:pPr>
+            <a:endParaRPr b="0" lang="pt-BR" sz="4400" spc="-1" strike="noStrike">
               <a:latin typeface="Arial"/>
             </a:endParaRPr>
           </a:p>
@@ -3082,10 +2863,10 @@
             <a:noAutofit/>
           </a:bodyPr>
           <a:p>
-            <a:endParaRPr b="0" lang="pt-BR" sz="1800" spc="-1" strike="noStrike">
-              <a:solidFill>
-                <a:srgbClr val="000000"/>
-              </a:solidFill>
+            <a:pPr algn="ctr">
+              <a:buNone/>
+            </a:pPr>
+            <a:endParaRPr b="0" lang="pt-BR" sz="4400" spc="-1" strike="noStrike">
               <a:latin typeface="Arial"/>
             </a:endParaRPr>
           </a:p>
@@ -3119,19 +2900,7 @@
             <a:normAutofit/>
           </a:bodyPr>
           <a:p>
-            <a:pPr>
-              <a:lnSpc>
-                <a:spcPct val="90000"/>
-              </a:lnSpc>
-              <a:spcBef>
-                <a:spcPts val="1417"/>
-              </a:spcBef>
-              <a:buNone/>
-            </a:pPr>
-            <a:endParaRPr b="0" lang="pt-BR" sz="2800" spc="-1" strike="noStrike">
-              <a:solidFill>
-                <a:srgbClr val="000000"/>
-              </a:solidFill>
+            <a:endParaRPr b="0" lang="pt-BR" sz="3200" spc="-1" strike="noStrike">
               <a:latin typeface="Arial"/>
             </a:endParaRPr>
           </a:p>
@@ -3165,19 +2934,7 @@
             <a:normAutofit/>
           </a:bodyPr>
           <a:p>
-            <a:pPr>
-              <a:lnSpc>
-                <a:spcPct val="90000"/>
-              </a:lnSpc>
-              <a:spcBef>
-                <a:spcPts val="1417"/>
-              </a:spcBef>
-              <a:buNone/>
-            </a:pPr>
-            <a:endParaRPr b="0" lang="pt-BR" sz="2800" spc="-1" strike="noStrike">
-              <a:solidFill>
-                <a:srgbClr val="000000"/>
-              </a:solidFill>
+            <a:endParaRPr b="0" lang="pt-BR" sz="3200" spc="-1" strike="noStrike">
               <a:latin typeface="Arial"/>
             </a:endParaRPr>
           </a:p>
@@ -3211,19 +2968,7 @@
             <a:normAutofit/>
           </a:bodyPr>
           <a:p>
-            <a:pPr>
-              <a:lnSpc>
-                <a:spcPct val="90000"/>
-              </a:lnSpc>
-              <a:spcBef>
-                <a:spcPts val="1417"/>
-              </a:spcBef>
-              <a:buNone/>
-            </a:pPr>
-            <a:endParaRPr b="0" lang="pt-BR" sz="2800" spc="-1" strike="noStrike">
-              <a:solidFill>
-                <a:srgbClr val="000000"/>
-              </a:solidFill>
+            <a:endParaRPr b="0" lang="pt-BR" sz="3200" spc="-1" strike="noStrike">
               <a:latin typeface="Arial"/>
             </a:endParaRPr>
           </a:p>
@@ -3279,10 +3024,10 @@
             <a:noAutofit/>
           </a:bodyPr>
           <a:p>
-            <a:endParaRPr b="0" lang="pt-BR" sz="1800" spc="-1" strike="noStrike">
-              <a:solidFill>
-                <a:srgbClr val="000000"/>
-              </a:solidFill>
+            <a:pPr algn="ctr">
+              <a:buNone/>
+            </a:pPr>
+            <a:endParaRPr b="0" lang="pt-BR" sz="4400" spc="-1" strike="noStrike">
               <a:latin typeface="Arial"/>
             </a:endParaRPr>
           </a:p>
@@ -3316,19 +3061,7 @@
             <a:normAutofit/>
           </a:bodyPr>
           <a:p>
-            <a:pPr>
-              <a:lnSpc>
-                <a:spcPct val="90000"/>
-              </a:lnSpc>
-              <a:spcBef>
-                <a:spcPts val="1417"/>
-              </a:spcBef>
-              <a:buNone/>
-            </a:pPr>
-            <a:endParaRPr b="0" lang="pt-BR" sz="2800" spc="-1" strike="noStrike">
-              <a:solidFill>
-                <a:srgbClr val="000000"/>
-              </a:solidFill>
+            <a:endParaRPr b="0" lang="pt-BR" sz="3200" spc="-1" strike="noStrike">
               <a:latin typeface="Arial"/>
             </a:endParaRPr>
           </a:p>
@@ -3362,19 +3095,7 @@
             <a:normAutofit/>
           </a:bodyPr>
           <a:p>
-            <a:pPr>
-              <a:lnSpc>
-                <a:spcPct val="90000"/>
-              </a:lnSpc>
-              <a:spcBef>
-                <a:spcPts val="1417"/>
-              </a:spcBef>
-              <a:buNone/>
-            </a:pPr>
-            <a:endParaRPr b="0" lang="pt-BR" sz="2800" spc="-1" strike="noStrike">
-              <a:solidFill>
-                <a:srgbClr val="000000"/>
-              </a:solidFill>
+            <a:endParaRPr b="0" lang="pt-BR" sz="3200" spc="-1" strike="noStrike">
               <a:latin typeface="Arial"/>
             </a:endParaRPr>
           </a:p>
@@ -3408,19 +3129,7 @@
             <a:normAutofit/>
           </a:bodyPr>
           <a:p>
-            <a:pPr>
-              <a:lnSpc>
-                <a:spcPct val="90000"/>
-              </a:lnSpc>
-              <a:spcBef>
-                <a:spcPts val="1417"/>
-              </a:spcBef>
-              <a:buNone/>
-            </a:pPr>
-            <a:endParaRPr b="0" lang="pt-BR" sz="2800" spc="-1" strike="noStrike">
-              <a:solidFill>
-                <a:srgbClr val="000000"/>
-              </a:solidFill>
+            <a:endParaRPr b="0" lang="pt-BR" sz="3200" spc="-1" strike="noStrike">
               <a:latin typeface="Arial"/>
             </a:endParaRPr>
           </a:p>
@@ -3476,10 +3185,10 @@
             <a:noAutofit/>
           </a:bodyPr>
           <a:p>
-            <a:endParaRPr b="0" lang="pt-BR" sz="1800" spc="-1" strike="noStrike">
-              <a:solidFill>
-                <a:srgbClr val="000000"/>
-              </a:solidFill>
+            <a:pPr algn="ctr">
+              <a:buNone/>
+            </a:pPr>
+            <a:endParaRPr b="0" lang="pt-BR" sz="4400" spc="-1" strike="noStrike">
               <a:latin typeface="Arial"/>
             </a:endParaRPr>
           </a:p>
@@ -3513,19 +3222,7 @@
             <a:normAutofit/>
           </a:bodyPr>
           <a:p>
-            <a:pPr>
-              <a:lnSpc>
-                <a:spcPct val="90000"/>
-              </a:lnSpc>
-              <a:spcBef>
-                <a:spcPts val="1417"/>
-              </a:spcBef>
-              <a:buNone/>
-            </a:pPr>
-            <a:endParaRPr b="0" lang="pt-BR" sz="2800" spc="-1" strike="noStrike">
-              <a:solidFill>
-                <a:srgbClr val="000000"/>
-              </a:solidFill>
+            <a:endParaRPr b="0" lang="pt-BR" sz="3200" spc="-1" strike="noStrike">
               <a:latin typeface="Arial"/>
             </a:endParaRPr>
           </a:p>
@@ -3559,19 +3256,7 @@
             <a:normAutofit/>
           </a:bodyPr>
           <a:p>
-            <a:pPr>
-              <a:lnSpc>
-                <a:spcPct val="90000"/>
-              </a:lnSpc>
-              <a:spcBef>
-                <a:spcPts val="1417"/>
-              </a:spcBef>
-              <a:buNone/>
-            </a:pPr>
-            <a:endParaRPr b="0" lang="pt-BR" sz="2800" spc="-1" strike="noStrike">
-              <a:solidFill>
-                <a:srgbClr val="000000"/>
-              </a:solidFill>
+            <a:endParaRPr b="0" lang="pt-BR" sz="3200" spc="-1" strike="noStrike">
               <a:latin typeface="Arial"/>
             </a:endParaRPr>
           </a:p>
@@ -3627,10 +3312,10 @@
             <a:noAutofit/>
           </a:bodyPr>
           <a:p>
-            <a:endParaRPr b="0" lang="pt-BR" sz="1800" spc="-1" strike="noStrike">
-              <a:solidFill>
-                <a:srgbClr val="000000"/>
-              </a:solidFill>
+            <a:pPr algn="ctr">
+              <a:buNone/>
+            </a:pPr>
+            <a:endParaRPr b="0" lang="pt-BR" sz="4400" spc="-1" strike="noStrike">
               <a:latin typeface="Arial"/>
             </a:endParaRPr>
           </a:p>
@@ -3664,19 +3349,7 @@
             <a:normAutofit/>
           </a:bodyPr>
           <a:p>
-            <a:pPr>
-              <a:lnSpc>
-                <a:spcPct val="90000"/>
-              </a:lnSpc>
-              <a:spcBef>
-                <a:spcPts val="1417"/>
-              </a:spcBef>
-              <a:buNone/>
-            </a:pPr>
-            <a:endParaRPr b="0" lang="pt-BR" sz="2800" spc="-1" strike="noStrike">
-              <a:solidFill>
-                <a:srgbClr val="000000"/>
-              </a:solidFill>
+            <a:endParaRPr b="0" lang="pt-BR" sz="3200" spc="-1" strike="noStrike">
               <a:latin typeface="Arial"/>
             </a:endParaRPr>
           </a:p>
@@ -3710,19 +3383,7 @@
             <a:normAutofit/>
           </a:bodyPr>
           <a:p>
-            <a:pPr>
-              <a:lnSpc>
-                <a:spcPct val="90000"/>
-              </a:lnSpc>
-              <a:spcBef>
-                <a:spcPts val="1417"/>
-              </a:spcBef>
-              <a:buNone/>
-            </a:pPr>
-            <a:endParaRPr b="0" lang="pt-BR" sz="2800" spc="-1" strike="noStrike">
-              <a:solidFill>
-                <a:srgbClr val="000000"/>
-              </a:solidFill>
+            <a:endParaRPr b="0" lang="pt-BR" sz="3200" spc="-1" strike="noStrike">
               <a:latin typeface="Arial"/>
             </a:endParaRPr>
           </a:p>
@@ -3756,19 +3417,7 @@
             <a:normAutofit/>
           </a:bodyPr>
           <a:p>
-            <a:pPr>
-              <a:lnSpc>
-                <a:spcPct val="90000"/>
-              </a:lnSpc>
-              <a:spcBef>
-                <a:spcPts val="1417"/>
-              </a:spcBef>
-              <a:buNone/>
-            </a:pPr>
-            <a:endParaRPr b="0" lang="pt-BR" sz="2800" spc="-1" strike="noStrike">
-              <a:solidFill>
-                <a:srgbClr val="000000"/>
-              </a:solidFill>
+            <a:endParaRPr b="0" lang="pt-BR" sz="3200" spc="-1" strike="noStrike">
               <a:latin typeface="Arial"/>
             </a:endParaRPr>
           </a:p>
@@ -3802,19 +3451,7 @@
             <a:normAutofit/>
           </a:bodyPr>
           <a:p>
-            <a:pPr>
-              <a:lnSpc>
-                <a:spcPct val="90000"/>
-              </a:lnSpc>
-              <a:spcBef>
-                <a:spcPts val="1417"/>
-              </a:spcBef>
-              <a:buNone/>
-            </a:pPr>
-            <a:endParaRPr b="0" lang="pt-BR" sz="2800" spc="-1" strike="noStrike">
-              <a:solidFill>
-                <a:srgbClr val="000000"/>
-              </a:solidFill>
+            <a:endParaRPr b="0" lang="pt-BR" sz="3200" spc="-1" strike="noStrike">
               <a:latin typeface="Arial"/>
             </a:endParaRPr>
           </a:p>
@@ -3870,10 +3507,10 @@
             <a:noAutofit/>
           </a:bodyPr>
           <a:p>
-            <a:endParaRPr b="0" lang="pt-BR" sz="1800" spc="-1" strike="noStrike">
-              <a:solidFill>
-                <a:srgbClr val="000000"/>
-              </a:solidFill>
+            <a:pPr algn="ctr">
+              <a:buNone/>
+            </a:pPr>
+            <a:endParaRPr b="0" lang="pt-BR" sz="4400" spc="-1" strike="noStrike">
               <a:latin typeface="Arial"/>
             </a:endParaRPr>
           </a:p>
@@ -3907,19 +3544,7 @@
             <a:normAutofit/>
           </a:bodyPr>
           <a:p>
-            <a:pPr>
-              <a:lnSpc>
-                <a:spcPct val="90000"/>
-              </a:lnSpc>
-              <a:spcBef>
-                <a:spcPts val="1417"/>
-              </a:spcBef>
-              <a:buNone/>
-            </a:pPr>
-            <a:endParaRPr b="0" lang="pt-BR" sz="2800" spc="-1" strike="noStrike">
-              <a:solidFill>
-                <a:srgbClr val="000000"/>
-              </a:solidFill>
+            <a:endParaRPr b="0" lang="pt-BR" sz="3200" spc="-1" strike="noStrike">
               <a:latin typeface="Arial"/>
             </a:endParaRPr>
           </a:p>
@@ -3953,19 +3578,7 @@
             <a:normAutofit/>
           </a:bodyPr>
           <a:p>
-            <a:pPr>
-              <a:lnSpc>
-                <a:spcPct val="90000"/>
-              </a:lnSpc>
-              <a:spcBef>
-                <a:spcPts val="1417"/>
-              </a:spcBef>
-              <a:buNone/>
-            </a:pPr>
-            <a:endParaRPr b="0" lang="pt-BR" sz="2800" spc="-1" strike="noStrike">
-              <a:solidFill>
-                <a:srgbClr val="000000"/>
-              </a:solidFill>
+            <a:endParaRPr b="0" lang="pt-BR" sz="3200" spc="-1" strike="noStrike">
               <a:latin typeface="Arial"/>
             </a:endParaRPr>
           </a:p>
@@ -3999,19 +3612,7 @@
             <a:normAutofit/>
           </a:bodyPr>
           <a:p>
-            <a:pPr>
-              <a:lnSpc>
-                <a:spcPct val="90000"/>
-              </a:lnSpc>
-              <a:spcBef>
-                <a:spcPts val="1417"/>
-              </a:spcBef>
-              <a:buNone/>
-            </a:pPr>
-            <a:endParaRPr b="0" lang="pt-BR" sz="2800" spc="-1" strike="noStrike">
-              <a:solidFill>
-                <a:srgbClr val="000000"/>
-              </a:solidFill>
+            <a:endParaRPr b="0" lang="pt-BR" sz="3200" spc="-1" strike="noStrike">
               <a:latin typeface="Arial"/>
             </a:endParaRPr>
           </a:p>
@@ -4045,19 +3646,7 @@
             <a:normAutofit/>
           </a:bodyPr>
           <a:p>
-            <a:pPr>
-              <a:lnSpc>
-                <a:spcPct val="90000"/>
-              </a:lnSpc>
-              <a:spcBef>
-                <a:spcPts val="1417"/>
-              </a:spcBef>
-              <a:buNone/>
-            </a:pPr>
-            <a:endParaRPr b="0" lang="pt-BR" sz="2800" spc="-1" strike="noStrike">
-              <a:solidFill>
-                <a:srgbClr val="000000"/>
-              </a:solidFill>
+            <a:endParaRPr b="0" lang="pt-BR" sz="3200" spc="-1" strike="noStrike">
               <a:latin typeface="Arial"/>
             </a:endParaRPr>
           </a:p>
@@ -4091,19 +3680,7 @@
             <a:normAutofit/>
           </a:bodyPr>
           <a:p>
-            <a:pPr>
-              <a:lnSpc>
-                <a:spcPct val="90000"/>
-              </a:lnSpc>
-              <a:spcBef>
-                <a:spcPts val="1417"/>
-              </a:spcBef>
-              <a:buNone/>
-            </a:pPr>
-            <a:endParaRPr b="0" lang="pt-BR" sz="2800" spc="-1" strike="noStrike">
-              <a:solidFill>
-                <a:srgbClr val="000000"/>
-              </a:solidFill>
+            <a:endParaRPr b="0" lang="pt-BR" sz="3200" spc="-1" strike="noStrike">
               <a:latin typeface="Arial"/>
             </a:endParaRPr>
           </a:p>
@@ -4137,19 +3714,7 @@
             <a:normAutofit/>
           </a:bodyPr>
           <a:p>
-            <a:pPr>
-              <a:lnSpc>
-                <a:spcPct val="90000"/>
-              </a:lnSpc>
-              <a:spcBef>
-                <a:spcPts val="1417"/>
-              </a:spcBef>
-              <a:buNone/>
-            </a:pPr>
-            <a:endParaRPr b="0" lang="pt-BR" sz="2800" spc="-1" strike="noStrike">
-              <a:solidFill>
-                <a:srgbClr val="000000"/>
-              </a:solidFill>
+            <a:endParaRPr b="0" lang="pt-BR" sz="3200" spc="-1" strike="noStrike">
               <a:latin typeface="Arial"/>
             </a:endParaRPr>
           </a:p>
@@ -4205,10 +3770,10 @@
             <a:noAutofit/>
           </a:bodyPr>
           <a:p>
-            <a:endParaRPr b="0" lang="pt-BR" sz="1800" spc="-1" strike="noStrike">
-              <a:solidFill>
-                <a:srgbClr val="000000"/>
-              </a:solidFill>
+            <a:pPr algn="ctr">
+              <a:buNone/>
+            </a:pPr>
+            <a:endParaRPr b="0" lang="pt-BR" sz="4400" spc="-1" strike="noStrike">
               <a:latin typeface="Arial"/>
             </a:endParaRPr>
           </a:p>
@@ -4242,19 +3807,7 @@
             <a:normAutofit/>
           </a:bodyPr>
           <a:p>
-            <a:pPr>
-              <a:lnSpc>
-                <a:spcPct val="90000"/>
-              </a:lnSpc>
-              <a:spcBef>
-                <a:spcPts val="1417"/>
-              </a:spcBef>
-              <a:buNone/>
-            </a:pPr>
-            <a:endParaRPr b="0" lang="pt-BR" sz="2800" spc="-1" strike="noStrike">
-              <a:solidFill>
-                <a:srgbClr val="000000"/>
-              </a:solidFill>
+            <a:endParaRPr b="0" lang="pt-BR" sz="3200" spc="-1" strike="noStrike">
               <a:latin typeface="Arial"/>
             </a:endParaRPr>
           </a:p>
@@ -4310,10 +3863,10 @@
             <a:noAutofit/>
           </a:bodyPr>
           <a:p>
-            <a:endParaRPr b="0" lang="pt-BR" sz="1800" spc="-1" strike="noStrike">
-              <a:solidFill>
-                <a:srgbClr val="000000"/>
-              </a:solidFill>
+            <a:pPr algn="ctr">
+              <a:buNone/>
+            </a:pPr>
+            <a:endParaRPr b="0" lang="pt-BR" sz="4400" spc="-1" strike="noStrike">
               <a:latin typeface="Arial"/>
             </a:endParaRPr>
           </a:p>
@@ -4347,19 +3900,7 @@
             <a:normAutofit/>
           </a:bodyPr>
           <a:p>
-            <a:pPr>
-              <a:lnSpc>
-                <a:spcPct val="90000"/>
-              </a:lnSpc>
-              <a:spcBef>
-                <a:spcPts val="1417"/>
-              </a:spcBef>
-              <a:buNone/>
-            </a:pPr>
-            <a:endParaRPr b="0" lang="pt-BR" sz="2800" spc="-1" strike="noStrike">
-              <a:solidFill>
-                <a:srgbClr val="000000"/>
-              </a:solidFill>
+            <a:endParaRPr b="0" lang="pt-BR" sz="3200" spc="-1" strike="noStrike">
               <a:latin typeface="Arial"/>
             </a:endParaRPr>
           </a:p>
@@ -4393,19 +3934,7 @@
             <a:normAutofit/>
           </a:bodyPr>
           <a:p>
-            <a:pPr>
-              <a:lnSpc>
-                <a:spcPct val="90000"/>
-              </a:lnSpc>
-              <a:spcBef>
-                <a:spcPts val="1417"/>
-              </a:spcBef>
-              <a:buNone/>
-            </a:pPr>
-            <a:endParaRPr b="0" lang="pt-BR" sz="2800" spc="-1" strike="noStrike">
-              <a:solidFill>
-                <a:srgbClr val="000000"/>
-              </a:solidFill>
+            <a:endParaRPr b="0" lang="pt-BR" sz="3200" spc="-1" strike="noStrike">
               <a:latin typeface="Arial"/>
             </a:endParaRPr>
           </a:p>
@@ -4461,10 +3990,10 @@
             <a:noAutofit/>
           </a:bodyPr>
           <a:p>
-            <a:endParaRPr b="0" lang="pt-BR" sz="1800" spc="-1" strike="noStrike">
-              <a:solidFill>
-                <a:srgbClr val="000000"/>
-              </a:solidFill>
+            <a:pPr algn="ctr">
+              <a:buNone/>
+            </a:pPr>
+            <a:endParaRPr b="0" lang="pt-BR" sz="4400" spc="-1" strike="noStrike">
               <a:latin typeface="Arial"/>
             </a:endParaRPr>
           </a:p>
@@ -4579,10 +4108,10 @@
             <a:noAutofit/>
           </a:bodyPr>
           <a:p>
-            <a:endParaRPr b="0" lang="pt-BR" sz="1800" spc="-1" strike="noStrike">
-              <a:solidFill>
-                <a:srgbClr val="000000"/>
-              </a:solidFill>
+            <a:pPr algn="ctr">
+              <a:buNone/>
+            </a:pPr>
+            <a:endParaRPr b="0" lang="pt-BR" sz="4400" spc="-1" strike="noStrike">
               <a:latin typeface="Arial"/>
             </a:endParaRPr>
           </a:p>
@@ -4616,19 +4145,7 @@
             <a:normAutofit/>
           </a:bodyPr>
           <a:p>
-            <a:pPr>
-              <a:lnSpc>
-                <a:spcPct val="90000"/>
-              </a:lnSpc>
-              <a:spcBef>
-                <a:spcPts val="1417"/>
-              </a:spcBef>
-              <a:buNone/>
-            </a:pPr>
-            <a:endParaRPr b="0" lang="pt-BR" sz="2800" spc="-1" strike="noStrike">
-              <a:solidFill>
-                <a:srgbClr val="000000"/>
-              </a:solidFill>
+            <a:endParaRPr b="0" lang="pt-BR" sz="3200" spc="-1" strike="noStrike">
               <a:latin typeface="Arial"/>
             </a:endParaRPr>
           </a:p>
@@ -4662,19 +4179,7 @@
             <a:normAutofit/>
           </a:bodyPr>
           <a:p>
-            <a:pPr>
-              <a:lnSpc>
-                <a:spcPct val="90000"/>
-              </a:lnSpc>
-              <a:spcBef>
-                <a:spcPts val="1417"/>
-              </a:spcBef>
-              <a:buNone/>
-            </a:pPr>
-            <a:endParaRPr b="0" lang="pt-BR" sz="2800" spc="-1" strike="noStrike">
-              <a:solidFill>
-                <a:srgbClr val="000000"/>
-              </a:solidFill>
+            <a:endParaRPr b="0" lang="pt-BR" sz="3200" spc="-1" strike="noStrike">
               <a:latin typeface="Arial"/>
             </a:endParaRPr>
           </a:p>
@@ -4708,19 +4213,7 @@
             <a:normAutofit/>
           </a:bodyPr>
           <a:p>
-            <a:pPr>
-              <a:lnSpc>
-                <a:spcPct val="90000"/>
-              </a:lnSpc>
-              <a:spcBef>
-                <a:spcPts val="1417"/>
-              </a:spcBef>
-              <a:buNone/>
-            </a:pPr>
-            <a:endParaRPr b="0" lang="pt-BR" sz="2800" spc="-1" strike="noStrike">
-              <a:solidFill>
-                <a:srgbClr val="000000"/>
-              </a:solidFill>
+            <a:endParaRPr b="0" lang="pt-BR" sz="3200" spc="-1" strike="noStrike">
               <a:latin typeface="Arial"/>
             </a:endParaRPr>
           </a:p>
@@ -4776,10 +4269,10 @@
             <a:noAutofit/>
           </a:bodyPr>
           <a:p>
-            <a:endParaRPr b="0" lang="pt-BR" sz="1800" spc="-1" strike="noStrike">
-              <a:solidFill>
-                <a:srgbClr val="000000"/>
-              </a:solidFill>
+            <a:pPr algn="ctr">
+              <a:buNone/>
+            </a:pPr>
+            <a:endParaRPr b="0" lang="pt-BR" sz="4400" spc="-1" strike="noStrike">
               <a:latin typeface="Arial"/>
             </a:endParaRPr>
           </a:p>
@@ -4813,19 +4306,7 @@
             <a:normAutofit/>
           </a:bodyPr>
           <a:p>
-            <a:pPr>
-              <a:lnSpc>
-                <a:spcPct val="90000"/>
-              </a:lnSpc>
-              <a:spcBef>
-                <a:spcPts val="1417"/>
-              </a:spcBef>
-              <a:buNone/>
-            </a:pPr>
-            <a:endParaRPr b="0" lang="pt-BR" sz="2800" spc="-1" strike="noStrike">
-              <a:solidFill>
-                <a:srgbClr val="000000"/>
-              </a:solidFill>
+            <a:endParaRPr b="0" lang="pt-BR" sz="3200" spc="-1" strike="noStrike">
               <a:latin typeface="Arial"/>
             </a:endParaRPr>
           </a:p>
@@ -4859,19 +4340,7 @@
             <a:normAutofit/>
           </a:bodyPr>
           <a:p>
-            <a:pPr>
-              <a:lnSpc>
-                <a:spcPct val="90000"/>
-              </a:lnSpc>
-              <a:spcBef>
-                <a:spcPts val="1417"/>
-              </a:spcBef>
-              <a:buNone/>
-            </a:pPr>
-            <a:endParaRPr b="0" lang="pt-BR" sz="2800" spc="-1" strike="noStrike">
-              <a:solidFill>
-                <a:srgbClr val="000000"/>
-              </a:solidFill>
+            <a:endParaRPr b="0" lang="pt-BR" sz="3200" spc="-1" strike="noStrike">
               <a:latin typeface="Arial"/>
             </a:endParaRPr>
           </a:p>
@@ -4905,19 +4374,7 @@
             <a:normAutofit/>
           </a:bodyPr>
           <a:p>
-            <a:pPr>
-              <a:lnSpc>
-                <a:spcPct val="90000"/>
-              </a:lnSpc>
-              <a:spcBef>
-                <a:spcPts val="1417"/>
-              </a:spcBef>
-              <a:buNone/>
-            </a:pPr>
-            <a:endParaRPr b="0" lang="pt-BR" sz="2800" spc="-1" strike="noStrike">
-              <a:solidFill>
-                <a:srgbClr val="000000"/>
-              </a:solidFill>
+            <a:endParaRPr b="0" lang="pt-BR" sz="3200" spc="-1" strike="noStrike">
               <a:latin typeface="Arial"/>
             </a:endParaRPr>
           </a:p>
@@ -4973,10 +4430,10 @@
             <a:noAutofit/>
           </a:bodyPr>
           <a:p>
-            <a:endParaRPr b="0" lang="pt-BR" sz="1800" spc="-1" strike="noStrike">
-              <a:solidFill>
-                <a:srgbClr val="000000"/>
-              </a:solidFill>
+            <a:pPr algn="ctr">
+              <a:buNone/>
+            </a:pPr>
+            <a:endParaRPr b="0" lang="pt-BR" sz="4400" spc="-1" strike="noStrike">
               <a:latin typeface="Arial"/>
             </a:endParaRPr>
           </a:p>
@@ -5010,19 +4467,7 @@
             <a:normAutofit/>
           </a:bodyPr>
           <a:p>
-            <a:pPr>
-              <a:lnSpc>
-                <a:spcPct val="90000"/>
-              </a:lnSpc>
-              <a:spcBef>
-                <a:spcPts val="1417"/>
-              </a:spcBef>
-              <a:buNone/>
-            </a:pPr>
-            <a:endParaRPr b="0" lang="pt-BR" sz="2800" spc="-1" strike="noStrike">
-              <a:solidFill>
-                <a:srgbClr val="000000"/>
-              </a:solidFill>
+            <a:endParaRPr b="0" lang="pt-BR" sz="3200" spc="-1" strike="noStrike">
               <a:latin typeface="Arial"/>
             </a:endParaRPr>
           </a:p>
@@ -5056,19 +4501,7 @@
             <a:normAutofit/>
           </a:bodyPr>
           <a:p>
-            <a:pPr>
-              <a:lnSpc>
-                <a:spcPct val="90000"/>
-              </a:lnSpc>
-              <a:spcBef>
-                <a:spcPts val="1417"/>
-              </a:spcBef>
-              <a:buNone/>
-            </a:pPr>
-            <a:endParaRPr b="0" lang="pt-BR" sz="2800" spc="-1" strike="noStrike">
-              <a:solidFill>
-                <a:srgbClr val="000000"/>
-              </a:solidFill>
+            <a:endParaRPr b="0" lang="pt-BR" sz="3200" spc="-1" strike="noStrike">
               <a:latin typeface="Arial"/>
             </a:endParaRPr>
           </a:p>
@@ -5102,19 +4535,7 @@
             <a:normAutofit/>
           </a:bodyPr>
           <a:p>
-            <a:pPr>
-              <a:lnSpc>
-                <a:spcPct val="90000"/>
-              </a:lnSpc>
-              <a:spcBef>
-                <a:spcPts val="1417"/>
-              </a:spcBef>
-              <a:buNone/>
-            </a:pPr>
-            <a:endParaRPr b="0" lang="pt-BR" sz="2800" spc="-1" strike="noStrike">
-              <a:solidFill>
-                <a:srgbClr val="000000"/>
-              </a:solidFill>
+            <a:endParaRPr b="0" lang="pt-BR" sz="3200" spc="-1" strike="noStrike">
               <a:latin typeface="Arial"/>
             </a:endParaRPr>
           </a:p>
@@ -5158,7 +4579,7 @@
         <p:spPr>
           <a:xfrm>
             <a:off x="0" y="3150000"/>
-            <a:ext cx="9716040" cy="1256040"/>
+            <a:ext cx="9715680" cy="1255680"/>
           </a:xfrm>
           <a:prstGeom prst="rect">
             <a:avLst/>
@@ -5205,19 +4626,16 @@
             <a:noAutofit/>
           </a:bodyPr>
           <a:p>
-            <a:r>
-              <a:rPr b="0" lang="pt-BR" sz="1800" spc="-1" strike="noStrike">
-                <a:solidFill>
-                  <a:srgbClr val="000000"/>
-                </a:solidFill>
+            <a:pPr algn="ctr">
+              <a:buNone/>
+            </a:pPr>
+            <a:r>
+              <a:rPr b="0" lang="pt-BR" sz="4400" spc="-1" strike="noStrike">
                 <a:latin typeface="Arial"/>
               </a:rPr>
               <a:t>Click to edit the title text format</a:t>
             </a:r>
-            <a:endParaRPr b="0" lang="pt-BR" sz="1800" spc="-1" strike="noStrike">
-              <a:solidFill>
-                <a:srgbClr val="000000"/>
-              </a:solidFill>
+            <a:endParaRPr b="0" lang="pt-BR" sz="4400" spc="-1" strike="noStrike">
               <a:latin typeface="Arial"/>
             </a:endParaRPr>
           </a:p>
@@ -5252,9 +4670,6 @@
           </a:bodyPr>
           <a:p>
             <a:pPr marL="432000" indent="-324000">
-              <a:lnSpc>
-                <a:spcPct val="90000"/>
-              </a:lnSpc>
               <a:spcBef>
                 <a:spcPts val="1417"/>
               </a:spcBef>
@@ -5266,26 +4681,17 @@
               <a:buChar char=""/>
             </a:pPr>
             <a:r>
-              <a:rPr b="0" lang="pt-BR" sz="2800" spc="-1" strike="noStrike">
-                <a:solidFill>
-                  <a:srgbClr val="000000"/>
-                </a:solidFill>
+              <a:rPr b="0" lang="pt-BR" sz="3200" spc="-1" strike="noStrike">
                 <a:latin typeface="Arial"/>
               </a:rPr>
               <a:t>Click to edit the outline text format</a:t>
             </a:r>
-            <a:endParaRPr b="0" lang="pt-BR" sz="2800" spc="-1" strike="noStrike">
-              <a:solidFill>
-                <a:srgbClr val="000000"/>
-              </a:solidFill>
+            <a:endParaRPr b="0" lang="pt-BR" sz="3200" spc="-1" strike="noStrike">
               <a:latin typeface="Arial"/>
             </a:endParaRPr>
           </a:p>
           <a:p>
             <a:pPr lvl="1" marL="864000" indent="-324000">
-              <a:lnSpc>
-                <a:spcPct val="90000"/>
-              </a:lnSpc>
               <a:spcBef>
                 <a:spcPts val="1134"/>
               </a:spcBef>
@@ -5297,26 +4703,17 @@
               <a:buChar char=""/>
             </a:pPr>
             <a:r>
-              <a:rPr b="0" lang="pt-BR" sz="2000" spc="-1" strike="noStrike">
-                <a:solidFill>
-                  <a:srgbClr val="000000"/>
-                </a:solidFill>
+              <a:rPr b="0" lang="pt-BR" sz="2800" spc="-1" strike="noStrike">
                 <a:latin typeface="Arial"/>
               </a:rPr>
               <a:t>Second Outline Level</a:t>
             </a:r>
-            <a:endParaRPr b="0" lang="pt-BR" sz="2000" spc="-1" strike="noStrike">
-              <a:solidFill>
-                <a:srgbClr val="000000"/>
-              </a:solidFill>
+            <a:endParaRPr b="0" lang="pt-BR" sz="2800" spc="-1" strike="noStrike">
               <a:latin typeface="Arial"/>
             </a:endParaRPr>
           </a:p>
           <a:p>
             <a:pPr lvl="2" marL="1296000" indent="-288000">
-              <a:lnSpc>
-                <a:spcPct val="90000"/>
-              </a:lnSpc>
               <a:spcBef>
                 <a:spcPts val="850"/>
               </a:spcBef>
@@ -5328,26 +4725,17 @@
               <a:buChar char=""/>
             </a:pPr>
             <a:r>
-              <a:rPr b="0" lang="pt-BR" sz="1800" spc="-1" strike="noStrike">
-                <a:solidFill>
-                  <a:srgbClr val="000000"/>
-                </a:solidFill>
+              <a:rPr b="0" lang="pt-BR" sz="2400" spc="-1" strike="noStrike">
                 <a:latin typeface="Arial"/>
               </a:rPr>
               <a:t>Third Outline Level</a:t>
             </a:r>
-            <a:endParaRPr b="0" lang="pt-BR" sz="1800" spc="-1" strike="noStrike">
-              <a:solidFill>
-                <a:srgbClr val="000000"/>
-              </a:solidFill>
+            <a:endParaRPr b="0" lang="pt-BR" sz="2400" spc="-1" strike="noStrike">
               <a:latin typeface="Arial"/>
             </a:endParaRPr>
           </a:p>
           <a:p>
             <a:pPr lvl="3" marL="1728000" indent="-216000">
-              <a:lnSpc>
-                <a:spcPct val="90000"/>
-              </a:lnSpc>
               <a:spcBef>
                 <a:spcPts val="567"/>
               </a:spcBef>
@@ -5359,26 +4747,17 @@
               <a:buChar char=""/>
             </a:pPr>
             <a:r>
-              <a:rPr b="0" lang="pt-BR" sz="1800" spc="-1" strike="noStrike">
-                <a:solidFill>
-                  <a:srgbClr val="000000"/>
-                </a:solidFill>
+              <a:rPr b="0" lang="pt-BR" sz="2000" spc="-1" strike="noStrike">
                 <a:latin typeface="Arial"/>
               </a:rPr>
               <a:t>Fourth Outline Level</a:t>
             </a:r>
-            <a:endParaRPr b="0" lang="pt-BR" sz="1800" spc="-1" strike="noStrike">
-              <a:solidFill>
-                <a:srgbClr val="000000"/>
-              </a:solidFill>
+            <a:endParaRPr b="0" lang="pt-BR" sz="2000" spc="-1" strike="noStrike">
               <a:latin typeface="Arial"/>
             </a:endParaRPr>
           </a:p>
           <a:p>
             <a:pPr lvl="4" marL="2160000" indent="-216000">
-              <a:lnSpc>
-                <a:spcPct val="90000"/>
-              </a:lnSpc>
               <a:spcBef>
                 <a:spcPts val="283"/>
               </a:spcBef>
@@ -5391,25 +4770,16 @@
             </a:pPr>
             <a:r>
               <a:rPr b="0" lang="pt-BR" sz="2000" spc="-1" strike="noStrike">
-                <a:solidFill>
-                  <a:srgbClr val="000000"/>
-                </a:solidFill>
                 <a:latin typeface="Arial"/>
               </a:rPr>
               <a:t>Fifth Outline Level</a:t>
             </a:r>
             <a:endParaRPr b="0" lang="pt-BR" sz="2000" spc="-1" strike="noStrike">
-              <a:solidFill>
-                <a:srgbClr val="000000"/>
-              </a:solidFill>
               <a:latin typeface="Arial"/>
             </a:endParaRPr>
           </a:p>
           <a:p>
             <a:pPr lvl="5" marL="2592000" indent="-216000">
-              <a:lnSpc>
-                <a:spcPct val="90000"/>
-              </a:lnSpc>
               <a:spcBef>
                 <a:spcPts val="283"/>
               </a:spcBef>
@@ -5422,25 +4792,16 @@
             </a:pPr>
             <a:r>
               <a:rPr b="0" lang="pt-BR" sz="2000" spc="-1" strike="noStrike">
-                <a:solidFill>
-                  <a:srgbClr val="000000"/>
-                </a:solidFill>
                 <a:latin typeface="Arial"/>
               </a:rPr>
               <a:t>Sixth Outline Level</a:t>
             </a:r>
             <a:endParaRPr b="0" lang="pt-BR" sz="2000" spc="-1" strike="noStrike">
-              <a:solidFill>
-                <a:srgbClr val="000000"/>
-              </a:solidFill>
               <a:latin typeface="Arial"/>
             </a:endParaRPr>
           </a:p>
           <a:p>
             <a:pPr lvl="6" marL="3024000" indent="-216000">
-              <a:lnSpc>
-                <a:spcPct val="90000"/>
-              </a:lnSpc>
               <a:spcBef>
                 <a:spcPts val="283"/>
               </a:spcBef>
@@ -5453,17 +4814,11 @@
             </a:pPr>
             <a:r>
               <a:rPr b="0" lang="pt-BR" sz="2000" spc="-1" strike="noStrike">
-                <a:solidFill>
-                  <a:srgbClr val="000000"/>
-                </a:solidFill>
                 <a:latin typeface="Arial"/>
               </a:rPr>
               <a:t>Seventh Outline Level</a:t>
             </a:r>
             <a:endParaRPr b="0" lang="pt-BR" sz="2000" spc="-1" strike="noStrike">
-              <a:solidFill>
-                <a:srgbClr val="000000"/>
-              </a:solidFill>
               <a:latin typeface="Arial"/>
             </a:endParaRPr>
           </a:p>
@@ -5522,7 +4877,7 @@
         <p:spPr>
           <a:xfrm>
             <a:off x="0" y="180000"/>
-            <a:ext cx="9716040" cy="1256040"/>
+            <a:ext cx="9715680" cy="1255680"/>
           </a:xfrm>
           <a:prstGeom prst="rect">
             <a:avLst/>
@@ -5550,7 +4905,7 @@
         <p:spPr>
           <a:xfrm>
             <a:off x="7560000" y="6840000"/>
-            <a:ext cx="2516040" cy="536040"/>
+            <a:ext cx="2515680" cy="535680"/>
           </a:xfrm>
           <a:prstGeom prst="rect">
             <a:avLst/>
@@ -5578,7 +4933,7 @@
         <p:spPr>
           <a:xfrm>
             <a:off x="900000" y="6840000"/>
-            <a:ext cx="6476040" cy="536040"/>
+            <a:ext cx="6475680" cy="535680"/>
           </a:xfrm>
           <a:prstGeom prst="rect">
             <a:avLst/>
@@ -5606,7 +4961,7 @@
         <p:spPr>
           <a:xfrm>
             <a:off x="180000" y="6840000"/>
-            <a:ext cx="536040" cy="536040"/>
+            <a:ext cx="535680" cy="535680"/>
           </a:xfrm>
           <a:prstGeom prst="rect">
             <a:avLst/>
@@ -5651,19 +5006,16 @@
             <a:noAutofit/>
           </a:bodyPr>
           <a:p>
-            <a:r>
-              <a:rPr b="0" lang="pt-BR" sz="1800" spc="-1" strike="noStrike">
-                <a:solidFill>
-                  <a:srgbClr val="000000"/>
-                </a:solidFill>
+            <a:pPr algn="ctr">
+              <a:buNone/>
+            </a:pPr>
+            <a:r>
+              <a:rPr b="0" lang="pt-BR" sz="4400" spc="-1" strike="noStrike">
                 <a:latin typeface="Arial"/>
               </a:rPr>
               <a:t>Click to edit the title text format</a:t>
             </a:r>
-            <a:endParaRPr b="0" lang="pt-BR" sz="1800" spc="-1" strike="noStrike">
-              <a:solidFill>
-                <a:srgbClr val="000000"/>
-              </a:solidFill>
+            <a:endParaRPr b="0" lang="pt-BR" sz="4400" spc="-1" strike="noStrike">
               <a:latin typeface="Arial"/>
             </a:endParaRPr>
           </a:p>
@@ -5698,9 +5050,6 @@
           </a:bodyPr>
           <a:p>
             <a:pPr marL="432000" indent="-324000">
-              <a:lnSpc>
-                <a:spcPct val="90000"/>
-              </a:lnSpc>
               <a:spcBef>
                 <a:spcPts val="1417"/>
               </a:spcBef>
@@ -5712,26 +5061,17 @@
               <a:buChar char=""/>
             </a:pPr>
             <a:r>
-              <a:rPr b="0" lang="pt-BR" sz="2800" spc="-1" strike="noStrike">
-                <a:solidFill>
-                  <a:srgbClr val="000000"/>
-                </a:solidFill>
+              <a:rPr b="0" lang="pt-BR" sz="3200" spc="-1" strike="noStrike">
                 <a:latin typeface="Arial"/>
               </a:rPr>
               <a:t>Click to edit the outline text format</a:t>
             </a:r>
-            <a:endParaRPr b="0" lang="pt-BR" sz="2800" spc="-1" strike="noStrike">
-              <a:solidFill>
-                <a:srgbClr val="000000"/>
-              </a:solidFill>
+            <a:endParaRPr b="0" lang="pt-BR" sz="3200" spc="-1" strike="noStrike">
               <a:latin typeface="Arial"/>
             </a:endParaRPr>
           </a:p>
           <a:p>
             <a:pPr lvl="1" marL="864000" indent="-324000">
-              <a:lnSpc>
-                <a:spcPct val="90000"/>
-              </a:lnSpc>
               <a:spcBef>
                 <a:spcPts val="1134"/>
               </a:spcBef>
@@ -5743,26 +5083,17 @@
               <a:buChar char=""/>
             </a:pPr>
             <a:r>
-              <a:rPr b="0" lang="pt-BR" sz="2000" spc="-1" strike="noStrike">
-                <a:solidFill>
-                  <a:srgbClr val="000000"/>
-                </a:solidFill>
+              <a:rPr b="0" lang="pt-BR" sz="2800" spc="-1" strike="noStrike">
                 <a:latin typeface="Arial"/>
               </a:rPr>
               <a:t>Second Outline Level</a:t>
             </a:r>
-            <a:endParaRPr b="0" lang="pt-BR" sz="2000" spc="-1" strike="noStrike">
-              <a:solidFill>
-                <a:srgbClr val="000000"/>
-              </a:solidFill>
+            <a:endParaRPr b="0" lang="pt-BR" sz="2800" spc="-1" strike="noStrike">
               <a:latin typeface="Arial"/>
             </a:endParaRPr>
           </a:p>
           <a:p>
             <a:pPr lvl="2" marL="1296000" indent="-288000">
-              <a:lnSpc>
-                <a:spcPct val="90000"/>
-              </a:lnSpc>
               <a:spcBef>
                 <a:spcPts val="850"/>
               </a:spcBef>
@@ -5774,26 +5105,17 @@
               <a:buChar char=""/>
             </a:pPr>
             <a:r>
-              <a:rPr b="0" lang="pt-BR" sz="1800" spc="-1" strike="noStrike">
-                <a:solidFill>
-                  <a:srgbClr val="000000"/>
-                </a:solidFill>
+              <a:rPr b="0" lang="pt-BR" sz="2400" spc="-1" strike="noStrike">
                 <a:latin typeface="Arial"/>
               </a:rPr>
               <a:t>Third Outline Level</a:t>
             </a:r>
-            <a:endParaRPr b="0" lang="pt-BR" sz="1800" spc="-1" strike="noStrike">
-              <a:solidFill>
-                <a:srgbClr val="000000"/>
-              </a:solidFill>
+            <a:endParaRPr b="0" lang="pt-BR" sz="2400" spc="-1" strike="noStrike">
               <a:latin typeface="Arial"/>
             </a:endParaRPr>
           </a:p>
           <a:p>
             <a:pPr lvl="3" marL="1728000" indent="-216000">
-              <a:lnSpc>
-                <a:spcPct val="90000"/>
-              </a:lnSpc>
               <a:spcBef>
                 <a:spcPts val="567"/>
               </a:spcBef>
@@ -5805,26 +5127,17 @@
               <a:buChar char=""/>
             </a:pPr>
             <a:r>
-              <a:rPr b="0" lang="pt-BR" sz="1800" spc="-1" strike="noStrike">
-                <a:solidFill>
-                  <a:srgbClr val="000000"/>
-                </a:solidFill>
+              <a:rPr b="0" lang="pt-BR" sz="2000" spc="-1" strike="noStrike">
                 <a:latin typeface="Arial"/>
               </a:rPr>
               <a:t>Fourth Outline Level</a:t>
             </a:r>
-            <a:endParaRPr b="0" lang="pt-BR" sz="1800" spc="-1" strike="noStrike">
-              <a:solidFill>
-                <a:srgbClr val="000000"/>
-              </a:solidFill>
+            <a:endParaRPr b="0" lang="pt-BR" sz="2000" spc="-1" strike="noStrike">
               <a:latin typeface="Arial"/>
             </a:endParaRPr>
           </a:p>
           <a:p>
             <a:pPr lvl="4" marL="2160000" indent="-216000">
-              <a:lnSpc>
-                <a:spcPct val="90000"/>
-              </a:lnSpc>
               <a:spcBef>
                 <a:spcPts val="283"/>
               </a:spcBef>
@@ -5837,25 +5150,16 @@
             </a:pPr>
             <a:r>
               <a:rPr b="0" lang="pt-BR" sz="2000" spc="-1" strike="noStrike">
-                <a:solidFill>
-                  <a:srgbClr val="000000"/>
-                </a:solidFill>
                 <a:latin typeface="Arial"/>
               </a:rPr>
               <a:t>Fifth Outline Level</a:t>
             </a:r>
             <a:endParaRPr b="0" lang="pt-BR" sz="2000" spc="-1" strike="noStrike">
-              <a:solidFill>
-                <a:srgbClr val="000000"/>
-              </a:solidFill>
               <a:latin typeface="Arial"/>
             </a:endParaRPr>
           </a:p>
           <a:p>
             <a:pPr lvl="5" marL="2592000" indent="-216000">
-              <a:lnSpc>
-                <a:spcPct val="90000"/>
-              </a:lnSpc>
               <a:spcBef>
                 <a:spcPts val="283"/>
               </a:spcBef>
@@ -5868,25 +5172,16 @@
             </a:pPr>
             <a:r>
               <a:rPr b="0" lang="pt-BR" sz="2000" spc="-1" strike="noStrike">
-                <a:solidFill>
-                  <a:srgbClr val="000000"/>
-                </a:solidFill>
                 <a:latin typeface="Arial"/>
               </a:rPr>
               <a:t>Sixth Outline Level</a:t>
             </a:r>
             <a:endParaRPr b="0" lang="pt-BR" sz="2000" spc="-1" strike="noStrike">
-              <a:solidFill>
-                <a:srgbClr val="000000"/>
-              </a:solidFill>
               <a:latin typeface="Arial"/>
             </a:endParaRPr>
           </a:p>
           <a:p>
             <a:pPr lvl="6" marL="3024000" indent="-216000">
-              <a:lnSpc>
-                <a:spcPct val="90000"/>
-              </a:lnSpc>
               <a:spcBef>
                 <a:spcPts val="283"/>
               </a:spcBef>
@@ -5899,17 +5194,11 @@
             </a:pPr>
             <a:r>
               <a:rPr b="0" lang="pt-BR" sz="2000" spc="-1" strike="noStrike">
-                <a:solidFill>
-                  <a:srgbClr val="000000"/>
-                </a:solidFill>
                 <a:latin typeface="Arial"/>
               </a:rPr>
               <a:t>Seventh Outline Level</a:t>
             </a:r>
             <a:endParaRPr b="0" lang="pt-BR" sz="2000" spc="-1" strike="noStrike">
-              <a:solidFill>
-                <a:srgbClr val="000000"/>
-              </a:solidFill>
               <a:latin typeface="Arial"/>
             </a:endParaRPr>
           </a:p>
@@ -5961,7 +5250,7 @@
         <p:spPr>
           <a:xfrm>
             <a:off x="360000" y="3330000"/>
-            <a:ext cx="9356040" cy="896040"/>
+            <a:ext cx="9355680" cy="895680"/>
           </a:xfrm>
           <a:prstGeom prst="rect">
             <a:avLst/>
@@ -6013,7 +5302,7 @@
         <p:spPr>
           <a:xfrm>
             <a:off x="540000" y="4680000"/>
-            <a:ext cx="9176040" cy="2516040"/>
+            <a:ext cx="9175680" cy="2515680"/>
           </a:xfrm>
           <a:prstGeom prst="rect">
             <a:avLst/>
@@ -6218,7 +5507,7 @@
         <p:spPr>
           <a:xfrm>
             <a:off x="360000" y="360000"/>
-            <a:ext cx="9356040" cy="896040"/>
+            <a:ext cx="9355680" cy="895680"/>
           </a:xfrm>
           <a:prstGeom prst="rect">
             <a:avLst/>
@@ -6270,7 +5559,7 @@
         <p:spPr>
           <a:xfrm>
             <a:off x="897120" y="6886080"/>
-            <a:ext cx="6443280" cy="361080"/>
+            <a:ext cx="6442920" cy="360720"/>
           </a:xfrm>
           <a:prstGeom prst="rect">
             <a:avLst/>
@@ -6322,7 +5611,7 @@
         <p:spPr>
           <a:xfrm>
             <a:off x="7608600" y="6886080"/>
-            <a:ext cx="2281320" cy="361080"/>
+            <a:ext cx="2280960" cy="360720"/>
           </a:xfrm>
           <a:prstGeom prst="rect">
             <a:avLst/>
@@ -6384,7 +5673,7 @@
         <p:spPr>
           <a:xfrm>
             <a:off x="360000" y="1980000"/>
-            <a:ext cx="9176040" cy="4676040"/>
+            <a:ext cx="9175680" cy="4675680"/>
           </a:xfrm>
           <a:prstGeom prst="rect">
             <a:avLst/>
@@ -6680,7 +5969,7 @@
         <p:spPr>
           <a:xfrm>
             <a:off x="3060000" y="4483440"/>
-            <a:ext cx="6219720" cy="2104560"/>
+            <a:ext cx="6219360" cy="2104200"/>
           </a:xfrm>
           <a:prstGeom prst="rect">
             <a:avLst/>
@@ -6699,7 +5988,7 @@
         <p:spPr>
           <a:xfrm>
             <a:off x="3060000" y="6300000"/>
-            <a:ext cx="234000" cy="234000"/>
+            <a:ext cx="233640" cy="233640"/>
           </a:xfrm>
           <a:prstGeom prst="ellipse">
             <a:avLst/>
@@ -6729,7 +6018,7 @@
         <p:spPr>
           <a:xfrm>
             <a:off x="3528360" y="6300360"/>
-            <a:ext cx="234000" cy="234000"/>
+            <a:ext cx="233640" cy="233640"/>
           </a:xfrm>
           <a:prstGeom prst="ellipse">
             <a:avLst/>
@@ -6759,7 +6048,7 @@
         <p:spPr>
           <a:xfrm>
             <a:off x="3960720" y="6300720"/>
-            <a:ext cx="234000" cy="234000"/>
+            <a:ext cx="233640" cy="233640"/>
           </a:xfrm>
           <a:prstGeom prst="ellipse">
             <a:avLst/>
@@ -6789,7 +6078,7 @@
         <p:spPr>
           <a:xfrm>
             <a:off x="4770000" y="6336000"/>
-            <a:ext cx="234000" cy="234000"/>
+            <a:ext cx="233640" cy="233640"/>
           </a:xfrm>
           <a:prstGeom prst="ellipse">
             <a:avLst/>
@@ -6819,7 +6108,7 @@
         <p:spPr>
           <a:xfrm>
             <a:off x="5130000" y="6318000"/>
-            <a:ext cx="234000" cy="234000"/>
+            <a:ext cx="233640" cy="233640"/>
           </a:xfrm>
           <a:prstGeom prst="ellipse">
             <a:avLst/>
@@ -6879,7 +6168,7 @@
         <p:spPr>
           <a:xfrm>
             <a:off x="360000" y="360000"/>
-            <a:ext cx="9356040" cy="896040"/>
+            <a:ext cx="9355680" cy="895680"/>
           </a:xfrm>
           <a:prstGeom prst="rect">
             <a:avLst/>
@@ -6931,7 +6220,7 @@
         <p:spPr>
           <a:xfrm>
             <a:off x="897120" y="6886080"/>
-            <a:ext cx="6443280" cy="361080"/>
+            <a:ext cx="6442920" cy="360720"/>
           </a:xfrm>
           <a:prstGeom prst="rect">
             <a:avLst/>
@@ -6983,7 +6272,7 @@
         <p:spPr>
           <a:xfrm>
             <a:off x="7608600" y="6886080"/>
-            <a:ext cx="2281320" cy="361080"/>
+            <a:ext cx="2280960" cy="360720"/>
           </a:xfrm>
           <a:prstGeom prst="rect">
             <a:avLst/>
@@ -7049,7 +6338,7 @@
         <p:spPr>
           <a:xfrm>
             <a:off x="546480" y="2473560"/>
-            <a:ext cx="8983080" cy="2434320"/>
+            <a:ext cx="8982720" cy="2433960"/>
           </a:xfrm>
           <a:prstGeom prst="rect">
             <a:avLst/>
@@ -7098,7 +6387,7 @@
         <p:spPr>
           <a:xfrm>
             <a:off x="360000" y="360000"/>
-            <a:ext cx="9356040" cy="896040"/>
+            <a:ext cx="9355680" cy="895680"/>
           </a:xfrm>
           <a:prstGeom prst="rect">
             <a:avLst/>
@@ -7150,7 +6439,7 @@
         <p:spPr>
           <a:xfrm>
             <a:off x="897120" y="6886080"/>
-            <a:ext cx="6443280" cy="361080"/>
+            <a:ext cx="6442920" cy="360720"/>
           </a:xfrm>
           <a:prstGeom prst="rect">
             <a:avLst/>
@@ -7202,7 +6491,7 @@
         <p:spPr>
           <a:xfrm>
             <a:off x="7608600" y="6886080"/>
-            <a:ext cx="2281320" cy="361080"/>
+            <a:ext cx="2280960" cy="360720"/>
           </a:xfrm>
           <a:prstGeom prst="rect">
             <a:avLst/>
@@ -7264,7 +6553,7 @@
         <p:spPr>
           <a:xfrm>
             <a:off x="200160" y="1689840"/>
-            <a:ext cx="9515880" cy="2832840"/>
+            <a:ext cx="9515520" cy="2832840"/>
           </a:xfrm>
           <a:prstGeom prst="rect">
             <a:avLst/>
@@ -7556,7 +6845,7 @@
         <p:spPr>
           <a:xfrm>
             <a:off x="7175880" y="2042280"/>
-            <a:ext cx="2449440" cy="638280"/>
+            <a:ext cx="2449080" cy="637920"/>
           </a:xfrm>
           <a:prstGeom prst="rect">
             <a:avLst/>
@@ -7578,8 +6867,8 @@
         </p:blipFill>
         <p:spPr>
           <a:xfrm>
-            <a:off x="897120" y="4038840"/>
-            <a:ext cx="7723800" cy="2505600"/>
+            <a:off x="897120" y="4313520"/>
+            <a:ext cx="7723440" cy="2230560"/>
           </a:xfrm>
           <a:prstGeom prst="rect">
             <a:avLst/>
@@ -7602,7 +6891,7 @@
         <p:spPr>
           <a:xfrm>
             <a:off x="7328520" y="2194920"/>
-            <a:ext cx="2449440" cy="638280"/>
+            <a:ext cx="2449080" cy="637920"/>
           </a:xfrm>
           <a:prstGeom prst="rect">
             <a:avLst/>
@@ -7651,7 +6940,7 @@
         <p:spPr>
           <a:xfrm>
             <a:off x="360000" y="360000"/>
-            <a:ext cx="9356040" cy="896040"/>
+            <a:ext cx="9355680" cy="895680"/>
           </a:xfrm>
           <a:prstGeom prst="rect">
             <a:avLst/>
@@ -7703,7 +6992,7 @@
         <p:spPr>
           <a:xfrm>
             <a:off x="897120" y="6886080"/>
-            <a:ext cx="6443280" cy="361080"/>
+            <a:ext cx="6442920" cy="360720"/>
           </a:xfrm>
           <a:prstGeom prst="rect">
             <a:avLst/>
@@ -7755,7 +7044,7 @@
         <p:spPr>
           <a:xfrm>
             <a:off x="7608600" y="6886080"/>
-            <a:ext cx="2281320" cy="361080"/>
+            <a:ext cx="2280960" cy="360720"/>
           </a:xfrm>
           <a:prstGeom prst="rect">
             <a:avLst/>
@@ -7817,7 +7106,7 @@
         <p:spPr>
           <a:xfrm>
             <a:off x="200160" y="1742760"/>
-            <a:ext cx="9515880" cy="1461240"/>
+            <a:ext cx="9515520" cy="1461240"/>
           </a:xfrm>
           <a:prstGeom prst="rect">
             <a:avLst/>
@@ -7963,7 +7252,7 @@
         <p:spPr>
           <a:xfrm>
             <a:off x="1737720" y="3024360"/>
-            <a:ext cx="1978920" cy="3243960"/>
+            <a:ext cx="1978560" cy="3243600"/>
           </a:xfrm>
           <a:prstGeom prst="rect">
             <a:avLst/>
@@ -7986,7 +7275,7 @@
         <p:spPr>
           <a:xfrm>
             <a:off x="5707080" y="3112200"/>
-            <a:ext cx="1560240" cy="3068640"/>
+            <a:ext cx="1559880" cy="3068280"/>
           </a:xfrm>
           <a:prstGeom prst="rect">
             <a:avLst/>
@@ -8005,7 +7294,7 @@
         <p:spPr>
           <a:xfrm>
             <a:off x="4119120" y="4339800"/>
-            <a:ext cx="1135440" cy="361080"/>
+            <a:ext cx="1135080" cy="360720"/>
           </a:xfrm>
           <a:prstGeom prst="rightArrow">
             <a:avLst>
@@ -8077,7 +7366,7 @@
         <p:spPr>
           <a:xfrm>
             <a:off x="360000" y="360000"/>
-            <a:ext cx="9356040" cy="896040"/>
+            <a:ext cx="9355680" cy="895680"/>
           </a:xfrm>
           <a:prstGeom prst="rect">
             <a:avLst/>
@@ -8129,7 +7418,7 @@
         <p:spPr>
           <a:xfrm>
             <a:off x="897120" y="6886080"/>
-            <a:ext cx="6443280" cy="361080"/>
+            <a:ext cx="6442920" cy="360720"/>
           </a:xfrm>
           <a:prstGeom prst="rect">
             <a:avLst/>
@@ -8181,7 +7470,7 @@
         <p:spPr>
           <a:xfrm>
             <a:off x="7608600" y="6886080"/>
-            <a:ext cx="2281320" cy="361080"/>
+            <a:ext cx="2280960" cy="360720"/>
           </a:xfrm>
           <a:prstGeom prst="rect">
             <a:avLst/>
@@ -8243,7 +7532,7 @@
         <p:spPr>
           <a:xfrm>
             <a:off x="200160" y="1742760"/>
-            <a:ext cx="9515880" cy="912600"/>
+            <a:ext cx="9515520" cy="912600"/>
           </a:xfrm>
           <a:prstGeom prst="rect">
             <a:avLst/>
@@ -8339,7 +7628,7 @@
         <p:spPr>
           <a:xfrm>
             <a:off x="360000" y="2963520"/>
-            <a:ext cx="3668400" cy="3668400"/>
+            <a:ext cx="3668040" cy="3668040"/>
           </a:xfrm>
           <a:prstGeom prst="rect">
             <a:avLst/>
@@ -8362,7 +7651,7 @@
         <p:spPr>
           <a:xfrm>
             <a:off x="6047640" y="2963520"/>
-            <a:ext cx="3668400" cy="3668400"/>
+            <a:ext cx="3668040" cy="3668040"/>
           </a:xfrm>
           <a:prstGeom prst="rect">
             <a:avLst/>
@@ -8385,7 +7674,7 @@
         <p:spPr>
           <a:xfrm>
             <a:off x="4276080" y="4191840"/>
-            <a:ext cx="1527840" cy="1018440"/>
+            <a:ext cx="1527480" cy="1018080"/>
           </a:xfrm>
           <a:prstGeom prst="rect">
             <a:avLst/>
@@ -8434,7 +7723,7 @@
         <p:spPr>
           <a:xfrm>
             <a:off x="360000" y="360000"/>
-            <a:ext cx="9356040" cy="896040"/>
+            <a:ext cx="9355680" cy="895680"/>
           </a:xfrm>
           <a:prstGeom prst="rect">
             <a:avLst/>
@@ -8486,7 +7775,7 @@
         <p:spPr>
           <a:xfrm>
             <a:off x="897120" y="6886080"/>
-            <a:ext cx="6443280" cy="361080"/>
+            <a:ext cx="6442920" cy="360720"/>
           </a:xfrm>
           <a:prstGeom prst="rect">
             <a:avLst/>
@@ -8538,7 +7827,7 @@
         <p:spPr>
           <a:xfrm>
             <a:off x="7608600" y="6886080"/>
-            <a:ext cx="2281320" cy="361080"/>
+            <a:ext cx="2280960" cy="360720"/>
           </a:xfrm>
           <a:prstGeom prst="rect">
             <a:avLst/>
@@ -8600,7 +7889,7 @@
         <p:spPr>
           <a:xfrm>
             <a:off x="200160" y="1742760"/>
-            <a:ext cx="9515880" cy="912600"/>
+            <a:ext cx="9515520" cy="912600"/>
           </a:xfrm>
           <a:prstGeom prst="rect">
             <a:avLst/>
@@ -8710,7 +7999,7 @@
         <p:spPr>
           <a:xfrm>
             <a:off x="7067520" y="1910520"/>
-            <a:ext cx="2287080" cy="755280"/>
+            <a:ext cx="2286720" cy="754920"/>
           </a:xfrm>
           <a:prstGeom prst="rect">
             <a:avLst/>
@@ -8733,7 +8022,7 @@
         <p:spPr>
           <a:xfrm>
             <a:off x="1725120" y="3128760"/>
-            <a:ext cx="7207560" cy="3598200"/>
+            <a:ext cx="7207200" cy="3597840"/>
           </a:xfrm>
           <a:prstGeom prst="rect">
             <a:avLst/>
@@ -8782,7 +8071,7 @@
         <p:spPr>
           <a:xfrm>
             <a:off x="360000" y="360000"/>
-            <a:ext cx="9356040" cy="896040"/>
+            <a:ext cx="9355680" cy="895680"/>
           </a:xfrm>
           <a:prstGeom prst="rect">
             <a:avLst/>
@@ -8834,7 +8123,7 @@
         <p:spPr>
           <a:xfrm>
             <a:off x="897120" y="6886080"/>
-            <a:ext cx="6443280" cy="361080"/>
+            <a:ext cx="6442920" cy="360720"/>
           </a:xfrm>
           <a:prstGeom prst="rect">
             <a:avLst/>
@@ -8886,7 +8175,7 @@
         <p:spPr>
           <a:xfrm>
             <a:off x="7608600" y="6886080"/>
-            <a:ext cx="2281320" cy="361080"/>
+            <a:ext cx="2280960" cy="360720"/>
           </a:xfrm>
           <a:prstGeom prst="rect">
             <a:avLst/>
@@ -8948,7 +8237,7 @@
         <p:spPr>
           <a:xfrm>
             <a:off x="200160" y="1742760"/>
-            <a:ext cx="9515880" cy="1461240"/>
+            <a:ext cx="9515520" cy="1461240"/>
           </a:xfrm>
           <a:prstGeom prst="rect">
             <a:avLst/>
@@ -9069,7 +8358,7 @@
         <p:spPr>
           <a:xfrm>
             <a:off x="519120" y="3429360"/>
-            <a:ext cx="3857400" cy="3295440"/>
+            <a:ext cx="3857040" cy="3295080"/>
           </a:xfrm>
           <a:prstGeom prst="rect">
             <a:avLst/>
@@ -9092,7 +8381,7 @@
         <p:spPr>
           <a:xfrm>
             <a:off x="5336280" y="3835440"/>
-            <a:ext cx="3648240" cy="1562040"/>
+            <a:ext cx="3647880" cy="1561680"/>
           </a:xfrm>
           <a:prstGeom prst="rect">
             <a:avLst/>
@@ -9141,7 +8430,7 @@
         <p:spPr>
           <a:xfrm>
             <a:off x="360000" y="360000"/>
-            <a:ext cx="9356040" cy="896040"/>
+            <a:ext cx="9355680" cy="895680"/>
           </a:xfrm>
           <a:prstGeom prst="rect">
             <a:avLst/>
@@ -9193,7 +8482,7 @@
         <p:spPr>
           <a:xfrm>
             <a:off x="897120" y="6886080"/>
-            <a:ext cx="6443280" cy="361080"/>
+            <a:ext cx="6442920" cy="360720"/>
           </a:xfrm>
           <a:prstGeom prst="rect">
             <a:avLst/>
@@ -9245,7 +8534,7 @@
         <p:spPr>
           <a:xfrm>
             <a:off x="7608600" y="6886080"/>
-            <a:ext cx="2281320" cy="361080"/>
+            <a:ext cx="2280960" cy="360720"/>
           </a:xfrm>
           <a:prstGeom prst="rect">
             <a:avLst/>
@@ -9318,7 +8607,7 @@
         <p:spPr>
           <a:xfrm>
             <a:off x="200160" y="1689840"/>
-            <a:ext cx="9515880" cy="3381480"/>
+            <a:ext cx="9515520" cy="3381480"/>
           </a:xfrm>
           <a:prstGeom prst="rect">
             <a:avLst/>
@@ -9481,7 +8770,7 @@
         <p:spPr>
           <a:xfrm>
             <a:off x="200160" y="1689840"/>
-            <a:ext cx="9515880" cy="3655800"/>
+            <a:ext cx="9515520" cy="3655800"/>
           </a:xfrm>
           <a:prstGeom prst="rect">
             <a:avLst/>

--- a/ComputerVision/Lecture 07 - Image Descriptors/Lecture 07 - Image Descriptors.pptx
+++ b/ComputerVision/Lecture 07 - Image Descriptors/Lecture 07 - Image Descriptors.pptx
@@ -301,7 +301,7 @@
             <a:pPr algn="r">
               <a:buNone/>
             </a:pPr>
-            <a:fld id="{ACC0690B-B727-4844-841C-D7DB20935902}" type="slidenum">
+            <a:fld id="{00891B55-9994-4EC7-A42F-5FBE3F3B1A9E}" type="slidenum">
               <a:rPr b="0" lang="pt-BR" sz="1400" spc="-1" strike="noStrike">
                 <a:latin typeface="Times New Roman"/>
               </a:rPr>
@@ -338,7 +338,7 @@
       </p:grpSpPr>
       <p:sp>
         <p:nvSpPr>
-          <p:cNvPr id="141" name="PlaceHolder 1"/>
+          <p:cNvPr id="140" name="PlaceHolder 1"/>
           <p:cNvSpPr>
             <a:spLocks noGrp="1"/>
           </p:cNvSpPr>
@@ -349,19 +349,19 @@
         <p:spPr>
           <a:xfrm>
             <a:off x="1376280" y="1336680"/>
-            <a:ext cx="4803120" cy="3602880"/>
-          </a:xfrm>
-          <a:prstGeom prst="rect">
-            <a:avLst/>
-          </a:prstGeom>
-          <a:ln w="0">
-            <a:noFill/>
-          </a:ln>
-        </p:spPr>
-      </p:sp>
-      <p:sp>
-        <p:nvSpPr>
-          <p:cNvPr id="142" name="PlaceHolder 2"/>
+            <a:ext cx="4802760" cy="3602520"/>
+          </a:xfrm>
+          <a:prstGeom prst="rect">
+            <a:avLst/>
+          </a:prstGeom>
+          <a:ln w="0">
+            <a:noFill/>
+          </a:ln>
+        </p:spPr>
+      </p:sp>
+      <p:sp>
+        <p:nvSpPr>
+          <p:cNvPr id="141" name="PlaceHolder 2"/>
           <p:cNvSpPr>
             <a:spLocks noGrp="1"/>
           </p:cNvSpPr>
@@ -372,7 +372,7 @@
         <p:spPr>
           <a:xfrm>
             <a:off x="756000" y="5145120"/>
-            <a:ext cx="6043320" cy="4205520"/>
+            <a:ext cx="6042960" cy="4205160"/>
           </a:xfrm>
           <a:prstGeom prst="rect">
             <a:avLst/>
@@ -395,14 +395,14 @@
       </p:sp>
       <p:sp>
         <p:nvSpPr>
-          <p:cNvPr id="143" name="CustomShape 3"/>
+          <p:cNvPr id="142" name="CustomShape 3"/>
           <p:cNvSpPr/>
           <p:nvPr/>
         </p:nvSpPr>
         <p:spPr>
           <a:xfrm>
             <a:off x="0" y="10155240"/>
-            <a:ext cx="3271680" cy="532080"/>
+            <a:ext cx="3271320" cy="531720"/>
           </a:xfrm>
           <a:prstGeom prst="rect">
             <a:avLst/>
@@ -469,7 +469,7 @@
       </p:grpSpPr>
       <p:sp>
         <p:nvSpPr>
-          <p:cNvPr id="144" name="PlaceHolder 1"/>
+          <p:cNvPr id="143" name="PlaceHolder 1"/>
           <p:cNvSpPr>
             <a:spLocks noGrp="1"/>
           </p:cNvSpPr>
@@ -480,19 +480,19 @@
         <p:spPr>
           <a:xfrm>
             <a:off x="1376280" y="1336680"/>
-            <a:ext cx="4803120" cy="3602880"/>
-          </a:xfrm>
-          <a:prstGeom prst="rect">
-            <a:avLst/>
-          </a:prstGeom>
-          <a:ln w="0">
-            <a:noFill/>
-          </a:ln>
-        </p:spPr>
-      </p:sp>
-      <p:sp>
-        <p:nvSpPr>
-          <p:cNvPr id="145" name="PlaceHolder 2"/>
+            <a:ext cx="4802760" cy="3602520"/>
+          </a:xfrm>
+          <a:prstGeom prst="rect">
+            <a:avLst/>
+          </a:prstGeom>
+          <a:ln w="0">
+            <a:noFill/>
+          </a:ln>
+        </p:spPr>
+      </p:sp>
+      <p:sp>
+        <p:nvSpPr>
+          <p:cNvPr id="144" name="PlaceHolder 2"/>
           <p:cNvSpPr>
             <a:spLocks noGrp="1"/>
           </p:cNvSpPr>
@@ -503,7 +503,7 @@
         <p:spPr>
           <a:xfrm>
             <a:off x="756000" y="5145120"/>
-            <a:ext cx="6043320" cy="4205520"/>
+            <a:ext cx="6042960" cy="4205160"/>
           </a:xfrm>
           <a:prstGeom prst="rect">
             <a:avLst/>
@@ -526,14 +526,14 @@
       </p:sp>
       <p:sp>
         <p:nvSpPr>
-          <p:cNvPr id="146" name="CustomShape 3"/>
+          <p:cNvPr id="145" name="CustomShape 3"/>
           <p:cNvSpPr/>
           <p:nvPr/>
         </p:nvSpPr>
         <p:spPr>
           <a:xfrm>
             <a:off x="0" y="10155240"/>
-            <a:ext cx="3271680" cy="532080"/>
+            <a:ext cx="3271320" cy="531720"/>
           </a:xfrm>
           <a:prstGeom prst="rect">
             <a:avLst/>
@@ -600,7 +600,7 @@
       </p:grpSpPr>
       <p:sp>
         <p:nvSpPr>
-          <p:cNvPr id="147" name="PlaceHolder 1"/>
+          <p:cNvPr id="146" name="PlaceHolder 1"/>
           <p:cNvSpPr>
             <a:spLocks noGrp="1"/>
           </p:cNvSpPr>
@@ -611,19 +611,19 @@
         <p:spPr>
           <a:xfrm>
             <a:off x="1376280" y="1336680"/>
-            <a:ext cx="4803120" cy="3602880"/>
-          </a:xfrm>
-          <a:prstGeom prst="rect">
-            <a:avLst/>
-          </a:prstGeom>
-          <a:ln w="0">
-            <a:noFill/>
-          </a:ln>
-        </p:spPr>
-      </p:sp>
-      <p:sp>
-        <p:nvSpPr>
-          <p:cNvPr id="148" name="PlaceHolder 2"/>
+            <a:ext cx="4802760" cy="3602520"/>
+          </a:xfrm>
+          <a:prstGeom prst="rect">
+            <a:avLst/>
+          </a:prstGeom>
+          <a:ln w="0">
+            <a:noFill/>
+          </a:ln>
+        </p:spPr>
+      </p:sp>
+      <p:sp>
+        <p:nvSpPr>
+          <p:cNvPr id="147" name="PlaceHolder 2"/>
           <p:cNvSpPr>
             <a:spLocks noGrp="1"/>
           </p:cNvSpPr>
@@ -634,7 +634,7 @@
         <p:spPr>
           <a:xfrm>
             <a:off x="756000" y="5145120"/>
-            <a:ext cx="6043320" cy="4205520"/>
+            <a:ext cx="6042960" cy="4205160"/>
           </a:xfrm>
           <a:prstGeom prst="rect">
             <a:avLst/>
@@ -657,14 +657,14 @@
       </p:sp>
       <p:sp>
         <p:nvSpPr>
-          <p:cNvPr id="149" name="CustomShape 3"/>
+          <p:cNvPr id="148" name="CustomShape 3"/>
           <p:cNvSpPr/>
           <p:nvPr/>
         </p:nvSpPr>
         <p:spPr>
           <a:xfrm>
             <a:off x="0" y="10155240"/>
-            <a:ext cx="3271680" cy="532080"/>
+            <a:ext cx="3271320" cy="531720"/>
           </a:xfrm>
           <a:prstGeom prst="rect">
             <a:avLst/>
@@ -731,7 +731,7 @@
       </p:grpSpPr>
       <p:sp>
         <p:nvSpPr>
-          <p:cNvPr id="150" name="PlaceHolder 1"/>
+          <p:cNvPr id="149" name="PlaceHolder 1"/>
           <p:cNvSpPr>
             <a:spLocks noGrp="1"/>
           </p:cNvSpPr>
@@ -742,19 +742,19 @@
         <p:spPr>
           <a:xfrm>
             <a:off x="1376280" y="1336680"/>
-            <a:ext cx="4803120" cy="3602880"/>
-          </a:xfrm>
-          <a:prstGeom prst="rect">
-            <a:avLst/>
-          </a:prstGeom>
-          <a:ln w="0">
-            <a:noFill/>
-          </a:ln>
-        </p:spPr>
-      </p:sp>
-      <p:sp>
-        <p:nvSpPr>
-          <p:cNvPr id="151" name="PlaceHolder 2"/>
+            <a:ext cx="4802760" cy="3602520"/>
+          </a:xfrm>
+          <a:prstGeom prst="rect">
+            <a:avLst/>
+          </a:prstGeom>
+          <a:ln w="0">
+            <a:noFill/>
+          </a:ln>
+        </p:spPr>
+      </p:sp>
+      <p:sp>
+        <p:nvSpPr>
+          <p:cNvPr id="150" name="PlaceHolder 2"/>
           <p:cNvSpPr>
             <a:spLocks noGrp="1"/>
           </p:cNvSpPr>
@@ -765,7 +765,7 @@
         <p:spPr>
           <a:xfrm>
             <a:off x="756000" y="5145120"/>
-            <a:ext cx="6043320" cy="4205520"/>
+            <a:ext cx="6042960" cy="4205160"/>
           </a:xfrm>
           <a:prstGeom prst="rect">
             <a:avLst/>
@@ -788,14 +788,14 @@
       </p:sp>
       <p:sp>
         <p:nvSpPr>
-          <p:cNvPr id="152" name="CustomShape 3"/>
+          <p:cNvPr id="151" name="CustomShape 3"/>
           <p:cNvSpPr/>
           <p:nvPr/>
         </p:nvSpPr>
         <p:spPr>
           <a:xfrm>
             <a:off x="0" y="10155240"/>
-            <a:ext cx="3271680" cy="532080"/>
+            <a:ext cx="3271320" cy="531720"/>
           </a:xfrm>
           <a:prstGeom prst="rect">
             <a:avLst/>
@@ -862,7 +862,7 @@
       </p:grpSpPr>
       <p:sp>
         <p:nvSpPr>
-          <p:cNvPr id="153" name="PlaceHolder 1"/>
+          <p:cNvPr id="152" name="PlaceHolder 1"/>
           <p:cNvSpPr>
             <a:spLocks noGrp="1"/>
           </p:cNvSpPr>
@@ -873,19 +873,19 @@
         <p:spPr>
           <a:xfrm>
             <a:off x="1376280" y="1336680"/>
-            <a:ext cx="4803120" cy="3602880"/>
-          </a:xfrm>
-          <a:prstGeom prst="rect">
-            <a:avLst/>
-          </a:prstGeom>
-          <a:ln w="0">
-            <a:noFill/>
-          </a:ln>
-        </p:spPr>
-      </p:sp>
-      <p:sp>
-        <p:nvSpPr>
-          <p:cNvPr id="154" name="PlaceHolder 2"/>
+            <a:ext cx="4802760" cy="3602520"/>
+          </a:xfrm>
+          <a:prstGeom prst="rect">
+            <a:avLst/>
+          </a:prstGeom>
+          <a:ln w="0">
+            <a:noFill/>
+          </a:ln>
+        </p:spPr>
+      </p:sp>
+      <p:sp>
+        <p:nvSpPr>
+          <p:cNvPr id="153" name="PlaceHolder 2"/>
           <p:cNvSpPr>
             <a:spLocks noGrp="1"/>
           </p:cNvSpPr>
@@ -896,7 +896,7 @@
         <p:spPr>
           <a:xfrm>
             <a:off x="756000" y="5145120"/>
-            <a:ext cx="6043320" cy="4205520"/>
+            <a:ext cx="6042960" cy="4205160"/>
           </a:xfrm>
           <a:prstGeom prst="rect">
             <a:avLst/>
@@ -919,14 +919,14 @@
       </p:sp>
       <p:sp>
         <p:nvSpPr>
-          <p:cNvPr id="155" name="CustomShape 3"/>
+          <p:cNvPr id="154" name="CustomShape 3"/>
           <p:cNvSpPr/>
           <p:nvPr/>
         </p:nvSpPr>
         <p:spPr>
           <a:xfrm>
             <a:off x="0" y="10155240"/>
-            <a:ext cx="3271680" cy="532080"/>
+            <a:ext cx="3271320" cy="531720"/>
           </a:xfrm>
           <a:prstGeom prst="rect">
             <a:avLst/>
@@ -993,7 +993,7 @@
       </p:grpSpPr>
       <p:sp>
         <p:nvSpPr>
-          <p:cNvPr id="156" name="PlaceHolder 1"/>
+          <p:cNvPr id="155" name="PlaceHolder 1"/>
           <p:cNvSpPr>
             <a:spLocks noGrp="1"/>
           </p:cNvSpPr>
@@ -1004,19 +1004,19 @@
         <p:spPr>
           <a:xfrm>
             <a:off x="1376280" y="1336680"/>
-            <a:ext cx="4803120" cy="3602880"/>
-          </a:xfrm>
-          <a:prstGeom prst="rect">
-            <a:avLst/>
-          </a:prstGeom>
-          <a:ln w="0">
-            <a:noFill/>
-          </a:ln>
-        </p:spPr>
-      </p:sp>
-      <p:sp>
-        <p:nvSpPr>
-          <p:cNvPr id="157" name="PlaceHolder 2"/>
+            <a:ext cx="4802760" cy="3602520"/>
+          </a:xfrm>
+          <a:prstGeom prst="rect">
+            <a:avLst/>
+          </a:prstGeom>
+          <a:ln w="0">
+            <a:noFill/>
+          </a:ln>
+        </p:spPr>
+      </p:sp>
+      <p:sp>
+        <p:nvSpPr>
+          <p:cNvPr id="156" name="PlaceHolder 2"/>
           <p:cNvSpPr>
             <a:spLocks noGrp="1"/>
           </p:cNvSpPr>
@@ -1027,7 +1027,7 @@
         <p:spPr>
           <a:xfrm>
             <a:off x="756000" y="5145120"/>
-            <a:ext cx="6043320" cy="4205520"/>
+            <a:ext cx="6042960" cy="4205160"/>
           </a:xfrm>
           <a:prstGeom prst="rect">
             <a:avLst/>
@@ -1050,14 +1050,14 @@
       </p:sp>
       <p:sp>
         <p:nvSpPr>
-          <p:cNvPr id="158" name="CustomShape 3"/>
+          <p:cNvPr id="157" name="CustomShape 3"/>
           <p:cNvSpPr/>
           <p:nvPr/>
         </p:nvSpPr>
         <p:spPr>
           <a:xfrm>
             <a:off x="0" y="10155240"/>
-            <a:ext cx="3271680" cy="532080"/>
+            <a:ext cx="3271320" cy="531720"/>
           </a:xfrm>
           <a:prstGeom prst="rect">
             <a:avLst/>
@@ -1124,7 +1124,7 @@
       </p:grpSpPr>
       <p:sp>
         <p:nvSpPr>
-          <p:cNvPr id="159" name="PlaceHolder 1"/>
+          <p:cNvPr id="158" name="PlaceHolder 1"/>
           <p:cNvSpPr>
             <a:spLocks noGrp="1"/>
           </p:cNvSpPr>
@@ -1135,19 +1135,19 @@
         <p:spPr>
           <a:xfrm>
             <a:off x="1376280" y="1336680"/>
-            <a:ext cx="4803120" cy="3602880"/>
-          </a:xfrm>
-          <a:prstGeom prst="rect">
-            <a:avLst/>
-          </a:prstGeom>
-          <a:ln w="0">
-            <a:noFill/>
-          </a:ln>
-        </p:spPr>
-      </p:sp>
-      <p:sp>
-        <p:nvSpPr>
-          <p:cNvPr id="160" name="PlaceHolder 2"/>
+            <a:ext cx="4802760" cy="3602520"/>
+          </a:xfrm>
+          <a:prstGeom prst="rect">
+            <a:avLst/>
+          </a:prstGeom>
+          <a:ln w="0">
+            <a:noFill/>
+          </a:ln>
+        </p:spPr>
+      </p:sp>
+      <p:sp>
+        <p:nvSpPr>
+          <p:cNvPr id="159" name="PlaceHolder 2"/>
           <p:cNvSpPr>
             <a:spLocks noGrp="1"/>
           </p:cNvSpPr>
@@ -1158,7 +1158,7 @@
         <p:spPr>
           <a:xfrm>
             <a:off x="756000" y="5145120"/>
-            <a:ext cx="6043320" cy="4205520"/>
+            <a:ext cx="6042960" cy="4205160"/>
           </a:xfrm>
           <a:prstGeom prst="rect">
             <a:avLst/>
@@ -1181,14 +1181,14 @@
       </p:sp>
       <p:sp>
         <p:nvSpPr>
-          <p:cNvPr id="161" name="CustomShape 3"/>
+          <p:cNvPr id="160" name="CustomShape 3"/>
           <p:cNvSpPr/>
           <p:nvPr/>
         </p:nvSpPr>
         <p:spPr>
           <a:xfrm>
             <a:off x="0" y="10155240"/>
-            <a:ext cx="3271680" cy="532080"/>
+            <a:ext cx="3271320" cy="531720"/>
           </a:xfrm>
           <a:prstGeom prst="rect">
             <a:avLst/>
@@ -1255,7 +1255,7 @@
       </p:grpSpPr>
       <p:sp>
         <p:nvSpPr>
-          <p:cNvPr id="162" name="PlaceHolder 1"/>
+          <p:cNvPr id="161" name="PlaceHolder 1"/>
           <p:cNvSpPr>
             <a:spLocks noGrp="1"/>
           </p:cNvSpPr>
@@ -1266,19 +1266,19 @@
         <p:spPr>
           <a:xfrm>
             <a:off x="1376280" y="1336680"/>
-            <a:ext cx="4803120" cy="3602880"/>
-          </a:xfrm>
-          <a:prstGeom prst="rect">
-            <a:avLst/>
-          </a:prstGeom>
-          <a:ln w="0">
-            <a:noFill/>
-          </a:ln>
-        </p:spPr>
-      </p:sp>
-      <p:sp>
-        <p:nvSpPr>
-          <p:cNvPr id="163" name="PlaceHolder 2"/>
+            <a:ext cx="4802760" cy="3602520"/>
+          </a:xfrm>
+          <a:prstGeom prst="rect">
+            <a:avLst/>
+          </a:prstGeom>
+          <a:ln w="0">
+            <a:noFill/>
+          </a:ln>
+        </p:spPr>
+      </p:sp>
+      <p:sp>
+        <p:nvSpPr>
+          <p:cNvPr id="162" name="PlaceHolder 2"/>
           <p:cNvSpPr>
             <a:spLocks noGrp="1"/>
           </p:cNvSpPr>
@@ -1289,7 +1289,7 @@
         <p:spPr>
           <a:xfrm>
             <a:off x="756000" y="5145120"/>
-            <a:ext cx="6043320" cy="4205520"/>
+            <a:ext cx="6042960" cy="4205160"/>
           </a:xfrm>
           <a:prstGeom prst="rect">
             <a:avLst/>
@@ -1312,14 +1312,14 @@
       </p:sp>
       <p:sp>
         <p:nvSpPr>
-          <p:cNvPr id="164" name="CustomShape 3"/>
+          <p:cNvPr id="163" name="CustomShape 3"/>
           <p:cNvSpPr/>
           <p:nvPr/>
         </p:nvSpPr>
         <p:spPr>
           <a:xfrm>
             <a:off x="0" y="10155240"/>
-            <a:ext cx="3271680" cy="532080"/>
+            <a:ext cx="3271320" cy="531720"/>
           </a:xfrm>
           <a:prstGeom prst="rect">
             <a:avLst/>
@@ -1386,7 +1386,7 @@
       </p:grpSpPr>
       <p:sp>
         <p:nvSpPr>
-          <p:cNvPr id="165" name="PlaceHolder 1"/>
+          <p:cNvPr id="164" name="PlaceHolder 1"/>
           <p:cNvSpPr>
             <a:spLocks noGrp="1"/>
           </p:cNvSpPr>
@@ -1397,19 +1397,19 @@
         <p:spPr>
           <a:xfrm>
             <a:off x="1376280" y="1336680"/>
-            <a:ext cx="4803120" cy="3602880"/>
-          </a:xfrm>
-          <a:prstGeom prst="rect">
-            <a:avLst/>
-          </a:prstGeom>
-          <a:ln w="0">
-            <a:noFill/>
-          </a:ln>
-        </p:spPr>
-      </p:sp>
-      <p:sp>
-        <p:nvSpPr>
-          <p:cNvPr id="166" name="PlaceHolder 2"/>
+            <a:ext cx="4802760" cy="3602520"/>
+          </a:xfrm>
+          <a:prstGeom prst="rect">
+            <a:avLst/>
+          </a:prstGeom>
+          <a:ln w="0">
+            <a:noFill/>
+          </a:ln>
+        </p:spPr>
+      </p:sp>
+      <p:sp>
+        <p:nvSpPr>
+          <p:cNvPr id="165" name="PlaceHolder 2"/>
           <p:cNvSpPr>
             <a:spLocks noGrp="1"/>
           </p:cNvSpPr>
@@ -1420,7 +1420,7 @@
         <p:spPr>
           <a:xfrm>
             <a:off x="756000" y="5145120"/>
-            <a:ext cx="6043320" cy="4205520"/>
+            <a:ext cx="6042960" cy="4205160"/>
           </a:xfrm>
           <a:prstGeom prst="rect">
             <a:avLst/>
@@ -1443,14 +1443,14 @@
       </p:sp>
       <p:sp>
         <p:nvSpPr>
-          <p:cNvPr id="167" name="CustomShape 3"/>
+          <p:cNvPr id="166" name="CustomShape 3"/>
           <p:cNvSpPr/>
           <p:nvPr/>
         </p:nvSpPr>
         <p:spPr>
           <a:xfrm>
             <a:off x="0" y="10155240"/>
-            <a:ext cx="3271680" cy="532080"/>
+            <a:ext cx="3271320" cy="531720"/>
           </a:xfrm>
           <a:prstGeom prst="rect">
             <a:avLst/>
@@ -4579,7 +4579,7 @@
         <p:spPr>
           <a:xfrm>
             <a:off x="0" y="3150000"/>
-            <a:ext cx="9715680" cy="1255680"/>
+            <a:ext cx="9715320" cy="1255320"/>
           </a:xfrm>
           <a:prstGeom prst="rect">
             <a:avLst/>
@@ -4877,7 +4877,7 @@
         <p:spPr>
           <a:xfrm>
             <a:off x="0" y="180000"/>
-            <a:ext cx="9715680" cy="1255680"/>
+            <a:ext cx="9715320" cy="1255320"/>
           </a:xfrm>
           <a:prstGeom prst="rect">
             <a:avLst/>
@@ -4905,7 +4905,7 @@
         <p:spPr>
           <a:xfrm>
             <a:off x="7560000" y="6840000"/>
-            <a:ext cx="2515680" cy="535680"/>
+            <a:ext cx="2515320" cy="535320"/>
           </a:xfrm>
           <a:prstGeom prst="rect">
             <a:avLst/>
@@ -4933,7 +4933,7 @@
         <p:spPr>
           <a:xfrm>
             <a:off x="900000" y="6840000"/>
-            <a:ext cx="6475680" cy="535680"/>
+            <a:ext cx="6475320" cy="535320"/>
           </a:xfrm>
           <a:prstGeom prst="rect">
             <a:avLst/>
@@ -4961,7 +4961,7 @@
         <p:spPr>
           <a:xfrm>
             <a:off x="180000" y="6840000"/>
-            <a:ext cx="535680" cy="535680"/>
+            <a:ext cx="535320" cy="535320"/>
           </a:xfrm>
           <a:prstGeom prst="rect">
             <a:avLst/>
@@ -5250,7 +5250,7 @@
         <p:spPr>
           <a:xfrm>
             <a:off x="360000" y="3330000"/>
-            <a:ext cx="9355680" cy="895680"/>
+            <a:ext cx="9355320" cy="895320"/>
           </a:xfrm>
           <a:prstGeom prst="rect">
             <a:avLst/>
@@ -5302,7 +5302,7 @@
         <p:spPr>
           <a:xfrm>
             <a:off x="540000" y="4680000"/>
-            <a:ext cx="9175680" cy="2515680"/>
+            <a:ext cx="9175320" cy="2515320"/>
           </a:xfrm>
           <a:prstGeom prst="rect">
             <a:avLst/>
@@ -5507,7 +5507,7 @@
         <p:spPr>
           <a:xfrm>
             <a:off x="360000" y="360000"/>
-            <a:ext cx="9355680" cy="895680"/>
+            <a:ext cx="9355320" cy="895320"/>
           </a:xfrm>
           <a:prstGeom prst="rect">
             <a:avLst/>
@@ -5559,7 +5559,7 @@
         <p:spPr>
           <a:xfrm>
             <a:off x="897120" y="6886080"/>
-            <a:ext cx="6442920" cy="360720"/>
+            <a:ext cx="6442560" cy="360360"/>
           </a:xfrm>
           <a:prstGeom prst="rect">
             <a:avLst/>
@@ -5611,7 +5611,7 @@
         <p:spPr>
           <a:xfrm>
             <a:off x="7608600" y="6886080"/>
-            <a:ext cx="2280960" cy="360720"/>
+            <a:ext cx="2280600" cy="360360"/>
           </a:xfrm>
           <a:prstGeom prst="rect">
             <a:avLst/>
@@ -5673,7 +5673,7 @@
         <p:spPr>
           <a:xfrm>
             <a:off x="360000" y="1980000"/>
-            <a:ext cx="9175680" cy="4675680"/>
+            <a:ext cx="9175320" cy="4675320"/>
           </a:xfrm>
           <a:prstGeom prst="rect">
             <a:avLst/>
@@ -5969,7 +5969,7 @@
         <p:spPr>
           <a:xfrm>
             <a:off x="3060000" y="4483440"/>
-            <a:ext cx="6219360" cy="2104200"/>
+            <a:ext cx="6219000" cy="2103840"/>
           </a:xfrm>
           <a:prstGeom prst="rect">
             <a:avLst/>
@@ -5988,7 +5988,7 @@
         <p:spPr>
           <a:xfrm>
             <a:off x="3060000" y="6300000"/>
-            <a:ext cx="233640" cy="233640"/>
+            <a:ext cx="233280" cy="233280"/>
           </a:xfrm>
           <a:prstGeom prst="ellipse">
             <a:avLst/>
@@ -6018,7 +6018,7 @@
         <p:spPr>
           <a:xfrm>
             <a:off x="3528360" y="6300360"/>
-            <a:ext cx="233640" cy="233640"/>
+            <a:ext cx="233280" cy="233280"/>
           </a:xfrm>
           <a:prstGeom prst="ellipse">
             <a:avLst/>
@@ -6048,7 +6048,7 @@
         <p:spPr>
           <a:xfrm>
             <a:off x="3960720" y="6300720"/>
-            <a:ext cx="233640" cy="233640"/>
+            <a:ext cx="233280" cy="233280"/>
           </a:xfrm>
           <a:prstGeom prst="ellipse">
             <a:avLst/>
@@ -6078,7 +6078,7 @@
         <p:spPr>
           <a:xfrm>
             <a:off x="4770000" y="6336000"/>
-            <a:ext cx="233640" cy="233640"/>
+            <a:ext cx="233280" cy="233280"/>
           </a:xfrm>
           <a:prstGeom prst="ellipse">
             <a:avLst/>
@@ -6108,7 +6108,7 @@
         <p:spPr>
           <a:xfrm>
             <a:off x="5130000" y="6318000"/>
-            <a:ext cx="233640" cy="233640"/>
+            <a:ext cx="233280" cy="233280"/>
           </a:xfrm>
           <a:prstGeom prst="ellipse">
             <a:avLst/>
@@ -6168,7 +6168,7 @@
         <p:spPr>
           <a:xfrm>
             <a:off x="360000" y="360000"/>
-            <a:ext cx="9355680" cy="895680"/>
+            <a:ext cx="9355320" cy="895320"/>
           </a:xfrm>
           <a:prstGeom prst="rect">
             <a:avLst/>
@@ -6220,7 +6220,7 @@
         <p:spPr>
           <a:xfrm>
             <a:off x="897120" y="6886080"/>
-            <a:ext cx="6442920" cy="360720"/>
+            <a:ext cx="6442560" cy="360360"/>
           </a:xfrm>
           <a:prstGeom prst="rect">
             <a:avLst/>
@@ -6272,7 +6272,7 @@
         <p:spPr>
           <a:xfrm>
             <a:off x="7608600" y="6886080"/>
-            <a:ext cx="2280960" cy="360720"/>
+            <a:ext cx="2280600" cy="360360"/>
           </a:xfrm>
           <a:prstGeom prst="rect">
             <a:avLst/>
@@ -6338,7 +6338,7 @@
         <p:spPr>
           <a:xfrm>
             <a:off x="546480" y="2473560"/>
-            <a:ext cx="8982720" cy="2433960"/>
+            <a:ext cx="8982360" cy="2433600"/>
           </a:xfrm>
           <a:prstGeom prst="rect">
             <a:avLst/>
@@ -6387,7 +6387,7 @@
         <p:spPr>
           <a:xfrm>
             <a:off x="360000" y="360000"/>
-            <a:ext cx="9355680" cy="895680"/>
+            <a:ext cx="9355320" cy="895320"/>
           </a:xfrm>
           <a:prstGeom prst="rect">
             <a:avLst/>
@@ -6439,7 +6439,7 @@
         <p:spPr>
           <a:xfrm>
             <a:off x="897120" y="6886080"/>
-            <a:ext cx="6442920" cy="360720"/>
+            <a:ext cx="6442560" cy="360360"/>
           </a:xfrm>
           <a:prstGeom prst="rect">
             <a:avLst/>
@@ -6491,7 +6491,7 @@
         <p:spPr>
           <a:xfrm>
             <a:off x="7608600" y="6886080"/>
-            <a:ext cx="2280960" cy="360720"/>
+            <a:ext cx="2280600" cy="360360"/>
           </a:xfrm>
           <a:prstGeom prst="rect">
             <a:avLst/>
@@ -6553,7 +6553,7 @@
         <p:spPr>
           <a:xfrm>
             <a:off x="200160" y="1689840"/>
-            <a:ext cx="9515520" cy="2832840"/>
+            <a:ext cx="9515160" cy="2832840"/>
           </a:xfrm>
           <a:prstGeom prst="rect">
             <a:avLst/>
@@ -6834,7 +6834,7 @@
       </p:sp>
       <p:pic>
         <p:nvPicPr>
-          <p:cNvPr id="107" name="Imagem 3" descr=""/>
+          <p:cNvPr id="107" name="Imagem 6" descr=""/>
           <p:cNvPicPr/>
           <p:nvPr/>
         </p:nvPicPr>
@@ -6844,8 +6844,8 @@
         </p:blipFill>
         <p:spPr>
           <a:xfrm>
-            <a:off x="7175880" y="2042280"/>
-            <a:ext cx="2449080" cy="637920"/>
+            <a:off x="897120" y="4313520"/>
+            <a:ext cx="7723080" cy="2230200"/>
           </a:xfrm>
           <a:prstGeom prst="rect">
             <a:avLst/>
@@ -6857,7 +6857,7 @@
       </p:pic>
       <p:pic>
         <p:nvPicPr>
-          <p:cNvPr id="108" name="Imagem 6" descr=""/>
+          <p:cNvPr id="108" name="Imagem 11" descr=""/>
           <p:cNvPicPr/>
           <p:nvPr/>
         </p:nvPicPr>
@@ -6867,31 +6867,8 @@
         </p:blipFill>
         <p:spPr>
           <a:xfrm>
-            <a:off x="897120" y="4313520"/>
-            <a:ext cx="7723440" cy="2230560"/>
-          </a:xfrm>
-          <a:prstGeom prst="rect">
-            <a:avLst/>
-          </a:prstGeom>
-          <a:ln w="0">
-            <a:noFill/>
-          </a:ln>
-        </p:spPr>
-      </p:pic>
-      <p:pic>
-        <p:nvPicPr>
-          <p:cNvPr id="109" name="Imagem 11" descr=""/>
-          <p:cNvPicPr/>
-          <p:nvPr/>
-        </p:nvPicPr>
-        <p:blipFill>
-          <a:blip r:embed="rId3"/>
-          <a:stretch/>
-        </p:blipFill>
-        <p:spPr>
-          <a:xfrm>
-            <a:off x="7328520" y="2194920"/>
-            <a:ext cx="2449080" cy="637920"/>
+            <a:off x="6025680" y="4028400"/>
+            <a:ext cx="2448720" cy="637560"/>
           </a:xfrm>
           <a:prstGeom prst="rect">
             <a:avLst/>
@@ -6933,14 +6910,14 @@
       </p:grpSpPr>
       <p:sp>
         <p:nvSpPr>
-          <p:cNvPr id="110" name="CustomShape 1"/>
+          <p:cNvPr id="109" name="CustomShape 1"/>
           <p:cNvSpPr/>
           <p:nvPr/>
         </p:nvSpPr>
         <p:spPr>
           <a:xfrm>
             <a:off x="360000" y="360000"/>
-            <a:ext cx="9355680" cy="895680"/>
+            <a:ext cx="9355320" cy="895320"/>
           </a:xfrm>
           <a:prstGeom prst="rect">
             <a:avLst/>
@@ -6985,14 +6962,14 @@
       </p:sp>
       <p:sp>
         <p:nvSpPr>
-          <p:cNvPr id="111" name="CustomShape 2"/>
+          <p:cNvPr id="110" name="CustomShape 2"/>
           <p:cNvSpPr/>
           <p:nvPr/>
         </p:nvSpPr>
         <p:spPr>
           <a:xfrm>
             <a:off x="897120" y="6886080"/>
-            <a:ext cx="6442920" cy="360720"/>
+            <a:ext cx="6442560" cy="360360"/>
           </a:xfrm>
           <a:prstGeom prst="rect">
             <a:avLst/>
@@ -7037,14 +7014,14 @@
       </p:sp>
       <p:sp>
         <p:nvSpPr>
-          <p:cNvPr id="112" name="CustomShape 3"/>
+          <p:cNvPr id="111" name="CustomShape 3"/>
           <p:cNvSpPr/>
           <p:nvPr/>
         </p:nvSpPr>
         <p:spPr>
           <a:xfrm>
             <a:off x="7608600" y="6886080"/>
-            <a:ext cx="2280960" cy="360720"/>
+            <a:ext cx="2280600" cy="360360"/>
           </a:xfrm>
           <a:prstGeom prst="rect">
             <a:avLst/>
@@ -7099,14 +7076,14 @@
       </p:sp>
       <p:sp>
         <p:nvSpPr>
-          <p:cNvPr id="113" name="CaixaDeTexto 1"/>
+          <p:cNvPr id="112" name="CaixaDeTexto 1"/>
           <p:cNvSpPr/>
           <p:nvPr/>
         </p:nvSpPr>
         <p:spPr>
           <a:xfrm>
             <a:off x="200160" y="1742760"/>
-            <a:ext cx="9515520" cy="1461240"/>
+            <a:ext cx="9515160" cy="1461240"/>
           </a:xfrm>
           <a:prstGeom prst="rect">
             <a:avLst/>
@@ -7241,7 +7218,7 @@
       </p:sp>
       <p:pic>
         <p:nvPicPr>
-          <p:cNvPr id="114" name="Picture 4" descr="hog_feature"/>
+          <p:cNvPr id="113" name="Picture 4" descr="hog_feature"/>
           <p:cNvPicPr/>
           <p:nvPr/>
         </p:nvPicPr>
@@ -7252,7 +7229,7 @@
         <p:spPr>
           <a:xfrm>
             <a:off x="1737720" y="3024360"/>
-            <a:ext cx="1978560" cy="3243600"/>
+            <a:ext cx="1978200" cy="3243240"/>
           </a:xfrm>
           <a:prstGeom prst="rect">
             <a:avLst/>
@@ -7264,7 +7241,7 @@
       </p:pic>
       <p:pic>
         <p:nvPicPr>
-          <p:cNvPr id="115" name="Imagem 7" descr=""/>
+          <p:cNvPr id="114" name="Imagem 7" descr=""/>
           <p:cNvPicPr/>
           <p:nvPr/>
         </p:nvPicPr>
@@ -7275,7 +7252,7 @@
         <p:spPr>
           <a:xfrm>
             <a:off x="5707080" y="3112200"/>
-            <a:ext cx="1559880" cy="3068280"/>
+            <a:ext cx="1559520" cy="3067920"/>
           </a:xfrm>
           <a:prstGeom prst="rect">
             <a:avLst/>
@@ -7287,14 +7264,14 @@
       </p:pic>
       <p:sp>
         <p:nvSpPr>
-          <p:cNvPr id="116" name="Seta: para a Direita 10"/>
+          <p:cNvPr id="115" name="Seta: para a Direita 10"/>
           <p:cNvSpPr/>
           <p:nvPr/>
         </p:nvSpPr>
         <p:spPr>
           <a:xfrm>
             <a:off x="4119120" y="4339800"/>
-            <a:ext cx="1135080" cy="360720"/>
+            <a:ext cx="1134720" cy="360360"/>
           </a:xfrm>
           <a:prstGeom prst="rightArrow">
             <a:avLst>
@@ -7359,14 +7336,14 @@
       </p:grpSpPr>
       <p:sp>
         <p:nvSpPr>
-          <p:cNvPr id="117" name="CustomShape 1"/>
+          <p:cNvPr id="116" name="CustomShape 1"/>
           <p:cNvSpPr/>
           <p:nvPr/>
         </p:nvSpPr>
         <p:spPr>
           <a:xfrm>
             <a:off x="360000" y="360000"/>
-            <a:ext cx="9355680" cy="895680"/>
+            <a:ext cx="9355320" cy="895320"/>
           </a:xfrm>
           <a:prstGeom prst="rect">
             <a:avLst/>
@@ -7411,14 +7388,14 @@
       </p:sp>
       <p:sp>
         <p:nvSpPr>
-          <p:cNvPr id="118" name="CustomShape 2"/>
+          <p:cNvPr id="117" name="CustomShape 2"/>
           <p:cNvSpPr/>
           <p:nvPr/>
         </p:nvSpPr>
         <p:spPr>
           <a:xfrm>
             <a:off x="897120" y="6886080"/>
-            <a:ext cx="6442920" cy="360720"/>
+            <a:ext cx="6442560" cy="360360"/>
           </a:xfrm>
           <a:prstGeom prst="rect">
             <a:avLst/>
@@ -7463,14 +7440,14 @@
       </p:sp>
       <p:sp>
         <p:nvSpPr>
-          <p:cNvPr id="119" name="CustomShape 3"/>
+          <p:cNvPr id="118" name="CustomShape 3"/>
           <p:cNvSpPr/>
           <p:nvPr/>
         </p:nvSpPr>
         <p:spPr>
           <a:xfrm>
             <a:off x="7608600" y="6886080"/>
-            <a:ext cx="2280960" cy="360720"/>
+            <a:ext cx="2280600" cy="360360"/>
           </a:xfrm>
           <a:prstGeom prst="rect">
             <a:avLst/>
@@ -7525,14 +7502,14 @@
       </p:sp>
       <p:sp>
         <p:nvSpPr>
-          <p:cNvPr id="120" name="CaixaDeTexto 1"/>
+          <p:cNvPr id="119" name="CaixaDeTexto 1"/>
           <p:cNvSpPr/>
           <p:nvPr/>
         </p:nvSpPr>
         <p:spPr>
           <a:xfrm>
             <a:off x="200160" y="1742760"/>
-            <a:ext cx="9515520" cy="912600"/>
+            <a:ext cx="9515160" cy="912600"/>
           </a:xfrm>
           <a:prstGeom prst="rect">
             <a:avLst/>
@@ -7617,7 +7594,7 @@
       </p:sp>
       <p:pic>
         <p:nvPicPr>
-          <p:cNvPr id="121" name="Picture 2" descr=""/>
+          <p:cNvPr id="120" name="Picture 2" descr=""/>
           <p:cNvPicPr/>
           <p:nvPr/>
         </p:nvPicPr>
@@ -7628,7 +7605,7 @@
         <p:spPr>
           <a:xfrm>
             <a:off x="360000" y="2963520"/>
-            <a:ext cx="3668040" cy="3668040"/>
+            <a:ext cx="3667680" cy="3667680"/>
           </a:xfrm>
           <a:prstGeom prst="rect">
             <a:avLst/>
@@ -7640,7 +7617,7 @@
       </p:pic>
       <p:pic>
         <p:nvPicPr>
-          <p:cNvPr id="122" name="Picture 4" descr=""/>
+          <p:cNvPr id="121" name="Picture 4" descr=""/>
           <p:cNvPicPr/>
           <p:nvPr/>
         </p:nvPicPr>
@@ -7651,7 +7628,7 @@
         <p:spPr>
           <a:xfrm>
             <a:off x="6047640" y="2963520"/>
-            <a:ext cx="3668040" cy="3668040"/>
+            <a:ext cx="3667680" cy="3667680"/>
           </a:xfrm>
           <a:prstGeom prst="rect">
             <a:avLst/>
@@ -7663,7 +7640,7 @@
       </p:pic>
       <p:pic>
         <p:nvPicPr>
-          <p:cNvPr id="123" name="Picture 6" descr=""/>
+          <p:cNvPr id="122" name="Picture 6" descr=""/>
           <p:cNvPicPr/>
           <p:nvPr/>
         </p:nvPicPr>
@@ -7674,7 +7651,7 @@
         <p:spPr>
           <a:xfrm>
             <a:off x="4276080" y="4191840"/>
-            <a:ext cx="1527480" cy="1018080"/>
+            <a:ext cx="1527120" cy="1017720"/>
           </a:xfrm>
           <a:prstGeom prst="rect">
             <a:avLst/>
@@ -7716,14 +7693,14 @@
       </p:grpSpPr>
       <p:sp>
         <p:nvSpPr>
-          <p:cNvPr id="124" name="CustomShape 1"/>
+          <p:cNvPr id="123" name="CustomShape 1"/>
           <p:cNvSpPr/>
           <p:nvPr/>
         </p:nvSpPr>
         <p:spPr>
           <a:xfrm>
             <a:off x="360000" y="360000"/>
-            <a:ext cx="9355680" cy="895680"/>
+            <a:ext cx="9355320" cy="895320"/>
           </a:xfrm>
           <a:prstGeom prst="rect">
             <a:avLst/>
@@ -7768,14 +7745,14 @@
       </p:sp>
       <p:sp>
         <p:nvSpPr>
-          <p:cNvPr id="125" name="CustomShape 2"/>
+          <p:cNvPr id="124" name="CustomShape 2"/>
           <p:cNvSpPr/>
           <p:nvPr/>
         </p:nvSpPr>
         <p:spPr>
           <a:xfrm>
             <a:off x="897120" y="6886080"/>
-            <a:ext cx="6442920" cy="360720"/>
+            <a:ext cx="6442560" cy="360360"/>
           </a:xfrm>
           <a:prstGeom prst="rect">
             <a:avLst/>
@@ -7820,14 +7797,14 @@
       </p:sp>
       <p:sp>
         <p:nvSpPr>
-          <p:cNvPr id="126" name="CustomShape 3"/>
+          <p:cNvPr id="125" name="CustomShape 3"/>
           <p:cNvSpPr/>
           <p:nvPr/>
         </p:nvSpPr>
         <p:spPr>
           <a:xfrm>
             <a:off x="7608600" y="6886080"/>
-            <a:ext cx="2280960" cy="360720"/>
+            <a:ext cx="2280600" cy="360360"/>
           </a:xfrm>
           <a:prstGeom prst="rect">
             <a:avLst/>
@@ -7882,14 +7859,14 @@
       </p:sp>
       <p:sp>
         <p:nvSpPr>
-          <p:cNvPr id="127" name="CaixaDeTexto 1"/>
+          <p:cNvPr id="126" name="CaixaDeTexto 1"/>
           <p:cNvSpPr/>
           <p:nvPr/>
         </p:nvSpPr>
         <p:spPr>
           <a:xfrm>
             <a:off x="200160" y="1742760"/>
-            <a:ext cx="9515520" cy="912600"/>
+            <a:ext cx="9515160" cy="912600"/>
           </a:xfrm>
           <a:prstGeom prst="rect">
             <a:avLst/>
@@ -7988,7 +7965,7 @@
       </p:sp>
       <p:pic>
         <p:nvPicPr>
-          <p:cNvPr id="128" name="Picture 2" descr=""/>
+          <p:cNvPr id="127" name="Picture 2" descr=""/>
           <p:cNvPicPr/>
           <p:nvPr/>
         </p:nvPicPr>
@@ -7999,7 +7976,7 @@
         <p:spPr>
           <a:xfrm>
             <a:off x="7067520" y="1910520"/>
-            <a:ext cx="2286720" cy="754920"/>
+            <a:ext cx="2286360" cy="754560"/>
           </a:xfrm>
           <a:prstGeom prst="rect">
             <a:avLst/>
@@ -8011,7 +7988,7 @@
       </p:pic>
       <p:pic>
         <p:nvPicPr>
-          <p:cNvPr id="129" name="Imagem 4" descr=""/>
+          <p:cNvPr id="128" name="Imagem 4" descr=""/>
           <p:cNvPicPr/>
           <p:nvPr/>
         </p:nvPicPr>
@@ -8022,7 +7999,7 @@
         <p:spPr>
           <a:xfrm>
             <a:off x="1725120" y="3128760"/>
-            <a:ext cx="7207200" cy="3597840"/>
+            <a:ext cx="7206840" cy="3597480"/>
           </a:xfrm>
           <a:prstGeom prst="rect">
             <a:avLst/>
@@ -8064,14 +8041,14 @@
       </p:grpSpPr>
       <p:sp>
         <p:nvSpPr>
-          <p:cNvPr id="130" name="CustomShape 1"/>
+          <p:cNvPr id="129" name="CustomShape 1"/>
           <p:cNvSpPr/>
           <p:nvPr/>
         </p:nvSpPr>
         <p:spPr>
           <a:xfrm>
             <a:off x="360000" y="360000"/>
-            <a:ext cx="9355680" cy="895680"/>
+            <a:ext cx="9355320" cy="895320"/>
           </a:xfrm>
           <a:prstGeom prst="rect">
             <a:avLst/>
@@ -8116,14 +8093,14 @@
       </p:sp>
       <p:sp>
         <p:nvSpPr>
-          <p:cNvPr id="131" name="CustomShape 2"/>
+          <p:cNvPr id="130" name="CustomShape 2"/>
           <p:cNvSpPr/>
           <p:nvPr/>
         </p:nvSpPr>
         <p:spPr>
           <a:xfrm>
             <a:off x="897120" y="6886080"/>
-            <a:ext cx="6442920" cy="360720"/>
+            <a:ext cx="6442560" cy="360360"/>
           </a:xfrm>
           <a:prstGeom prst="rect">
             <a:avLst/>
@@ -8168,14 +8145,14 @@
       </p:sp>
       <p:sp>
         <p:nvSpPr>
-          <p:cNvPr id="132" name="CustomShape 3"/>
+          <p:cNvPr id="131" name="CustomShape 3"/>
           <p:cNvSpPr/>
           <p:nvPr/>
         </p:nvSpPr>
         <p:spPr>
           <a:xfrm>
             <a:off x="7608600" y="6886080"/>
-            <a:ext cx="2280960" cy="360720"/>
+            <a:ext cx="2280600" cy="360360"/>
           </a:xfrm>
           <a:prstGeom prst="rect">
             <a:avLst/>
@@ -8230,14 +8207,14 @@
       </p:sp>
       <p:sp>
         <p:nvSpPr>
-          <p:cNvPr id="133" name="CaixaDeTexto 1"/>
+          <p:cNvPr id="132" name="CaixaDeTexto 1"/>
           <p:cNvSpPr/>
           <p:nvPr/>
         </p:nvSpPr>
         <p:spPr>
           <a:xfrm>
             <a:off x="200160" y="1742760"/>
-            <a:ext cx="9515520" cy="1461240"/>
+            <a:ext cx="9515160" cy="1461240"/>
           </a:xfrm>
           <a:prstGeom prst="rect">
             <a:avLst/>
@@ -8347,7 +8324,7 @@
       </p:sp>
       <p:pic>
         <p:nvPicPr>
-          <p:cNvPr id="134" name="Picture 6" descr="Figure"/>
+          <p:cNvPr id="133" name="Picture 6" descr="Figure"/>
           <p:cNvPicPr/>
           <p:nvPr/>
         </p:nvPicPr>
@@ -8358,7 +8335,7 @@
         <p:spPr>
           <a:xfrm>
             <a:off x="519120" y="3429360"/>
-            <a:ext cx="3857040" cy="3295080"/>
+            <a:ext cx="3856680" cy="3294720"/>
           </a:xfrm>
           <a:prstGeom prst="rect">
             <a:avLst/>
@@ -8370,7 +8347,7 @@
       </p:pic>
       <p:pic>
         <p:nvPicPr>
-          <p:cNvPr id="135" name="Imagem 5" descr=""/>
+          <p:cNvPr id="134" name="Imagem 5" descr=""/>
           <p:cNvPicPr/>
           <p:nvPr/>
         </p:nvPicPr>
@@ -8381,7 +8358,7 @@
         <p:spPr>
           <a:xfrm>
             <a:off x="5336280" y="3835440"/>
-            <a:ext cx="3647880" cy="1561680"/>
+            <a:ext cx="3647520" cy="1561320"/>
           </a:xfrm>
           <a:prstGeom prst="rect">
             <a:avLst/>
@@ -8423,14 +8400,14 @@
       </p:grpSpPr>
       <p:sp>
         <p:nvSpPr>
-          <p:cNvPr id="136" name="CustomShape 1"/>
+          <p:cNvPr id="135" name="CustomShape 1"/>
           <p:cNvSpPr/>
           <p:nvPr/>
         </p:nvSpPr>
         <p:spPr>
           <a:xfrm>
             <a:off x="360000" y="360000"/>
-            <a:ext cx="9355680" cy="895680"/>
+            <a:ext cx="9355320" cy="895320"/>
           </a:xfrm>
           <a:prstGeom prst="rect">
             <a:avLst/>
@@ -8475,14 +8452,14 @@
       </p:sp>
       <p:sp>
         <p:nvSpPr>
-          <p:cNvPr id="137" name="CustomShape 2"/>
+          <p:cNvPr id="136" name="CustomShape 2"/>
           <p:cNvSpPr/>
           <p:nvPr/>
         </p:nvSpPr>
         <p:spPr>
           <a:xfrm>
             <a:off x="897120" y="6886080"/>
-            <a:ext cx="6442920" cy="360720"/>
+            <a:ext cx="6442560" cy="360360"/>
           </a:xfrm>
           <a:prstGeom prst="rect">
             <a:avLst/>
@@ -8527,14 +8504,14 @@
       </p:sp>
       <p:sp>
         <p:nvSpPr>
-          <p:cNvPr id="138" name="CustomShape 3"/>
+          <p:cNvPr id="137" name="CustomShape 3"/>
           <p:cNvSpPr/>
           <p:nvPr/>
         </p:nvSpPr>
         <p:spPr>
           <a:xfrm>
             <a:off x="7608600" y="6886080"/>
-            <a:ext cx="2280960" cy="360720"/>
+            <a:ext cx="2280600" cy="360360"/>
           </a:xfrm>
           <a:prstGeom prst="rect">
             <a:avLst/>
@@ -8600,14 +8577,14 @@
       </p:sp>
       <p:sp>
         <p:nvSpPr>
-          <p:cNvPr id="139" name="CaixaDeTexto 1"/>
+          <p:cNvPr id="138" name="CaixaDeTexto 1"/>
           <p:cNvSpPr/>
           <p:nvPr/>
         </p:nvSpPr>
         <p:spPr>
           <a:xfrm>
             <a:off x="200160" y="1689840"/>
-            <a:ext cx="9515520" cy="3381480"/>
+            <a:ext cx="9515160" cy="3381480"/>
           </a:xfrm>
           <a:prstGeom prst="rect">
             <a:avLst/>
@@ -8763,14 +8740,14 @@
       </p:sp>
       <p:sp>
         <p:nvSpPr>
-          <p:cNvPr id="140" name="CaixaDeTexto 7"/>
+          <p:cNvPr id="139" name="CaixaDeTexto 7"/>
           <p:cNvSpPr/>
           <p:nvPr/>
         </p:nvSpPr>
         <p:spPr>
           <a:xfrm>
             <a:off x="200160" y="1689840"/>
-            <a:ext cx="9515520" cy="3655800"/>
+            <a:ext cx="9515160" cy="3655800"/>
           </a:xfrm>
           <a:prstGeom prst="rect">
             <a:avLst/>

--- a/ComputerVision/Lecture 07 - Image Descriptors/Lecture 07 - Image Descriptors.pptx
+++ b/ComputerVision/Lecture 07 - Image Descriptors/Lecture 07 - Image Descriptors.pptx
@@ -73,12 +73,12 @@
               <a:buNone/>
             </a:pPr>
             <a:r>
-              <a:rPr b="0" lang="pt-BR" sz="4400" spc="-1" strike="noStrike">
+              <a:rPr b="0" lang="en-US" sz="4400" spc="-1" strike="noStrike">
                 <a:latin typeface="Arial"/>
               </a:rPr>
               <a:t>Click to move the slide</a:t>
             </a:r>
-            <a:endParaRPr b="0" lang="pt-BR" sz="4400" spc="-1" strike="noStrike">
+            <a:endParaRPr b="0" lang="en-US" sz="4400" spc="-1" strike="noStrike">
               <a:latin typeface="Arial"/>
             </a:endParaRPr>
           </a:p>
@@ -113,12 +113,12 @@
           </a:bodyPr>
           <a:p>
             <a:r>
-              <a:rPr b="0" lang="pt-BR" sz="2000" spc="-1" strike="noStrike">
+              <a:rPr b="0" lang="en-US" sz="2000" spc="-1" strike="noStrike">
                 <a:latin typeface="Arial"/>
               </a:rPr>
               <a:t>Click to edit the notes format</a:t>
             </a:r>
-            <a:endParaRPr b="0" lang="pt-BR" sz="2000" spc="-1" strike="noStrike">
+            <a:endParaRPr b="0" lang="en-US" sz="2000" spc="-1" strike="noStrike">
               <a:latin typeface="Arial"/>
             </a:endParaRPr>
           </a:p>
@@ -153,12 +153,12 @@
           </a:bodyPr>
           <a:p>
             <a:r>
-              <a:rPr b="0" lang="pt-BR" sz="1400" spc="-1" strike="noStrike">
+              <a:rPr b="0" lang="en-US" sz="1400" spc="-1" strike="noStrike">
                 <a:latin typeface="Times New Roman"/>
               </a:rPr>
               <a:t>&lt;header&gt;</a:t>
             </a:r>
-            <a:endParaRPr b="0" lang="pt-BR" sz="1400" spc="-1" strike="noStrike">
+            <a:endParaRPr b="0" lang="en-US" sz="1400" spc="-1" strike="noStrike">
               <a:latin typeface="Times New Roman"/>
             </a:endParaRPr>
           </a:p>
@@ -194,7 +194,7 @@
           <a:lstStyle>
             <a:lvl1pPr algn="r">
               <a:buNone/>
-              <a:defRPr b="0" lang="pt-BR" sz="1400" spc="-1" strike="noStrike">
+              <a:defRPr b="0" lang="en-US" sz="1400" spc="-1" strike="noStrike">
                 <a:latin typeface="Times New Roman"/>
               </a:defRPr>
             </a:lvl1pPr>
@@ -204,12 +204,12 @@
               <a:buNone/>
             </a:pPr>
             <a:r>
-              <a:rPr b="0" lang="pt-BR" sz="1400" spc="-1" strike="noStrike">
+              <a:rPr b="0" lang="en-US" sz="1400" spc="-1" strike="noStrike">
                 <a:latin typeface="Times New Roman"/>
               </a:rPr>
               <a:t>&lt;date/time&gt;</a:t>
             </a:r>
-            <a:endParaRPr b="0" lang="pt-BR" sz="1400" spc="-1" strike="noStrike">
+            <a:endParaRPr b="0" lang="en-US" sz="1400" spc="-1" strike="noStrike">
               <a:latin typeface="Times New Roman"/>
             </a:endParaRPr>
           </a:p>
@@ -244,19 +244,19 @@
           </a:bodyPr>
           <a:lstStyle>
             <a:lvl1pPr>
-              <a:defRPr b="0" lang="pt-BR" sz="1400" spc="-1" strike="noStrike">
+              <a:defRPr b="0" lang="en-US" sz="1400" spc="-1" strike="noStrike">
                 <a:latin typeface="Times New Roman"/>
               </a:defRPr>
             </a:lvl1pPr>
           </a:lstStyle>
           <a:p>
             <a:r>
-              <a:rPr b="0" lang="pt-BR" sz="1400" spc="-1" strike="noStrike">
+              <a:rPr b="0" lang="en-US" sz="1400" spc="-1" strike="noStrike">
                 <a:latin typeface="Times New Roman"/>
               </a:rPr>
               <a:t>&lt;footer&gt;</a:t>
             </a:r>
-            <a:endParaRPr b="0" lang="pt-BR" sz="1400" spc="-1" strike="noStrike">
+            <a:endParaRPr b="0" lang="en-US" sz="1400" spc="-1" strike="noStrike">
               <a:latin typeface="Times New Roman"/>
             </a:endParaRPr>
           </a:p>
@@ -292,7 +292,7 @@
           <a:lstStyle>
             <a:lvl1pPr algn="r">
               <a:buNone/>
-              <a:defRPr b="0" lang="pt-BR" sz="1400" spc="-1" strike="noStrike">
+              <a:defRPr b="0" lang="en-US" sz="1400" spc="-1" strike="noStrike">
                 <a:latin typeface="Times New Roman"/>
               </a:defRPr>
             </a:lvl1pPr>
@@ -301,13 +301,13 @@
             <a:pPr algn="r">
               <a:buNone/>
             </a:pPr>
-            <a:fld id="{00891B55-9994-4EC7-A42F-5FBE3F3B1A9E}" type="slidenum">
-              <a:rPr b="0" lang="pt-BR" sz="1400" spc="-1" strike="noStrike">
+            <a:fld id="{A4489146-E5B5-4739-A189-B13171BE73E4}" type="slidenum">
+              <a:rPr b="0" lang="en-US" sz="1400" spc="-1" strike="noStrike">
                 <a:latin typeface="Times New Roman"/>
               </a:rPr>
               <a:t>&lt;number&gt;</a:t>
             </a:fld>
-            <a:endParaRPr b="0" lang="pt-BR" sz="1400" spc="-1" strike="noStrike">
+            <a:endParaRPr b="0" lang="en-US" sz="1400" spc="-1" strike="noStrike">
               <a:latin typeface="Times New Roman"/>
             </a:endParaRPr>
           </a:p>
@@ -349,7 +349,7 @@
         <p:spPr>
           <a:xfrm>
             <a:off x="1376280" y="1336680"/>
-            <a:ext cx="4802760" cy="3602520"/>
+            <a:ext cx="4802400" cy="3602160"/>
           </a:xfrm>
           <a:prstGeom prst="rect">
             <a:avLst/>
@@ -372,7 +372,7 @@
         <p:spPr>
           <a:xfrm>
             <a:off x="756000" y="5145120"/>
-            <a:ext cx="6042960" cy="4205160"/>
+            <a:ext cx="6042600" cy="4204800"/>
           </a:xfrm>
           <a:prstGeom prst="rect">
             <a:avLst/>
@@ -387,7 +387,7 @@
             <a:noAutofit/>
           </a:bodyPr>
           <a:p>
-            <a:endParaRPr b="0" lang="pt-BR" sz="2000" spc="-1" strike="noStrike">
+            <a:endParaRPr b="0" lang="en-US" sz="2000" spc="-1" strike="noStrike">
               <a:latin typeface="Arial"/>
             </a:endParaRPr>
           </a:p>
@@ -402,7 +402,7 @@
         <p:spPr>
           <a:xfrm>
             <a:off x="0" y="10155240"/>
-            <a:ext cx="3271320" cy="531720"/>
+            <a:ext cx="3270960" cy="531360"/>
           </a:xfrm>
           <a:prstGeom prst="rect">
             <a:avLst/>
@@ -439,7 +439,7 @@
               </a:rPr>
               <a:t>Prof. André Hochuli</a:t>
             </a:r>
-            <a:endParaRPr b="0" lang="pt-BR" sz="1200" spc="-1" strike="noStrike">
+            <a:endParaRPr b="0" lang="en-US" sz="1200" spc="-1" strike="noStrike">
               <a:latin typeface="Arial"/>
             </a:endParaRPr>
           </a:p>
@@ -480,7 +480,7 @@
         <p:spPr>
           <a:xfrm>
             <a:off x="1376280" y="1336680"/>
-            <a:ext cx="4802760" cy="3602520"/>
+            <a:ext cx="4802400" cy="3602160"/>
           </a:xfrm>
           <a:prstGeom prst="rect">
             <a:avLst/>
@@ -503,7 +503,7 @@
         <p:spPr>
           <a:xfrm>
             <a:off x="756000" y="5145120"/>
-            <a:ext cx="6042960" cy="4205160"/>
+            <a:ext cx="6042600" cy="4204800"/>
           </a:xfrm>
           <a:prstGeom prst="rect">
             <a:avLst/>
@@ -518,7 +518,7 @@
             <a:noAutofit/>
           </a:bodyPr>
           <a:p>
-            <a:endParaRPr b="0" lang="pt-BR" sz="2000" spc="-1" strike="noStrike">
+            <a:endParaRPr b="0" lang="en-US" sz="2000" spc="-1" strike="noStrike">
               <a:latin typeface="Arial"/>
             </a:endParaRPr>
           </a:p>
@@ -533,7 +533,7 @@
         <p:spPr>
           <a:xfrm>
             <a:off x="0" y="10155240"/>
-            <a:ext cx="3271320" cy="531720"/>
+            <a:ext cx="3270960" cy="531360"/>
           </a:xfrm>
           <a:prstGeom prst="rect">
             <a:avLst/>
@@ -570,7 +570,7 @@
               </a:rPr>
               <a:t>Prof. André Hochuli</a:t>
             </a:r>
-            <a:endParaRPr b="0" lang="pt-BR" sz="1200" spc="-1" strike="noStrike">
+            <a:endParaRPr b="0" lang="en-US" sz="1200" spc="-1" strike="noStrike">
               <a:latin typeface="Arial"/>
             </a:endParaRPr>
           </a:p>
@@ -611,7 +611,7 @@
         <p:spPr>
           <a:xfrm>
             <a:off x="1376280" y="1336680"/>
-            <a:ext cx="4802760" cy="3602520"/>
+            <a:ext cx="4802400" cy="3602160"/>
           </a:xfrm>
           <a:prstGeom prst="rect">
             <a:avLst/>
@@ -634,7 +634,7 @@
         <p:spPr>
           <a:xfrm>
             <a:off x="756000" y="5145120"/>
-            <a:ext cx="6042960" cy="4205160"/>
+            <a:ext cx="6042600" cy="4204800"/>
           </a:xfrm>
           <a:prstGeom prst="rect">
             <a:avLst/>
@@ -649,7 +649,7 @@
             <a:noAutofit/>
           </a:bodyPr>
           <a:p>
-            <a:endParaRPr b="0" lang="pt-BR" sz="2000" spc="-1" strike="noStrike">
+            <a:endParaRPr b="0" lang="en-US" sz="2000" spc="-1" strike="noStrike">
               <a:latin typeface="Arial"/>
             </a:endParaRPr>
           </a:p>
@@ -664,7 +664,7 @@
         <p:spPr>
           <a:xfrm>
             <a:off x="0" y="10155240"/>
-            <a:ext cx="3271320" cy="531720"/>
+            <a:ext cx="3270960" cy="531360"/>
           </a:xfrm>
           <a:prstGeom prst="rect">
             <a:avLst/>
@@ -701,7 +701,7 @@
               </a:rPr>
               <a:t>Prof. André Hochuli</a:t>
             </a:r>
-            <a:endParaRPr b="0" lang="pt-BR" sz="1200" spc="-1" strike="noStrike">
+            <a:endParaRPr b="0" lang="en-US" sz="1200" spc="-1" strike="noStrike">
               <a:latin typeface="Arial"/>
             </a:endParaRPr>
           </a:p>
@@ -742,7 +742,7 @@
         <p:spPr>
           <a:xfrm>
             <a:off x="1376280" y="1336680"/>
-            <a:ext cx="4802760" cy="3602520"/>
+            <a:ext cx="4802400" cy="3602160"/>
           </a:xfrm>
           <a:prstGeom prst="rect">
             <a:avLst/>
@@ -765,7 +765,7 @@
         <p:spPr>
           <a:xfrm>
             <a:off x="756000" y="5145120"/>
-            <a:ext cx="6042960" cy="4205160"/>
+            <a:ext cx="6042600" cy="4204800"/>
           </a:xfrm>
           <a:prstGeom prst="rect">
             <a:avLst/>
@@ -780,7 +780,7 @@
             <a:noAutofit/>
           </a:bodyPr>
           <a:p>
-            <a:endParaRPr b="0" lang="pt-BR" sz="2000" spc="-1" strike="noStrike">
+            <a:endParaRPr b="0" lang="en-US" sz="2000" spc="-1" strike="noStrike">
               <a:latin typeface="Arial"/>
             </a:endParaRPr>
           </a:p>
@@ -795,7 +795,7 @@
         <p:spPr>
           <a:xfrm>
             <a:off x="0" y="10155240"/>
-            <a:ext cx="3271320" cy="531720"/>
+            <a:ext cx="3270960" cy="531360"/>
           </a:xfrm>
           <a:prstGeom prst="rect">
             <a:avLst/>
@@ -832,7 +832,7 @@
               </a:rPr>
               <a:t>Prof. André Hochuli</a:t>
             </a:r>
-            <a:endParaRPr b="0" lang="pt-BR" sz="1200" spc="-1" strike="noStrike">
+            <a:endParaRPr b="0" lang="en-US" sz="1200" spc="-1" strike="noStrike">
               <a:latin typeface="Arial"/>
             </a:endParaRPr>
           </a:p>
@@ -873,7 +873,7 @@
         <p:spPr>
           <a:xfrm>
             <a:off x="1376280" y="1336680"/>
-            <a:ext cx="4802760" cy="3602520"/>
+            <a:ext cx="4802400" cy="3602160"/>
           </a:xfrm>
           <a:prstGeom prst="rect">
             <a:avLst/>
@@ -896,7 +896,7 @@
         <p:spPr>
           <a:xfrm>
             <a:off x="756000" y="5145120"/>
-            <a:ext cx="6042960" cy="4205160"/>
+            <a:ext cx="6042600" cy="4204800"/>
           </a:xfrm>
           <a:prstGeom prst="rect">
             <a:avLst/>
@@ -911,7 +911,7 @@
             <a:noAutofit/>
           </a:bodyPr>
           <a:p>
-            <a:endParaRPr b="0" lang="pt-BR" sz="2000" spc="-1" strike="noStrike">
+            <a:endParaRPr b="0" lang="en-US" sz="2000" spc="-1" strike="noStrike">
               <a:latin typeface="Arial"/>
             </a:endParaRPr>
           </a:p>
@@ -926,7 +926,7 @@
         <p:spPr>
           <a:xfrm>
             <a:off x="0" y="10155240"/>
-            <a:ext cx="3271320" cy="531720"/>
+            <a:ext cx="3270960" cy="531360"/>
           </a:xfrm>
           <a:prstGeom prst="rect">
             <a:avLst/>
@@ -963,7 +963,7 @@
               </a:rPr>
               <a:t>Prof. André Hochuli</a:t>
             </a:r>
-            <a:endParaRPr b="0" lang="pt-BR" sz="1200" spc="-1" strike="noStrike">
+            <a:endParaRPr b="0" lang="en-US" sz="1200" spc="-1" strike="noStrike">
               <a:latin typeface="Arial"/>
             </a:endParaRPr>
           </a:p>
@@ -1004,7 +1004,7 @@
         <p:spPr>
           <a:xfrm>
             <a:off x="1376280" y="1336680"/>
-            <a:ext cx="4802760" cy="3602520"/>
+            <a:ext cx="4802400" cy="3602160"/>
           </a:xfrm>
           <a:prstGeom prst="rect">
             <a:avLst/>
@@ -1027,7 +1027,7 @@
         <p:spPr>
           <a:xfrm>
             <a:off x="756000" y="5145120"/>
-            <a:ext cx="6042960" cy="4205160"/>
+            <a:ext cx="6042600" cy="4204800"/>
           </a:xfrm>
           <a:prstGeom prst="rect">
             <a:avLst/>
@@ -1042,7 +1042,7 @@
             <a:noAutofit/>
           </a:bodyPr>
           <a:p>
-            <a:endParaRPr b="0" lang="pt-BR" sz="2000" spc="-1" strike="noStrike">
+            <a:endParaRPr b="0" lang="en-US" sz="2000" spc="-1" strike="noStrike">
               <a:latin typeface="Arial"/>
             </a:endParaRPr>
           </a:p>
@@ -1057,7 +1057,7 @@
         <p:spPr>
           <a:xfrm>
             <a:off x="0" y="10155240"/>
-            <a:ext cx="3271320" cy="531720"/>
+            <a:ext cx="3270960" cy="531360"/>
           </a:xfrm>
           <a:prstGeom prst="rect">
             <a:avLst/>
@@ -1094,7 +1094,7 @@
               </a:rPr>
               <a:t>Prof. André Hochuli</a:t>
             </a:r>
-            <a:endParaRPr b="0" lang="pt-BR" sz="1200" spc="-1" strike="noStrike">
+            <a:endParaRPr b="0" lang="en-US" sz="1200" spc="-1" strike="noStrike">
               <a:latin typeface="Arial"/>
             </a:endParaRPr>
           </a:p>
@@ -1135,7 +1135,7 @@
         <p:spPr>
           <a:xfrm>
             <a:off x="1376280" y="1336680"/>
-            <a:ext cx="4802760" cy="3602520"/>
+            <a:ext cx="4802400" cy="3602160"/>
           </a:xfrm>
           <a:prstGeom prst="rect">
             <a:avLst/>
@@ -1158,7 +1158,7 @@
         <p:spPr>
           <a:xfrm>
             <a:off x="756000" y="5145120"/>
-            <a:ext cx="6042960" cy="4205160"/>
+            <a:ext cx="6042600" cy="4204800"/>
           </a:xfrm>
           <a:prstGeom prst="rect">
             <a:avLst/>
@@ -1173,7 +1173,7 @@
             <a:noAutofit/>
           </a:bodyPr>
           <a:p>
-            <a:endParaRPr b="0" lang="pt-BR" sz="2000" spc="-1" strike="noStrike">
+            <a:endParaRPr b="0" lang="en-US" sz="2000" spc="-1" strike="noStrike">
               <a:latin typeface="Arial"/>
             </a:endParaRPr>
           </a:p>
@@ -1188,7 +1188,7 @@
         <p:spPr>
           <a:xfrm>
             <a:off x="0" y="10155240"/>
-            <a:ext cx="3271320" cy="531720"/>
+            <a:ext cx="3270960" cy="531360"/>
           </a:xfrm>
           <a:prstGeom prst="rect">
             <a:avLst/>
@@ -1225,7 +1225,7 @@
               </a:rPr>
               <a:t>Prof. André Hochuli</a:t>
             </a:r>
-            <a:endParaRPr b="0" lang="pt-BR" sz="1200" spc="-1" strike="noStrike">
+            <a:endParaRPr b="0" lang="en-US" sz="1200" spc="-1" strike="noStrike">
               <a:latin typeface="Arial"/>
             </a:endParaRPr>
           </a:p>
@@ -1266,7 +1266,7 @@
         <p:spPr>
           <a:xfrm>
             <a:off x="1376280" y="1336680"/>
-            <a:ext cx="4802760" cy="3602520"/>
+            <a:ext cx="4802400" cy="3602160"/>
           </a:xfrm>
           <a:prstGeom prst="rect">
             <a:avLst/>
@@ -1289,7 +1289,7 @@
         <p:spPr>
           <a:xfrm>
             <a:off x="756000" y="5145120"/>
-            <a:ext cx="6042960" cy="4205160"/>
+            <a:ext cx="6042600" cy="4204800"/>
           </a:xfrm>
           <a:prstGeom prst="rect">
             <a:avLst/>
@@ -1304,7 +1304,7 @@
             <a:noAutofit/>
           </a:bodyPr>
           <a:p>
-            <a:endParaRPr b="0" lang="pt-BR" sz="2000" spc="-1" strike="noStrike">
+            <a:endParaRPr b="0" lang="en-US" sz="2000" spc="-1" strike="noStrike">
               <a:latin typeface="Arial"/>
             </a:endParaRPr>
           </a:p>
@@ -1319,7 +1319,7 @@
         <p:spPr>
           <a:xfrm>
             <a:off x="0" y="10155240"/>
-            <a:ext cx="3271320" cy="531720"/>
+            <a:ext cx="3270960" cy="531360"/>
           </a:xfrm>
           <a:prstGeom prst="rect">
             <a:avLst/>
@@ -1356,7 +1356,7 @@
               </a:rPr>
               <a:t>Prof. André Hochuli</a:t>
             </a:r>
-            <a:endParaRPr b="0" lang="pt-BR" sz="1200" spc="-1" strike="noStrike">
+            <a:endParaRPr b="0" lang="en-US" sz="1200" spc="-1" strike="noStrike">
               <a:latin typeface="Arial"/>
             </a:endParaRPr>
           </a:p>
@@ -1397,7 +1397,7 @@
         <p:spPr>
           <a:xfrm>
             <a:off x="1376280" y="1336680"/>
-            <a:ext cx="4802760" cy="3602520"/>
+            <a:ext cx="4802400" cy="3602160"/>
           </a:xfrm>
           <a:prstGeom prst="rect">
             <a:avLst/>
@@ -1420,7 +1420,7 @@
         <p:spPr>
           <a:xfrm>
             <a:off x="756000" y="5145120"/>
-            <a:ext cx="6042960" cy="4205160"/>
+            <a:ext cx="6042600" cy="4204800"/>
           </a:xfrm>
           <a:prstGeom prst="rect">
             <a:avLst/>
@@ -1435,7 +1435,7 @@
             <a:noAutofit/>
           </a:bodyPr>
           <a:p>
-            <a:endParaRPr b="0" lang="pt-BR" sz="2000" spc="-1" strike="noStrike">
+            <a:endParaRPr b="0" lang="en-US" sz="2000" spc="-1" strike="noStrike">
               <a:latin typeface="Arial"/>
             </a:endParaRPr>
           </a:p>
@@ -1450,7 +1450,7 @@
         <p:spPr>
           <a:xfrm>
             <a:off x="0" y="10155240"/>
-            <a:ext cx="3271320" cy="531720"/>
+            <a:ext cx="3270960" cy="531360"/>
           </a:xfrm>
           <a:prstGeom prst="rect">
             <a:avLst/>
@@ -1487,7 +1487,7 @@
               </a:rPr>
               <a:t>Prof. André Hochuli</a:t>
             </a:r>
-            <a:endParaRPr b="0" lang="pt-BR" sz="1200" spc="-1" strike="noStrike">
+            <a:endParaRPr b="0" lang="en-US" sz="1200" spc="-1" strike="noStrike">
               <a:latin typeface="Arial"/>
             </a:endParaRPr>
           </a:p>
@@ -1568,7 +1568,7 @@
             <a:pPr algn="ctr">
               <a:buNone/>
             </a:pPr>
-            <a:endParaRPr b="0" lang="pt-BR" sz="4400" spc="-1" strike="noStrike">
+            <a:endParaRPr b="0" lang="en-US" sz="4400" spc="-1" strike="noStrike">
               <a:latin typeface="Arial"/>
             </a:endParaRPr>
           </a:p>
@@ -1602,7 +1602,7 @@
             <a:normAutofit/>
           </a:bodyPr>
           <a:p>
-            <a:endParaRPr b="0" lang="pt-BR" sz="3200" spc="-1" strike="noStrike">
+            <a:endParaRPr b="0" lang="en-US" sz="3200" spc="-1" strike="noStrike">
               <a:latin typeface="Arial"/>
             </a:endParaRPr>
           </a:p>
@@ -1636,7 +1636,7 @@
             <a:normAutofit/>
           </a:bodyPr>
           <a:p>
-            <a:endParaRPr b="0" lang="pt-BR" sz="3200" spc="-1" strike="noStrike">
+            <a:endParaRPr b="0" lang="en-US" sz="3200" spc="-1" strike="noStrike">
               <a:latin typeface="Arial"/>
             </a:endParaRPr>
           </a:p>
@@ -1695,7 +1695,7 @@
             <a:pPr algn="ctr">
               <a:buNone/>
             </a:pPr>
-            <a:endParaRPr b="0" lang="pt-BR" sz="4400" spc="-1" strike="noStrike">
+            <a:endParaRPr b="0" lang="en-US" sz="4400" spc="-1" strike="noStrike">
               <a:latin typeface="Arial"/>
             </a:endParaRPr>
           </a:p>
@@ -1729,7 +1729,7 @@
             <a:normAutofit/>
           </a:bodyPr>
           <a:p>
-            <a:endParaRPr b="0" lang="pt-BR" sz="3200" spc="-1" strike="noStrike">
+            <a:endParaRPr b="0" lang="en-US" sz="3200" spc="-1" strike="noStrike">
               <a:latin typeface="Arial"/>
             </a:endParaRPr>
           </a:p>
@@ -1763,7 +1763,7 @@
             <a:normAutofit/>
           </a:bodyPr>
           <a:p>
-            <a:endParaRPr b="0" lang="pt-BR" sz="3200" spc="-1" strike="noStrike">
+            <a:endParaRPr b="0" lang="en-US" sz="3200" spc="-1" strike="noStrike">
               <a:latin typeface="Arial"/>
             </a:endParaRPr>
           </a:p>
@@ -1797,7 +1797,7 @@
             <a:normAutofit/>
           </a:bodyPr>
           <a:p>
-            <a:endParaRPr b="0" lang="pt-BR" sz="3200" spc="-1" strike="noStrike">
+            <a:endParaRPr b="0" lang="en-US" sz="3200" spc="-1" strike="noStrike">
               <a:latin typeface="Arial"/>
             </a:endParaRPr>
           </a:p>
@@ -1831,7 +1831,7 @@
             <a:normAutofit/>
           </a:bodyPr>
           <a:p>
-            <a:endParaRPr b="0" lang="pt-BR" sz="3200" spc="-1" strike="noStrike">
+            <a:endParaRPr b="0" lang="en-US" sz="3200" spc="-1" strike="noStrike">
               <a:latin typeface="Arial"/>
             </a:endParaRPr>
           </a:p>
@@ -1890,7 +1890,7 @@
             <a:pPr algn="ctr">
               <a:buNone/>
             </a:pPr>
-            <a:endParaRPr b="0" lang="pt-BR" sz="4400" spc="-1" strike="noStrike">
+            <a:endParaRPr b="0" lang="en-US" sz="4400" spc="-1" strike="noStrike">
               <a:latin typeface="Arial"/>
             </a:endParaRPr>
           </a:p>
@@ -1924,7 +1924,7 @@
             <a:normAutofit/>
           </a:bodyPr>
           <a:p>
-            <a:endParaRPr b="0" lang="pt-BR" sz="3200" spc="-1" strike="noStrike">
+            <a:endParaRPr b="0" lang="en-US" sz="3200" spc="-1" strike="noStrike">
               <a:latin typeface="Arial"/>
             </a:endParaRPr>
           </a:p>
@@ -1958,7 +1958,7 @@
             <a:normAutofit/>
           </a:bodyPr>
           <a:p>
-            <a:endParaRPr b="0" lang="pt-BR" sz="3200" spc="-1" strike="noStrike">
+            <a:endParaRPr b="0" lang="en-US" sz="3200" spc="-1" strike="noStrike">
               <a:latin typeface="Arial"/>
             </a:endParaRPr>
           </a:p>
@@ -1992,7 +1992,7 @@
             <a:normAutofit/>
           </a:bodyPr>
           <a:p>
-            <a:endParaRPr b="0" lang="pt-BR" sz="3200" spc="-1" strike="noStrike">
+            <a:endParaRPr b="0" lang="en-US" sz="3200" spc="-1" strike="noStrike">
               <a:latin typeface="Arial"/>
             </a:endParaRPr>
           </a:p>
@@ -2026,7 +2026,7 @@
             <a:normAutofit/>
           </a:bodyPr>
           <a:p>
-            <a:endParaRPr b="0" lang="pt-BR" sz="3200" spc="-1" strike="noStrike">
+            <a:endParaRPr b="0" lang="en-US" sz="3200" spc="-1" strike="noStrike">
               <a:latin typeface="Arial"/>
             </a:endParaRPr>
           </a:p>
@@ -2060,7 +2060,7 @@
             <a:normAutofit/>
           </a:bodyPr>
           <a:p>
-            <a:endParaRPr b="0" lang="pt-BR" sz="3200" spc="-1" strike="noStrike">
+            <a:endParaRPr b="0" lang="en-US" sz="3200" spc="-1" strike="noStrike">
               <a:latin typeface="Arial"/>
             </a:endParaRPr>
           </a:p>
@@ -2094,7 +2094,7 @@
             <a:normAutofit/>
           </a:bodyPr>
           <a:p>
-            <a:endParaRPr b="0" lang="pt-BR" sz="3200" spc="-1" strike="noStrike">
+            <a:endParaRPr b="0" lang="en-US" sz="3200" spc="-1" strike="noStrike">
               <a:latin typeface="Arial"/>
             </a:endParaRPr>
           </a:p>
@@ -2175,7 +2175,7 @@
             <a:pPr algn="ctr">
               <a:buNone/>
             </a:pPr>
-            <a:endParaRPr b="0" lang="pt-BR" sz="4400" spc="-1" strike="noStrike">
+            <a:endParaRPr b="0" lang="en-US" sz="4400" spc="-1" strike="noStrike">
               <a:latin typeface="Arial"/>
             </a:endParaRPr>
           </a:p>
@@ -2212,7 +2212,7 @@
             <a:pPr algn="ctr">
               <a:buNone/>
             </a:pPr>
-            <a:endParaRPr b="0" lang="pt-BR" sz="3200" spc="-1" strike="noStrike">
+            <a:endParaRPr b="0" lang="en-US" sz="3200" spc="-1" strike="noStrike">
               <a:latin typeface="Arial"/>
             </a:endParaRPr>
           </a:p>
@@ -2271,7 +2271,7 @@
             <a:pPr algn="ctr">
               <a:buNone/>
             </a:pPr>
-            <a:endParaRPr b="0" lang="pt-BR" sz="4400" spc="-1" strike="noStrike">
+            <a:endParaRPr b="0" lang="en-US" sz="4400" spc="-1" strike="noStrike">
               <a:latin typeface="Arial"/>
             </a:endParaRPr>
           </a:p>
@@ -2305,7 +2305,7 @@
             <a:normAutofit/>
           </a:bodyPr>
           <a:p>
-            <a:endParaRPr b="0" lang="pt-BR" sz="3200" spc="-1" strike="noStrike">
+            <a:endParaRPr b="0" lang="en-US" sz="3200" spc="-1" strike="noStrike">
               <a:latin typeface="Arial"/>
             </a:endParaRPr>
           </a:p>
@@ -2364,7 +2364,7 @@
             <a:pPr algn="ctr">
               <a:buNone/>
             </a:pPr>
-            <a:endParaRPr b="0" lang="pt-BR" sz="4400" spc="-1" strike="noStrike">
+            <a:endParaRPr b="0" lang="en-US" sz="4400" spc="-1" strike="noStrike">
               <a:latin typeface="Arial"/>
             </a:endParaRPr>
           </a:p>
@@ -2398,7 +2398,7 @@
             <a:normAutofit/>
           </a:bodyPr>
           <a:p>
-            <a:endParaRPr b="0" lang="pt-BR" sz="3200" spc="-1" strike="noStrike">
+            <a:endParaRPr b="0" lang="en-US" sz="3200" spc="-1" strike="noStrike">
               <a:latin typeface="Arial"/>
             </a:endParaRPr>
           </a:p>
@@ -2432,7 +2432,7 @@
             <a:normAutofit/>
           </a:bodyPr>
           <a:p>
-            <a:endParaRPr b="0" lang="pt-BR" sz="3200" spc="-1" strike="noStrike">
+            <a:endParaRPr b="0" lang="en-US" sz="3200" spc="-1" strike="noStrike">
               <a:latin typeface="Arial"/>
             </a:endParaRPr>
           </a:p>
@@ -2491,7 +2491,7 @@
             <a:pPr algn="ctr">
               <a:buNone/>
             </a:pPr>
-            <a:endParaRPr b="0" lang="pt-BR" sz="4400" spc="-1" strike="noStrike">
+            <a:endParaRPr b="0" lang="en-US" sz="4400" spc="-1" strike="noStrike">
               <a:latin typeface="Arial"/>
             </a:endParaRPr>
           </a:p>
@@ -2550,7 +2550,7 @@
             <a:pPr algn="ctr">
               <a:buNone/>
             </a:pPr>
-            <a:endParaRPr b="0" lang="pt-BR" sz="3200" spc="-1" strike="noStrike">
+            <a:endParaRPr b="0" lang="en-US" sz="3200" spc="-1" strike="noStrike">
               <a:latin typeface="Arial"/>
             </a:endParaRPr>
           </a:p>
@@ -2609,7 +2609,7 @@
             <a:pPr algn="ctr">
               <a:buNone/>
             </a:pPr>
-            <a:endParaRPr b="0" lang="pt-BR" sz="4400" spc="-1" strike="noStrike">
+            <a:endParaRPr b="0" lang="en-US" sz="4400" spc="-1" strike="noStrike">
               <a:latin typeface="Arial"/>
             </a:endParaRPr>
           </a:p>
@@ -2643,7 +2643,7 @@
             <a:normAutofit/>
           </a:bodyPr>
           <a:p>
-            <a:endParaRPr b="0" lang="pt-BR" sz="3200" spc="-1" strike="noStrike">
+            <a:endParaRPr b="0" lang="en-US" sz="3200" spc="-1" strike="noStrike">
               <a:latin typeface="Arial"/>
             </a:endParaRPr>
           </a:p>
@@ -2677,7 +2677,7 @@
             <a:normAutofit/>
           </a:bodyPr>
           <a:p>
-            <a:endParaRPr b="0" lang="pt-BR" sz="3200" spc="-1" strike="noStrike">
+            <a:endParaRPr b="0" lang="en-US" sz="3200" spc="-1" strike="noStrike">
               <a:latin typeface="Arial"/>
             </a:endParaRPr>
           </a:p>
@@ -2711,7 +2711,7 @@
             <a:normAutofit/>
           </a:bodyPr>
           <a:p>
-            <a:endParaRPr b="0" lang="pt-BR" sz="3200" spc="-1" strike="noStrike">
+            <a:endParaRPr b="0" lang="en-US" sz="3200" spc="-1" strike="noStrike">
               <a:latin typeface="Arial"/>
             </a:endParaRPr>
           </a:p>
@@ -2770,7 +2770,7 @@
             <a:pPr algn="ctr">
               <a:buNone/>
             </a:pPr>
-            <a:endParaRPr b="0" lang="pt-BR" sz="4400" spc="-1" strike="noStrike">
+            <a:endParaRPr b="0" lang="en-US" sz="4400" spc="-1" strike="noStrike">
               <a:latin typeface="Arial"/>
             </a:endParaRPr>
           </a:p>
@@ -2807,7 +2807,7 @@
             <a:pPr algn="ctr">
               <a:buNone/>
             </a:pPr>
-            <a:endParaRPr b="0" lang="pt-BR" sz="3200" spc="-1" strike="noStrike">
+            <a:endParaRPr b="0" lang="en-US" sz="3200" spc="-1" strike="noStrike">
               <a:latin typeface="Arial"/>
             </a:endParaRPr>
           </a:p>
@@ -2866,7 +2866,7 @@
             <a:pPr algn="ctr">
               <a:buNone/>
             </a:pPr>
-            <a:endParaRPr b="0" lang="pt-BR" sz="4400" spc="-1" strike="noStrike">
+            <a:endParaRPr b="0" lang="en-US" sz="4400" spc="-1" strike="noStrike">
               <a:latin typeface="Arial"/>
             </a:endParaRPr>
           </a:p>
@@ -2900,7 +2900,7 @@
             <a:normAutofit/>
           </a:bodyPr>
           <a:p>
-            <a:endParaRPr b="0" lang="pt-BR" sz="3200" spc="-1" strike="noStrike">
+            <a:endParaRPr b="0" lang="en-US" sz="3200" spc="-1" strike="noStrike">
               <a:latin typeface="Arial"/>
             </a:endParaRPr>
           </a:p>
@@ -2934,7 +2934,7 @@
             <a:normAutofit/>
           </a:bodyPr>
           <a:p>
-            <a:endParaRPr b="0" lang="pt-BR" sz="3200" spc="-1" strike="noStrike">
+            <a:endParaRPr b="0" lang="en-US" sz="3200" spc="-1" strike="noStrike">
               <a:latin typeface="Arial"/>
             </a:endParaRPr>
           </a:p>
@@ -2968,7 +2968,7 @@
             <a:normAutofit/>
           </a:bodyPr>
           <a:p>
-            <a:endParaRPr b="0" lang="pt-BR" sz="3200" spc="-1" strike="noStrike">
+            <a:endParaRPr b="0" lang="en-US" sz="3200" spc="-1" strike="noStrike">
               <a:latin typeface="Arial"/>
             </a:endParaRPr>
           </a:p>
@@ -3027,7 +3027,7 @@
             <a:pPr algn="ctr">
               <a:buNone/>
             </a:pPr>
-            <a:endParaRPr b="0" lang="pt-BR" sz="4400" spc="-1" strike="noStrike">
+            <a:endParaRPr b="0" lang="en-US" sz="4400" spc="-1" strike="noStrike">
               <a:latin typeface="Arial"/>
             </a:endParaRPr>
           </a:p>
@@ -3061,7 +3061,7 @@
             <a:normAutofit/>
           </a:bodyPr>
           <a:p>
-            <a:endParaRPr b="0" lang="pt-BR" sz="3200" spc="-1" strike="noStrike">
+            <a:endParaRPr b="0" lang="en-US" sz="3200" spc="-1" strike="noStrike">
               <a:latin typeface="Arial"/>
             </a:endParaRPr>
           </a:p>
@@ -3095,7 +3095,7 @@
             <a:normAutofit/>
           </a:bodyPr>
           <a:p>
-            <a:endParaRPr b="0" lang="pt-BR" sz="3200" spc="-1" strike="noStrike">
+            <a:endParaRPr b="0" lang="en-US" sz="3200" spc="-1" strike="noStrike">
               <a:latin typeface="Arial"/>
             </a:endParaRPr>
           </a:p>
@@ -3129,7 +3129,7 @@
             <a:normAutofit/>
           </a:bodyPr>
           <a:p>
-            <a:endParaRPr b="0" lang="pt-BR" sz="3200" spc="-1" strike="noStrike">
+            <a:endParaRPr b="0" lang="en-US" sz="3200" spc="-1" strike="noStrike">
               <a:latin typeface="Arial"/>
             </a:endParaRPr>
           </a:p>
@@ -3188,7 +3188,7 @@
             <a:pPr algn="ctr">
               <a:buNone/>
             </a:pPr>
-            <a:endParaRPr b="0" lang="pt-BR" sz="4400" spc="-1" strike="noStrike">
+            <a:endParaRPr b="0" lang="en-US" sz="4400" spc="-1" strike="noStrike">
               <a:latin typeface="Arial"/>
             </a:endParaRPr>
           </a:p>
@@ -3222,7 +3222,7 @@
             <a:normAutofit/>
           </a:bodyPr>
           <a:p>
-            <a:endParaRPr b="0" lang="pt-BR" sz="3200" spc="-1" strike="noStrike">
+            <a:endParaRPr b="0" lang="en-US" sz="3200" spc="-1" strike="noStrike">
               <a:latin typeface="Arial"/>
             </a:endParaRPr>
           </a:p>
@@ -3256,7 +3256,7 @@
             <a:normAutofit/>
           </a:bodyPr>
           <a:p>
-            <a:endParaRPr b="0" lang="pt-BR" sz="3200" spc="-1" strike="noStrike">
+            <a:endParaRPr b="0" lang="en-US" sz="3200" spc="-1" strike="noStrike">
               <a:latin typeface="Arial"/>
             </a:endParaRPr>
           </a:p>
@@ -3315,7 +3315,7 @@
             <a:pPr algn="ctr">
               <a:buNone/>
             </a:pPr>
-            <a:endParaRPr b="0" lang="pt-BR" sz="4400" spc="-1" strike="noStrike">
+            <a:endParaRPr b="0" lang="en-US" sz="4400" spc="-1" strike="noStrike">
               <a:latin typeface="Arial"/>
             </a:endParaRPr>
           </a:p>
@@ -3349,7 +3349,7 @@
             <a:normAutofit/>
           </a:bodyPr>
           <a:p>
-            <a:endParaRPr b="0" lang="pt-BR" sz="3200" spc="-1" strike="noStrike">
+            <a:endParaRPr b="0" lang="en-US" sz="3200" spc="-1" strike="noStrike">
               <a:latin typeface="Arial"/>
             </a:endParaRPr>
           </a:p>
@@ -3383,7 +3383,7 @@
             <a:normAutofit/>
           </a:bodyPr>
           <a:p>
-            <a:endParaRPr b="0" lang="pt-BR" sz="3200" spc="-1" strike="noStrike">
+            <a:endParaRPr b="0" lang="en-US" sz="3200" spc="-1" strike="noStrike">
               <a:latin typeface="Arial"/>
             </a:endParaRPr>
           </a:p>
@@ -3417,7 +3417,7 @@
             <a:normAutofit/>
           </a:bodyPr>
           <a:p>
-            <a:endParaRPr b="0" lang="pt-BR" sz="3200" spc="-1" strike="noStrike">
+            <a:endParaRPr b="0" lang="en-US" sz="3200" spc="-1" strike="noStrike">
               <a:latin typeface="Arial"/>
             </a:endParaRPr>
           </a:p>
@@ -3451,7 +3451,7 @@
             <a:normAutofit/>
           </a:bodyPr>
           <a:p>
-            <a:endParaRPr b="0" lang="pt-BR" sz="3200" spc="-1" strike="noStrike">
+            <a:endParaRPr b="0" lang="en-US" sz="3200" spc="-1" strike="noStrike">
               <a:latin typeface="Arial"/>
             </a:endParaRPr>
           </a:p>
@@ -3510,7 +3510,7 @@
             <a:pPr algn="ctr">
               <a:buNone/>
             </a:pPr>
-            <a:endParaRPr b="0" lang="pt-BR" sz="4400" spc="-1" strike="noStrike">
+            <a:endParaRPr b="0" lang="en-US" sz="4400" spc="-1" strike="noStrike">
               <a:latin typeface="Arial"/>
             </a:endParaRPr>
           </a:p>
@@ -3544,7 +3544,7 @@
             <a:normAutofit/>
           </a:bodyPr>
           <a:p>
-            <a:endParaRPr b="0" lang="pt-BR" sz="3200" spc="-1" strike="noStrike">
+            <a:endParaRPr b="0" lang="en-US" sz="3200" spc="-1" strike="noStrike">
               <a:latin typeface="Arial"/>
             </a:endParaRPr>
           </a:p>
@@ -3578,7 +3578,7 @@
             <a:normAutofit/>
           </a:bodyPr>
           <a:p>
-            <a:endParaRPr b="0" lang="pt-BR" sz="3200" spc="-1" strike="noStrike">
+            <a:endParaRPr b="0" lang="en-US" sz="3200" spc="-1" strike="noStrike">
               <a:latin typeface="Arial"/>
             </a:endParaRPr>
           </a:p>
@@ -3612,7 +3612,7 @@
             <a:normAutofit/>
           </a:bodyPr>
           <a:p>
-            <a:endParaRPr b="0" lang="pt-BR" sz="3200" spc="-1" strike="noStrike">
+            <a:endParaRPr b="0" lang="en-US" sz="3200" spc="-1" strike="noStrike">
               <a:latin typeface="Arial"/>
             </a:endParaRPr>
           </a:p>
@@ -3646,7 +3646,7 @@
             <a:normAutofit/>
           </a:bodyPr>
           <a:p>
-            <a:endParaRPr b="0" lang="pt-BR" sz="3200" spc="-1" strike="noStrike">
+            <a:endParaRPr b="0" lang="en-US" sz="3200" spc="-1" strike="noStrike">
               <a:latin typeface="Arial"/>
             </a:endParaRPr>
           </a:p>
@@ -3680,7 +3680,7 @@
             <a:normAutofit/>
           </a:bodyPr>
           <a:p>
-            <a:endParaRPr b="0" lang="pt-BR" sz="3200" spc="-1" strike="noStrike">
+            <a:endParaRPr b="0" lang="en-US" sz="3200" spc="-1" strike="noStrike">
               <a:latin typeface="Arial"/>
             </a:endParaRPr>
           </a:p>
@@ -3714,7 +3714,7 @@
             <a:normAutofit/>
           </a:bodyPr>
           <a:p>
-            <a:endParaRPr b="0" lang="pt-BR" sz="3200" spc="-1" strike="noStrike">
+            <a:endParaRPr b="0" lang="en-US" sz="3200" spc="-1" strike="noStrike">
               <a:latin typeface="Arial"/>
             </a:endParaRPr>
           </a:p>
@@ -3773,7 +3773,7 @@
             <a:pPr algn="ctr">
               <a:buNone/>
             </a:pPr>
-            <a:endParaRPr b="0" lang="pt-BR" sz="4400" spc="-1" strike="noStrike">
+            <a:endParaRPr b="0" lang="en-US" sz="4400" spc="-1" strike="noStrike">
               <a:latin typeface="Arial"/>
             </a:endParaRPr>
           </a:p>
@@ -3807,7 +3807,7 @@
             <a:normAutofit/>
           </a:bodyPr>
           <a:p>
-            <a:endParaRPr b="0" lang="pt-BR" sz="3200" spc="-1" strike="noStrike">
+            <a:endParaRPr b="0" lang="en-US" sz="3200" spc="-1" strike="noStrike">
               <a:latin typeface="Arial"/>
             </a:endParaRPr>
           </a:p>
@@ -3866,7 +3866,7 @@
             <a:pPr algn="ctr">
               <a:buNone/>
             </a:pPr>
-            <a:endParaRPr b="0" lang="pt-BR" sz="4400" spc="-1" strike="noStrike">
+            <a:endParaRPr b="0" lang="en-US" sz="4400" spc="-1" strike="noStrike">
               <a:latin typeface="Arial"/>
             </a:endParaRPr>
           </a:p>
@@ -3900,7 +3900,7 @@
             <a:normAutofit/>
           </a:bodyPr>
           <a:p>
-            <a:endParaRPr b="0" lang="pt-BR" sz="3200" spc="-1" strike="noStrike">
+            <a:endParaRPr b="0" lang="en-US" sz="3200" spc="-1" strike="noStrike">
               <a:latin typeface="Arial"/>
             </a:endParaRPr>
           </a:p>
@@ -3934,7 +3934,7 @@
             <a:normAutofit/>
           </a:bodyPr>
           <a:p>
-            <a:endParaRPr b="0" lang="pt-BR" sz="3200" spc="-1" strike="noStrike">
+            <a:endParaRPr b="0" lang="en-US" sz="3200" spc="-1" strike="noStrike">
               <a:latin typeface="Arial"/>
             </a:endParaRPr>
           </a:p>
@@ -3993,7 +3993,7 @@
             <a:pPr algn="ctr">
               <a:buNone/>
             </a:pPr>
-            <a:endParaRPr b="0" lang="pt-BR" sz="4400" spc="-1" strike="noStrike">
+            <a:endParaRPr b="0" lang="en-US" sz="4400" spc="-1" strike="noStrike">
               <a:latin typeface="Arial"/>
             </a:endParaRPr>
           </a:p>
@@ -4052,7 +4052,7 @@
             <a:pPr algn="ctr">
               <a:buNone/>
             </a:pPr>
-            <a:endParaRPr b="0" lang="pt-BR" sz="3200" spc="-1" strike="noStrike">
+            <a:endParaRPr b="0" lang="en-US" sz="3200" spc="-1" strike="noStrike">
               <a:latin typeface="Arial"/>
             </a:endParaRPr>
           </a:p>
@@ -4111,7 +4111,7 @@
             <a:pPr algn="ctr">
               <a:buNone/>
             </a:pPr>
-            <a:endParaRPr b="0" lang="pt-BR" sz="4400" spc="-1" strike="noStrike">
+            <a:endParaRPr b="0" lang="en-US" sz="4400" spc="-1" strike="noStrike">
               <a:latin typeface="Arial"/>
             </a:endParaRPr>
           </a:p>
@@ -4145,7 +4145,7 @@
             <a:normAutofit/>
           </a:bodyPr>
           <a:p>
-            <a:endParaRPr b="0" lang="pt-BR" sz="3200" spc="-1" strike="noStrike">
+            <a:endParaRPr b="0" lang="en-US" sz="3200" spc="-1" strike="noStrike">
               <a:latin typeface="Arial"/>
             </a:endParaRPr>
           </a:p>
@@ -4179,7 +4179,7 @@
             <a:normAutofit/>
           </a:bodyPr>
           <a:p>
-            <a:endParaRPr b="0" lang="pt-BR" sz="3200" spc="-1" strike="noStrike">
+            <a:endParaRPr b="0" lang="en-US" sz="3200" spc="-1" strike="noStrike">
               <a:latin typeface="Arial"/>
             </a:endParaRPr>
           </a:p>
@@ -4213,7 +4213,7 @@
             <a:normAutofit/>
           </a:bodyPr>
           <a:p>
-            <a:endParaRPr b="0" lang="pt-BR" sz="3200" spc="-1" strike="noStrike">
+            <a:endParaRPr b="0" lang="en-US" sz="3200" spc="-1" strike="noStrike">
               <a:latin typeface="Arial"/>
             </a:endParaRPr>
           </a:p>
@@ -4272,7 +4272,7 @@
             <a:pPr algn="ctr">
               <a:buNone/>
             </a:pPr>
-            <a:endParaRPr b="0" lang="pt-BR" sz="4400" spc="-1" strike="noStrike">
+            <a:endParaRPr b="0" lang="en-US" sz="4400" spc="-1" strike="noStrike">
               <a:latin typeface="Arial"/>
             </a:endParaRPr>
           </a:p>
@@ -4306,7 +4306,7 @@
             <a:normAutofit/>
           </a:bodyPr>
           <a:p>
-            <a:endParaRPr b="0" lang="pt-BR" sz="3200" spc="-1" strike="noStrike">
+            <a:endParaRPr b="0" lang="en-US" sz="3200" spc="-1" strike="noStrike">
               <a:latin typeface="Arial"/>
             </a:endParaRPr>
           </a:p>
@@ -4340,7 +4340,7 @@
             <a:normAutofit/>
           </a:bodyPr>
           <a:p>
-            <a:endParaRPr b="0" lang="pt-BR" sz="3200" spc="-1" strike="noStrike">
+            <a:endParaRPr b="0" lang="en-US" sz="3200" spc="-1" strike="noStrike">
               <a:latin typeface="Arial"/>
             </a:endParaRPr>
           </a:p>
@@ -4374,7 +4374,7 @@
             <a:normAutofit/>
           </a:bodyPr>
           <a:p>
-            <a:endParaRPr b="0" lang="pt-BR" sz="3200" spc="-1" strike="noStrike">
+            <a:endParaRPr b="0" lang="en-US" sz="3200" spc="-1" strike="noStrike">
               <a:latin typeface="Arial"/>
             </a:endParaRPr>
           </a:p>
@@ -4433,7 +4433,7 @@
             <a:pPr algn="ctr">
               <a:buNone/>
             </a:pPr>
-            <a:endParaRPr b="0" lang="pt-BR" sz="4400" spc="-1" strike="noStrike">
+            <a:endParaRPr b="0" lang="en-US" sz="4400" spc="-1" strike="noStrike">
               <a:latin typeface="Arial"/>
             </a:endParaRPr>
           </a:p>
@@ -4467,7 +4467,7 @@
             <a:normAutofit/>
           </a:bodyPr>
           <a:p>
-            <a:endParaRPr b="0" lang="pt-BR" sz="3200" spc="-1" strike="noStrike">
+            <a:endParaRPr b="0" lang="en-US" sz="3200" spc="-1" strike="noStrike">
               <a:latin typeface="Arial"/>
             </a:endParaRPr>
           </a:p>
@@ -4501,7 +4501,7 @@
             <a:normAutofit/>
           </a:bodyPr>
           <a:p>
-            <a:endParaRPr b="0" lang="pt-BR" sz="3200" spc="-1" strike="noStrike">
+            <a:endParaRPr b="0" lang="en-US" sz="3200" spc="-1" strike="noStrike">
               <a:latin typeface="Arial"/>
             </a:endParaRPr>
           </a:p>
@@ -4535,7 +4535,7 @@
             <a:normAutofit/>
           </a:bodyPr>
           <a:p>
-            <a:endParaRPr b="0" lang="pt-BR" sz="3200" spc="-1" strike="noStrike">
+            <a:endParaRPr b="0" lang="en-US" sz="3200" spc="-1" strike="noStrike">
               <a:latin typeface="Arial"/>
             </a:endParaRPr>
           </a:p>
@@ -4579,7 +4579,7 @@
         <p:spPr>
           <a:xfrm>
             <a:off x="0" y="3150000"/>
-            <a:ext cx="9715320" cy="1255320"/>
+            <a:ext cx="9714960" cy="1254960"/>
           </a:xfrm>
           <a:prstGeom prst="rect">
             <a:avLst/>
@@ -4630,12 +4630,12 @@
               <a:buNone/>
             </a:pPr>
             <a:r>
-              <a:rPr b="0" lang="pt-BR" sz="4400" spc="-1" strike="noStrike">
+              <a:rPr b="0" lang="en-US" sz="4400" spc="-1" strike="noStrike">
                 <a:latin typeface="Arial"/>
               </a:rPr>
               <a:t>Click to edit the title text format</a:t>
             </a:r>
-            <a:endParaRPr b="0" lang="pt-BR" sz="4400" spc="-1" strike="noStrike">
+            <a:endParaRPr b="0" lang="en-US" sz="4400" spc="-1" strike="noStrike">
               <a:latin typeface="Arial"/>
             </a:endParaRPr>
           </a:p>
@@ -4681,12 +4681,12 @@
               <a:buChar char=""/>
             </a:pPr>
             <a:r>
-              <a:rPr b="0" lang="pt-BR" sz="3200" spc="-1" strike="noStrike">
+              <a:rPr b="0" lang="en-US" sz="3200" spc="-1" strike="noStrike">
                 <a:latin typeface="Arial"/>
               </a:rPr>
               <a:t>Click to edit the outline text format</a:t>
             </a:r>
-            <a:endParaRPr b="0" lang="pt-BR" sz="3200" spc="-1" strike="noStrike">
+            <a:endParaRPr b="0" lang="en-US" sz="3200" spc="-1" strike="noStrike">
               <a:latin typeface="Arial"/>
             </a:endParaRPr>
           </a:p>
@@ -4703,12 +4703,12 @@
               <a:buChar char=""/>
             </a:pPr>
             <a:r>
-              <a:rPr b="0" lang="pt-BR" sz="2800" spc="-1" strike="noStrike">
+              <a:rPr b="0" lang="en-US" sz="2800" spc="-1" strike="noStrike">
                 <a:latin typeface="Arial"/>
               </a:rPr>
               <a:t>Second Outline Level</a:t>
             </a:r>
-            <a:endParaRPr b="0" lang="pt-BR" sz="2800" spc="-1" strike="noStrike">
+            <a:endParaRPr b="0" lang="en-US" sz="2800" spc="-1" strike="noStrike">
               <a:latin typeface="Arial"/>
             </a:endParaRPr>
           </a:p>
@@ -4725,12 +4725,12 @@
               <a:buChar char=""/>
             </a:pPr>
             <a:r>
-              <a:rPr b="0" lang="pt-BR" sz="2400" spc="-1" strike="noStrike">
+              <a:rPr b="0" lang="en-US" sz="2400" spc="-1" strike="noStrike">
                 <a:latin typeface="Arial"/>
               </a:rPr>
               <a:t>Third Outline Level</a:t>
             </a:r>
-            <a:endParaRPr b="0" lang="pt-BR" sz="2400" spc="-1" strike="noStrike">
+            <a:endParaRPr b="0" lang="en-US" sz="2400" spc="-1" strike="noStrike">
               <a:latin typeface="Arial"/>
             </a:endParaRPr>
           </a:p>
@@ -4747,12 +4747,12 @@
               <a:buChar char=""/>
             </a:pPr>
             <a:r>
-              <a:rPr b="0" lang="pt-BR" sz="2000" spc="-1" strike="noStrike">
+              <a:rPr b="0" lang="en-US" sz="2000" spc="-1" strike="noStrike">
                 <a:latin typeface="Arial"/>
               </a:rPr>
               <a:t>Fourth Outline Level</a:t>
             </a:r>
-            <a:endParaRPr b="0" lang="pt-BR" sz="2000" spc="-1" strike="noStrike">
+            <a:endParaRPr b="0" lang="en-US" sz="2000" spc="-1" strike="noStrike">
               <a:latin typeface="Arial"/>
             </a:endParaRPr>
           </a:p>
@@ -4769,12 +4769,12 @@
               <a:buChar char=""/>
             </a:pPr>
             <a:r>
-              <a:rPr b="0" lang="pt-BR" sz="2000" spc="-1" strike="noStrike">
+              <a:rPr b="0" lang="en-US" sz="2000" spc="-1" strike="noStrike">
                 <a:latin typeface="Arial"/>
               </a:rPr>
               <a:t>Fifth Outline Level</a:t>
             </a:r>
-            <a:endParaRPr b="0" lang="pt-BR" sz="2000" spc="-1" strike="noStrike">
+            <a:endParaRPr b="0" lang="en-US" sz="2000" spc="-1" strike="noStrike">
               <a:latin typeface="Arial"/>
             </a:endParaRPr>
           </a:p>
@@ -4791,12 +4791,12 @@
               <a:buChar char=""/>
             </a:pPr>
             <a:r>
-              <a:rPr b="0" lang="pt-BR" sz="2000" spc="-1" strike="noStrike">
+              <a:rPr b="0" lang="en-US" sz="2000" spc="-1" strike="noStrike">
                 <a:latin typeface="Arial"/>
               </a:rPr>
               <a:t>Sixth Outline Level</a:t>
             </a:r>
-            <a:endParaRPr b="0" lang="pt-BR" sz="2000" spc="-1" strike="noStrike">
+            <a:endParaRPr b="0" lang="en-US" sz="2000" spc="-1" strike="noStrike">
               <a:latin typeface="Arial"/>
             </a:endParaRPr>
           </a:p>
@@ -4813,12 +4813,12 @@
               <a:buChar char=""/>
             </a:pPr>
             <a:r>
-              <a:rPr b="0" lang="pt-BR" sz="2000" spc="-1" strike="noStrike">
+              <a:rPr b="0" lang="en-US" sz="2000" spc="-1" strike="noStrike">
                 <a:latin typeface="Arial"/>
               </a:rPr>
               <a:t>Seventh Outline Level</a:t>
             </a:r>
-            <a:endParaRPr b="0" lang="pt-BR" sz="2000" spc="-1" strike="noStrike">
+            <a:endParaRPr b="0" lang="en-US" sz="2000" spc="-1" strike="noStrike">
               <a:latin typeface="Arial"/>
             </a:endParaRPr>
           </a:p>
@@ -4877,7 +4877,7 @@
         <p:spPr>
           <a:xfrm>
             <a:off x="0" y="180000"/>
-            <a:ext cx="9715320" cy="1255320"/>
+            <a:ext cx="9714960" cy="1254960"/>
           </a:xfrm>
           <a:prstGeom prst="rect">
             <a:avLst/>
@@ -4905,7 +4905,7 @@
         <p:spPr>
           <a:xfrm>
             <a:off x="7560000" y="6840000"/>
-            <a:ext cx="2515320" cy="535320"/>
+            <a:ext cx="2514960" cy="534960"/>
           </a:xfrm>
           <a:prstGeom prst="rect">
             <a:avLst/>
@@ -4933,7 +4933,7 @@
         <p:spPr>
           <a:xfrm>
             <a:off x="900000" y="6840000"/>
-            <a:ext cx="6475320" cy="535320"/>
+            <a:ext cx="6474960" cy="534960"/>
           </a:xfrm>
           <a:prstGeom prst="rect">
             <a:avLst/>
@@ -4961,7 +4961,7 @@
         <p:spPr>
           <a:xfrm>
             <a:off x="180000" y="6840000"/>
-            <a:ext cx="535320" cy="535320"/>
+            <a:ext cx="534960" cy="534960"/>
           </a:xfrm>
           <a:prstGeom prst="rect">
             <a:avLst/>
@@ -5010,12 +5010,12 @@
               <a:buNone/>
             </a:pPr>
             <a:r>
-              <a:rPr b="0" lang="pt-BR" sz="4400" spc="-1" strike="noStrike">
+              <a:rPr b="0" lang="en-US" sz="4400" spc="-1" strike="noStrike">
                 <a:latin typeface="Arial"/>
               </a:rPr>
               <a:t>Click to edit the title text format</a:t>
             </a:r>
-            <a:endParaRPr b="0" lang="pt-BR" sz="4400" spc="-1" strike="noStrike">
+            <a:endParaRPr b="0" lang="en-US" sz="4400" spc="-1" strike="noStrike">
               <a:latin typeface="Arial"/>
             </a:endParaRPr>
           </a:p>
@@ -5061,12 +5061,12 @@
               <a:buChar char=""/>
             </a:pPr>
             <a:r>
-              <a:rPr b="0" lang="pt-BR" sz="3200" spc="-1" strike="noStrike">
+              <a:rPr b="0" lang="en-US" sz="3200" spc="-1" strike="noStrike">
                 <a:latin typeface="Arial"/>
               </a:rPr>
               <a:t>Click to edit the outline text format</a:t>
             </a:r>
-            <a:endParaRPr b="0" lang="pt-BR" sz="3200" spc="-1" strike="noStrike">
+            <a:endParaRPr b="0" lang="en-US" sz="3200" spc="-1" strike="noStrike">
               <a:latin typeface="Arial"/>
             </a:endParaRPr>
           </a:p>
@@ -5083,12 +5083,12 @@
               <a:buChar char=""/>
             </a:pPr>
             <a:r>
-              <a:rPr b="0" lang="pt-BR" sz="2800" spc="-1" strike="noStrike">
+              <a:rPr b="0" lang="en-US" sz="2800" spc="-1" strike="noStrike">
                 <a:latin typeface="Arial"/>
               </a:rPr>
               <a:t>Second Outline Level</a:t>
             </a:r>
-            <a:endParaRPr b="0" lang="pt-BR" sz="2800" spc="-1" strike="noStrike">
+            <a:endParaRPr b="0" lang="en-US" sz="2800" spc="-1" strike="noStrike">
               <a:latin typeface="Arial"/>
             </a:endParaRPr>
           </a:p>
@@ -5105,12 +5105,12 @@
               <a:buChar char=""/>
             </a:pPr>
             <a:r>
-              <a:rPr b="0" lang="pt-BR" sz="2400" spc="-1" strike="noStrike">
+              <a:rPr b="0" lang="en-US" sz="2400" spc="-1" strike="noStrike">
                 <a:latin typeface="Arial"/>
               </a:rPr>
               <a:t>Third Outline Level</a:t>
             </a:r>
-            <a:endParaRPr b="0" lang="pt-BR" sz="2400" spc="-1" strike="noStrike">
+            <a:endParaRPr b="0" lang="en-US" sz="2400" spc="-1" strike="noStrike">
               <a:latin typeface="Arial"/>
             </a:endParaRPr>
           </a:p>
@@ -5127,12 +5127,12 @@
               <a:buChar char=""/>
             </a:pPr>
             <a:r>
-              <a:rPr b="0" lang="pt-BR" sz="2000" spc="-1" strike="noStrike">
+              <a:rPr b="0" lang="en-US" sz="2000" spc="-1" strike="noStrike">
                 <a:latin typeface="Arial"/>
               </a:rPr>
               <a:t>Fourth Outline Level</a:t>
             </a:r>
-            <a:endParaRPr b="0" lang="pt-BR" sz="2000" spc="-1" strike="noStrike">
+            <a:endParaRPr b="0" lang="en-US" sz="2000" spc="-1" strike="noStrike">
               <a:latin typeface="Arial"/>
             </a:endParaRPr>
           </a:p>
@@ -5149,12 +5149,12 @@
               <a:buChar char=""/>
             </a:pPr>
             <a:r>
-              <a:rPr b="0" lang="pt-BR" sz="2000" spc="-1" strike="noStrike">
+              <a:rPr b="0" lang="en-US" sz="2000" spc="-1" strike="noStrike">
                 <a:latin typeface="Arial"/>
               </a:rPr>
               <a:t>Fifth Outline Level</a:t>
             </a:r>
-            <a:endParaRPr b="0" lang="pt-BR" sz="2000" spc="-1" strike="noStrike">
+            <a:endParaRPr b="0" lang="en-US" sz="2000" spc="-1" strike="noStrike">
               <a:latin typeface="Arial"/>
             </a:endParaRPr>
           </a:p>
@@ -5171,12 +5171,12 @@
               <a:buChar char=""/>
             </a:pPr>
             <a:r>
-              <a:rPr b="0" lang="pt-BR" sz="2000" spc="-1" strike="noStrike">
+              <a:rPr b="0" lang="en-US" sz="2000" spc="-1" strike="noStrike">
                 <a:latin typeface="Arial"/>
               </a:rPr>
               <a:t>Sixth Outline Level</a:t>
             </a:r>
-            <a:endParaRPr b="0" lang="pt-BR" sz="2000" spc="-1" strike="noStrike">
+            <a:endParaRPr b="0" lang="en-US" sz="2000" spc="-1" strike="noStrike">
               <a:latin typeface="Arial"/>
             </a:endParaRPr>
           </a:p>
@@ -5193,12 +5193,12 @@
               <a:buChar char=""/>
             </a:pPr>
             <a:r>
-              <a:rPr b="0" lang="pt-BR" sz="2000" spc="-1" strike="noStrike">
+              <a:rPr b="0" lang="en-US" sz="2000" spc="-1" strike="noStrike">
                 <a:latin typeface="Arial"/>
               </a:rPr>
               <a:t>Seventh Outline Level</a:t>
             </a:r>
-            <a:endParaRPr b="0" lang="pt-BR" sz="2000" spc="-1" strike="noStrike">
+            <a:endParaRPr b="0" lang="en-US" sz="2000" spc="-1" strike="noStrike">
               <a:latin typeface="Arial"/>
             </a:endParaRPr>
           </a:p>
@@ -5250,7 +5250,7 @@
         <p:spPr>
           <a:xfrm>
             <a:off x="360000" y="3330000"/>
-            <a:ext cx="9355320" cy="895320"/>
+            <a:ext cx="9354960" cy="894960"/>
           </a:xfrm>
           <a:prstGeom prst="rect">
             <a:avLst/>
@@ -5287,7 +5287,7 @@
               </a:rPr>
               <a:t>Lecture 07 - Image Descriptors</a:t>
             </a:r>
-            <a:endParaRPr b="0" lang="pt-BR" sz="3200" spc="-1" strike="noStrike">
+            <a:endParaRPr b="0" lang="en-US" sz="3200" spc="-1" strike="noStrike">
               <a:latin typeface="Arial"/>
             </a:endParaRPr>
           </a:p>
@@ -5302,7 +5302,7 @@
         <p:spPr>
           <a:xfrm>
             <a:off x="540000" y="4680000"/>
-            <a:ext cx="9175320" cy="2515320"/>
+            <a:ext cx="9174960" cy="2514960"/>
           </a:xfrm>
           <a:prstGeom prst="rect">
             <a:avLst/>
@@ -5339,7 +5339,7 @@
               </a:rPr>
               <a:t>Prof. André Gustavo Hochuli</a:t>
             </a:r>
-            <a:endParaRPr b="0" lang="pt-BR" sz="2200" spc="-1" strike="noStrike">
+            <a:endParaRPr b="0" lang="en-US" sz="2200" spc="-1" strike="noStrike">
               <a:latin typeface="Arial"/>
             </a:endParaRPr>
           </a:p>
@@ -5350,7 +5350,7 @@
               </a:lnSpc>
               <a:buNone/>
             </a:pPr>
-            <a:endParaRPr b="0" lang="pt-BR" sz="2200" spc="-1" strike="noStrike">
+            <a:endParaRPr b="0" lang="en-US" sz="2200" spc="-1" strike="noStrike">
               <a:latin typeface="Arial"/>
             </a:endParaRPr>
           </a:p>
@@ -5373,7 +5373,7 @@
               </a:rPr>
               <a:t>gustavo.hochuli@pucpr.br</a:t>
             </a:r>
-            <a:endParaRPr b="0" lang="pt-BR" sz="2200" spc="-1" strike="noStrike">
+            <a:endParaRPr b="0" lang="en-US" sz="2200" spc="-1" strike="noStrike">
               <a:latin typeface="Arial"/>
             </a:endParaRPr>
           </a:p>
@@ -5396,7 +5396,7 @@
               </a:rPr>
               <a:t>aghochuli@ppgia.pucpr.br</a:t>
             </a:r>
-            <a:endParaRPr b="0" lang="pt-BR" sz="2200" spc="-1" strike="noStrike">
+            <a:endParaRPr b="0" lang="en-US" sz="2200" spc="-1" strike="noStrike">
               <a:latin typeface="Arial"/>
             </a:endParaRPr>
           </a:p>
@@ -5407,7 +5407,7 @@
               </a:lnSpc>
               <a:buNone/>
             </a:pPr>
-            <a:endParaRPr b="0" lang="pt-BR" sz="2200" spc="-1" strike="noStrike">
+            <a:endParaRPr b="0" lang="en-US" sz="2200" spc="-1" strike="noStrike">
               <a:latin typeface="Arial"/>
             </a:endParaRPr>
           </a:p>
@@ -5418,7 +5418,7 @@
               </a:lnSpc>
               <a:buNone/>
             </a:pPr>
-            <a:endParaRPr b="0" lang="pt-BR" sz="2200" spc="-1" strike="noStrike">
+            <a:endParaRPr b="0" lang="en-US" sz="2200" spc="-1" strike="noStrike">
               <a:latin typeface="Arial"/>
             </a:endParaRPr>
           </a:p>
@@ -5429,7 +5429,7 @@
               </a:lnSpc>
               <a:buNone/>
             </a:pPr>
-            <a:endParaRPr b="0" lang="pt-BR" sz="2200" spc="-1" strike="noStrike">
+            <a:endParaRPr b="0" lang="en-US" sz="2200" spc="-1" strike="noStrike">
               <a:latin typeface="Arial"/>
             </a:endParaRPr>
           </a:p>
@@ -5440,7 +5440,7 @@
               </a:lnSpc>
               <a:buNone/>
             </a:pPr>
-            <a:endParaRPr b="0" lang="pt-BR" sz="2200" spc="-1" strike="noStrike">
+            <a:endParaRPr b="0" lang="en-US" sz="2200" spc="-1" strike="noStrike">
               <a:latin typeface="Arial"/>
             </a:endParaRPr>
           </a:p>
@@ -5451,7 +5451,7 @@
               </a:lnSpc>
               <a:buNone/>
             </a:pPr>
-            <a:endParaRPr b="0" lang="pt-BR" sz="2200" spc="-1" strike="noStrike">
+            <a:endParaRPr b="0" lang="en-US" sz="2200" spc="-1" strike="noStrike">
               <a:latin typeface="Arial"/>
             </a:endParaRPr>
           </a:p>
@@ -5462,7 +5462,7 @@
               </a:lnSpc>
               <a:buNone/>
             </a:pPr>
-            <a:endParaRPr b="0" lang="pt-BR" sz="2200" spc="-1" strike="noStrike">
+            <a:endParaRPr b="0" lang="en-US" sz="2200" spc="-1" strike="noStrike">
               <a:latin typeface="Arial"/>
             </a:endParaRPr>
           </a:p>
@@ -5507,7 +5507,7 @@
         <p:spPr>
           <a:xfrm>
             <a:off x="360000" y="360000"/>
-            <a:ext cx="9355320" cy="895320"/>
+            <a:ext cx="9354960" cy="894960"/>
           </a:xfrm>
           <a:prstGeom prst="rect">
             <a:avLst/>
@@ -5544,7 +5544,7 @@
               </a:rPr>
               <a:t>Topics</a:t>
             </a:r>
-            <a:endParaRPr b="0" lang="pt-BR" sz="3200" spc="-1" strike="noStrike">
+            <a:endParaRPr b="0" lang="en-US" sz="3200" spc="-1" strike="noStrike">
               <a:latin typeface="Arial"/>
             </a:endParaRPr>
           </a:p>
@@ -5559,7 +5559,7 @@
         <p:spPr>
           <a:xfrm>
             <a:off x="897120" y="6886080"/>
-            <a:ext cx="6442560" cy="360360"/>
+            <a:ext cx="6442200" cy="360000"/>
           </a:xfrm>
           <a:prstGeom prst="rect">
             <a:avLst/>
@@ -5596,7 +5596,7 @@
               </a:rPr>
               <a:t>Computer Vision - Prof. André Hochuli</a:t>
             </a:r>
-            <a:endParaRPr b="0" lang="pt-BR" sz="1800" spc="-1" strike="noStrike">
+            <a:endParaRPr b="0" lang="en-US" sz="1800" spc="-1" strike="noStrike">
               <a:latin typeface="Arial"/>
             </a:endParaRPr>
           </a:p>
@@ -5611,7 +5611,7 @@
         <p:spPr>
           <a:xfrm>
             <a:off x="7608600" y="6886080"/>
-            <a:ext cx="2280600" cy="360360"/>
+            <a:ext cx="2280240" cy="360000"/>
           </a:xfrm>
           <a:prstGeom prst="rect">
             <a:avLst/>
@@ -5658,7 +5658,7 @@
               </a:rPr>
               <a:t> 07</a:t>
             </a:r>
-            <a:endParaRPr b="0" lang="pt-BR" sz="1800" spc="-1" strike="noStrike">
+            <a:endParaRPr b="0" lang="en-US" sz="1800" spc="-1" strike="noStrike">
               <a:latin typeface="Arial"/>
             </a:endParaRPr>
           </a:p>
@@ -5673,7 +5673,7 @@
         <p:spPr>
           <a:xfrm>
             <a:off x="360000" y="1980000"/>
-            <a:ext cx="9175320" cy="4675320"/>
+            <a:ext cx="9174960" cy="4674960"/>
           </a:xfrm>
           <a:prstGeom prst="rect">
             <a:avLst/>
@@ -5718,7 +5718,7 @@
               </a:rPr>
               <a:t>Discussion of Lecture #06</a:t>
             </a:r>
-            <a:endParaRPr b="0" lang="pt-BR" sz="2000" spc="-1" strike="noStrike">
+            <a:endParaRPr b="0" lang="en-US" sz="2000" spc="-1" strike="noStrike">
               <a:latin typeface="Arial"/>
             </a:endParaRPr>
           </a:p>
@@ -5747,7 +5747,7 @@
               </a:rPr>
               <a:t>Feature Vector</a:t>
             </a:r>
-            <a:endParaRPr b="0" lang="pt-BR" sz="2000" spc="-1" strike="noStrike">
+            <a:endParaRPr b="0" lang="en-US" sz="2000" spc="-1" strike="noStrike">
               <a:latin typeface="Arial"/>
             </a:endParaRPr>
           </a:p>
@@ -5776,7 +5776,7 @@
               </a:rPr>
               <a:t>Horizontal and Vertical Projections</a:t>
             </a:r>
-            <a:endParaRPr b="0" lang="pt-BR" sz="2000" spc="-1" strike="noStrike">
+            <a:endParaRPr b="0" lang="en-US" sz="2000" spc="-1" strike="noStrike">
               <a:latin typeface="Arial"/>
             </a:endParaRPr>
           </a:p>
@@ -5805,7 +5805,7 @@
               </a:rPr>
               <a:t>Image Descriptors</a:t>
             </a:r>
-            <a:endParaRPr b="0" lang="pt-BR" sz="2000" spc="-1" strike="noStrike">
+            <a:endParaRPr b="0" lang="en-US" sz="2000" spc="-1" strike="noStrike">
               <a:latin typeface="Arial"/>
             </a:endParaRPr>
           </a:p>
@@ -5834,7 +5834,7 @@
               </a:rPr>
               <a:t>Shape (HoG)</a:t>
             </a:r>
-            <a:endParaRPr b="0" lang="pt-BR" sz="2000" spc="-1" strike="noStrike">
+            <a:endParaRPr b="0" lang="en-US" sz="2000" spc="-1" strike="noStrike">
               <a:latin typeface="Arial"/>
             </a:endParaRPr>
           </a:p>
@@ -5863,7 +5863,7 @@
               </a:rPr>
               <a:t>Textures (LBP, GABOR)</a:t>
             </a:r>
-            <a:endParaRPr b="0" lang="pt-BR" sz="2000" spc="-1" strike="noStrike">
+            <a:endParaRPr b="0" lang="en-US" sz="2000" spc="-1" strike="noStrike">
               <a:latin typeface="Arial"/>
             </a:endParaRPr>
           </a:p>
@@ -5892,7 +5892,7 @@
               </a:rPr>
               <a:t>Classification</a:t>
             </a:r>
-            <a:endParaRPr b="0" lang="pt-BR" sz="2000" spc="-1" strike="noStrike">
+            <a:endParaRPr b="0" lang="en-US" sz="2000" spc="-1" strike="noStrike">
               <a:latin typeface="Arial"/>
             </a:endParaRPr>
           </a:p>
@@ -5921,7 +5921,7 @@
               </a:rPr>
               <a:t>K-NN</a:t>
             </a:r>
-            <a:endParaRPr b="0" lang="pt-BR" sz="2000" spc="-1" strike="noStrike">
+            <a:endParaRPr b="0" lang="en-US" sz="2000" spc="-1" strike="noStrike">
               <a:latin typeface="Arial"/>
             </a:endParaRPr>
           </a:p>
@@ -5950,7 +5950,7 @@
               </a:rPr>
               <a:t>Practice</a:t>
             </a:r>
-            <a:endParaRPr b="0" lang="pt-BR" sz="2000" spc="-1" strike="noStrike">
+            <a:endParaRPr b="0" lang="en-US" sz="2000" spc="-1" strike="noStrike">
               <a:latin typeface="Arial"/>
             </a:endParaRPr>
           </a:p>
@@ -5969,7 +5969,7 @@
         <p:spPr>
           <a:xfrm>
             <a:off x="3060000" y="4483440"/>
-            <a:ext cx="6219000" cy="2103840"/>
+            <a:ext cx="6218640" cy="2103480"/>
           </a:xfrm>
           <a:prstGeom prst="rect">
             <a:avLst/>
@@ -5988,7 +5988,7 @@
         <p:spPr>
           <a:xfrm>
             <a:off x="3060000" y="6300000"/>
-            <a:ext cx="233280" cy="233280"/>
+            <a:ext cx="232920" cy="232920"/>
           </a:xfrm>
           <a:prstGeom prst="ellipse">
             <a:avLst/>
@@ -6018,7 +6018,7 @@
         <p:spPr>
           <a:xfrm>
             <a:off x="3528360" y="6300360"/>
-            <a:ext cx="233280" cy="233280"/>
+            <a:ext cx="232920" cy="232920"/>
           </a:xfrm>
           <a:prstGeom prst="ellipse">
             <a:avLst/>
@@ -6048,7 +6048,7 @@
         <p:spPr>
           <a:xfrm>
             <a:off x="3960720" y="6300720"/>
-            <a:ext cx="233280" cy="233280"/>
+            <a:ext cx="232920" cy="232920"/>
           </a:xfrm>
           <a:prstGeom prst="ellipse">
             <a:avLst/>
@@ -6078,7 +6078,7 @@
         <p:spPr>
           <a:xfrm>
             <a:off x="4770000" y="6336000"/>
-            <a:ext cx="233280" cy="233280"/>
+            <a:ext cx="232920" cy="232920"/>
           </a:xfrm>
           <a:prstGeom prst="ellipse">
             <a:avLst/>
@@ -6108,7 +6108,7 @@
         <p:spPr>
           <a:xfrm>
             <a:off x="5130000" y="6318000"/>
-            <a:ext cx="233280" cy="233280"/>
+            <a:ext cx="232920" cy="232920"/>
           </a:xfrm>
           <a:prstGeom prst="ellipse">
             <a:avLst/>
@@ -6168,7 +6168,7 @@
         <p:spPr>
           <a:xfrm>
             <a:off x="360000" y="360000"/>
-            <a:ext cx="9355320" cy="895320"/>
+            <a:ext cx="9354960" cy="894960"/>
           </a:xfrm>
           <a:prstGeom prst="rect">
             <a:avLst/>
@@ -6205,7 +6205,7 @@
               </a:rPr>
               <a:t>Computer Vision &amp; Pattern Recognition Pipeline</a:t>
             </a:r>
-            <a:endParaRPr b="0" lang="pt-BR" sz="3200" spc="-1" strike="noStrike">
+            <a:endParaRPr b="0" lang="en-US" sz="3200" spc="-1" strike="noStrike">
               <a:latin typeface="Arial"/>
             </a:endParaRPr>
           </a:p>
@@ -6220,7 +6220,7 @@
         <p:spPr>
           <a:xfrm>
             <a:off x="897120" y="6886080"/>
-            <a:ext cx="6442560" cy="360360"/>
+            <a:ext cx="6442200" cy="360000"/>
           </a:xfrm>
           <a:prstGeom prst="rect">
             <a:avLst/>
@@ -6257,7 +6257,7 @@
               </a:rPr>
               <a:t>Computer Vision - Prof. André Hochuli</a:t>
             </a:r>
-            <a:endParaRPr b="0" lang="pt-BR" sz="1800" spc="-1" strike="noStrike">
+            <a:endParaRPr b="0" lang="en-US" sz="1800" spc="-1" strike="noStrike">
               <a:latin typeface="Arial"/>
             </a:endParaRPr>
           </a:p>
@@ -6272,7 +6272,7 @@
         <p:spPr>
           <a:xfrm>
             <a:off x="7608600" y="6886080"/>
-            <a:ext cx="2280600" cy="360360"/>
+            <a:ext cx="2280240" cy="360000"/>
           </a:xfrm>
           <a:prstGeom prst="rect">
             <a:avLst/>
@@ -6319,7 +6319,7 @@
               </a:rPr>
               <a:t> 07</a:t>
             </a:r>
-            <a:endParaRPr b="0" lang="pt-BR" sz="1800" spc="-1" strike="noStrike">
+            <a:endParaRPr b="0" lang="en-US" sz="1800" spc="-1" strike="noStrike">
               <a:latin typeface="Arial"/>
             </a:endParaRPr>
           </a:p>
@@ -6338,7 +6338,7 @@
         <p:spPr>
           <a:xfrm>
             <a:off x="546480" y="2473560"/>
-            <a:ext cx="8982360" cy="2433600"/>
+            <a:ext cx="8982000" cy="2433240"/>
           </a:xfrm>
           <a:prstGeom prst="rect">
             <a:avLst/>
@@ -6387,7 +6387,7 @@
         <p:spPr>
           <a:xfrm>
             <a:off x="360000" y="360000"/>
-            <a:ext cx="9355320" cy="895320"/>
+            <a:ext cx="9354960" cy="894960"/>
           </a:xfrm>
           <a:prstGeom prst="rect">
             <a:avLst/>
@@ -6424,7 +6424,7 @@
               </a:rPr>
               <a:t>Image Descriptors – Shape </a:t>
             </a:r>
-            <a:endParaRPr b="0" lang="pt-BR" sz="3200" spc="-1" strike="noStrike">
+            <a:endParaRPr b="0" lang="en-US" sz="3200" spc="-1" strike="noStrike">
               <a:latin typeface="Arial"/>
             </a:endParaRPr>
           </a:p>
@@ -6439,7 +6439,7 @@
         <p:spPr>
           <a:xfrm>
             <a:off x="897120" y="6886080"/>
-            <a:ext cx="6442560" cy="360360"/>
+            <a:ext cx="6442200" cy="360000"/>
           </a:xfrm>
           <a:prstGeom prst="rect">
             <a:avLst/>
@@ -6476,7 +6476,7 @@
               </a:rPr>
               <a:t>Computer Vision - Prof. André Hochuli</a:t>
             </a:r>
-            <a:endParaRPr b="0" lang="pt-BR" sz="1800" spc="-1" strike="noStrike">
+            <a:endParaRPr b="0" lang="en-US" sz="1800" spc="-1" strike="noStrike">
               <a:latin typeface="Arial"/>
             </a:endParaRPr>
           </a:p>
@@ -6491,7 +6491,7 @@
         <p:spPr>
           <a:xfrm>
             <a:off x="7608600" y="6886080"/>
-            <a:ext cx="2280600" cy="360360"/>
+            <a:ext cx="2280240" cy="360000"/>
           </a:xfrm>
           <a:prstGeom prst="rect">
             <a:avLst/>
@@ -6538,7 +6538,7 @@
               </a:rPr>
               <a:t> 07</a:t>
             </a:r>
-            <a:endParaRPr b="0" lang="pt-BR" sz="1800" spc="-1" strike="noStrike">
+            <a:endParaRPr b="0" lang="en-US" sz="1800" spc="-1" strike="noStrike">
               <a:latin typeface="Arial"/>
             </a:endParaRPr>
           </a:p>
@@ -6553,7 +6553,7 @@
         <p:spPr>
           <a:xfrm>
             <a:off x="200160" y="1689840"/>
-            <a:ext cx="9515160" cy="2832840"/>
+            <a:ext cx="9514800" cy="2832840"/>
           </a:xfrm>
           <a:prstGeom prst="rect">
             <a:avLst/>
@@ -6594,7 +6594,7 @@
               </a:rPr>
               <a:t>Moments</a:t>
             </a:r>
-            <a:endParaRPr b="0" lang="pt-BR" sz="1800" spc="-1" strike="noStrike">
+            <a:endParaRPr b="0" lang="en-US" sz="1800" spc="-1" strike="noStrike">
               <a:latin typeface="Arial"/>
             </a:endParaRPr>
           </a:p>
@@ -6619,7 +6619,7 @@
               </a:rPr>
               <a:t>Values that carry both spatial and intensity information (shape)</a:t>
             </a:r>
-            <a:endParaRPr b="0" lang="pt-BR" sz="1800" spc="-1" strike="noStrike">
+            <a:endParaRPr b="0" lang="en-US" sz="1800" spc="-1" strike="noStrike">
               <a:latin typeface="Arial"/>
             </a:endParaRPr>
           </a:p>
@@ -6644,7 +6644,7 @@
               </a:rPr>
               <a:t>Weighted average of all pixel's intensities</a:t>
             </a:r>
-            <a:endParaRPr b="0" lang="pt-BR" sz="1800" spc="-1" strike="noStrike">
+            <a:endParaRPr b="0" lang="en-US" sz="1800" spc="-1" strike="noStrike">
               <a:latin typeface="Arial"/>
             </a:endParaRPr>
           </a:p>
@@ -6689,7 +6689,7 @@
               </a:rPr>
               <a:t> pixel coordinates of input</a:t>
             </a:r>
-            <a:endParaRPr b="0" lang="pt-BR" sz="1800" spc="-1" strike="noStrike">
+            <a:endParaRPr b="0" lang="en-US" sz="1800" spc="-1" strike="noStrike">
               <a:latin typeface="Arial"/>
             </a:endParaRPr>
           </a:p>
@@ -6754,7 +6754,7 @@
               </a:rPr>
               <a:t>are the weights of the horizontal and vertical dimensions</a:t>
             </a:r>
-            <a:endParaRPr b="0" lang="pt-BR" sz="1800" spc="-1" strike="noStrike">
+            <a:endParaRPr b="0" lang="en-US" sz="1800" spc="-1" strike="noStrike">
               <a:latin typeface="Arial"/>
             </a:endParaRPr>
           </a:p>
@@ -6765,7 +6765,7 @@
               </a:lnSpc>
               <a:buNone/>
             </a:pPr>
-            <a:endParaRPr b="0" lang="pt-BR" sz="1800" spc="-1" strike="noStrike">
+            <a:endParaRPr b="0" lang="en-US" sz="1800" spc="-1" strike="noStrike">
               <a:latin typeface="Arial"/>
             </a:endParaRPr>
           </a:p>
@@ -6790,7 +6790,7 @@
               </a:rPr>
               <a:t>HuMoments (Hu 1962)</a:t>
             </a:r>
-            <a:endParaRPr b="0" lang="pt-BR" sz="1800" spc="-1" strike="noStrike">
+            <a:endParaRPr b="0" lang="en-US" sz="1800" spc="-1" strike="noStrike">
               <a:latin typeface="Arial"/>
             </a:endParaRPr>
           </a:p>
@@ -6815,7 +6815,7 @@
               </a:rPr>
               <a:t>Translation and Scale Invariant</a:t>
             </a:r>
-            <a:endParaRPr b="0" lang="pt-BR" sz="1800" spc="-1" strike="noStrike">
+            <a:endParaRPr b="0" lang="en-US" sz="1800" spc="-1" strike="noStrike">
               <a:latin typeface="Arial"/>
             </a:endParaRPr>
           </a:p>
@@ -6826,7 +6826,7 @@
               </a:lnSpc>
               <a:buNone/>
             </a:pPr>
-            <a:endParaRPr b="0" lang="pt-BR" sz="1800" spc="-1" strike="noStrike">
+            <a:endParaRPr b="0" lang="en-US" sz="1800" spc="-1" strike="noStrike">
               <a:latin typeface="Arial"/>
             </a:endParaRPr>
           </a:p>
@@ -6845,7 +6845,7 @@
         <p:spPr>
           <a:xfrm>
             <a:off x="897120" y="4313520"/>
-            <a:ext cx="7723080" cy="2230200"/>
+            <a:ext cx="7722720" cy="2229840"/>
           </a:xfrm>
           <a:prstGeom prst="rect">
             <a:avLst/>
@@ -6868,7 +6868,7 @@
         <p:spPr>
           <a:xfrm>
             <a:off x="6025680" y="4028400"/>
-            <a:ext cx="2448720" cy="637560"/>
+            <a:ext cx="2448360" cy="637200"/>
           </a:xfrm>
           <a:prstGeom prst="rect">
             <a:avLst/>
@@ -6917,7 +6917,7 @@
         <p:spPr>
           <a:xfrm>
             <a:off x="360000" y="360000"/>
-            <a:ext cx="9355320" cy="895320"/>
+            <a:ext cx="9354960" cy="894960"/>
           </a:xfrm>
           <a:prstGeom prst="rect">
             <a:avLst/>
@@ -6954,7 +6954,7 @@
               </a:rPr>
               <a:t>Image Descriptors – Shape </a:t>
             </a:r>
-            <a:endParaRPr b="0" lang="pt-BR" sz="3200" spc="-1" strike="noStrike">
+            <a:endParaRPr b="0" lang="en-US" sz="3200" spc="-1" strike="noStrike">
               <a:latin typeface="Arial"/>
             </a:endParaRPr>
           </a:p>
@@ -6969,7 +6969,7 @@
         <p:spPr>
           <a:xfrm>
             <a:off x="897120" y="6886080"/>
-            <a:ext cx="6442560" cy="360360"/>
+            <a:ext cx="6442200" cy="360000"/>
           </a:xfrm>
           <a:prstGeom prst="rect">
             <a:avLst/>
@@ -7006,7 +7006,7 @@
               </a:rPr>
               <a:t>Computer Vision - Prof. André Hochuli</a:t>
             </a:r>
-            <a:endParaRPr b="0" lang="pt-BR" sz="1800" spc="-1" strike="noStrike">
+            <a:endParaRPr b="0" lang="en-US" sz="1800" spc="-1" strike="noStrike">
               <a:latin typeface="Arial"/>
             </a:endParaRPr>
           </a:p>
@@ -7021,7 +7021,7 @@
         <p:spPr>
           <a:xfrm>
             <a:off x="7608600" y="6886080"/>
-            <a:ext cx="2280600" cy="360360"/>
+            <a:ext cx="2280240" cy="360000"/>
           </a:xfrm>
           <a:prstGeom prst="rect">
             <a:avLst/>
@@ -7068,7 +7068,7 @@
               </a:rPr>
               <a:t> 07</a:t>
             </a:r>
-            <a:endParaRPr b="0" lang="pt-BR" sz="1800" spc="-1" strike="noStrike">
+            <a:endParaRPr b="0" lang="en-US" sz="1800" spc="-1" strike="noStrike">
               <a:latin typeface="Arial"/>
             </a:endParaRPr>
           </a:p>
@@ -7083,7 +7083,7 @@
         <p:spPr>
           <a:xfrm>
             <a:off x="200160" y="1742760"/>
-            <a:ext cx="9515160" cy="1461240"/>
+            <a:ext cx="9514800" cy="1461240"/>
           </a:xfrm>
           <a:prstGeom prst="rect">
             <a:avLst/>
@@ -7124,7 +7124,7 @@
               </a:rPr>
               <a:t>HoG – Histogram of Oriented Gradients</a:t>
             </a:r>
-            <a:endParaRPr b="0" lang="pt-BR" sz="1800" spc="-1" strike="noStrike">
+            <a:endParaRPr b="0" lang="en-US" sz="1800" spc="-1" strike="noStrike">
               <a:latin typeface="Arial"/>
             </a:endParaRPr>
           </a:p>
@@ -7149,7 +7149,7 @@
               </a:rPr>
               <a:t>Computes the gradient and orientation of edges</a:t>
             </a:r>
-            <a:endParaRPr b="0" lang="pt-BR" sz="1800" spc="-1" strike="noStrike">
+            <a:endParaRPr b="0" lang="en-US" sz="1800" spc="-1" strike="noStrike">
               <a:latin typeface="Arial"/>
             </a:endParaRPr>
           </a:p>
@@ -7174,7 +7174,7 @@
               </a:rPr>
               <a:t>Use a kernel to compute the Gradients (i.e 9x1)</a:t>
             </a:r>
-            <a:endParaRPr b="0" lang="pt-BR" sz="1800" spc="-1" strike="noStrike">
+            <a:endParaRPr b="0" lang="en-US" sz="1800" spc="-1" strike="noStrike">
               <a:latin typeface="Arial"/>
             </a:endParaRPr>
           </a:p>
@@ -7199,7 +7199,7 @@
               </a:rPr>
               <a:t>Patch-Based Histogram (8x8, 16x16..)</a:t>
             </a:r>
-            <a:endParaRPr b="0" lang="pt-BR" sz="1800" spc="-1" strike="noStrike">
+            <a:endParaRPr b="0" lang="en-US" sz="1800" spc="-1" strike="noStrike">
               <a:latin typeface="Arial"/>
             </a:endParaRPr>
           </a:p>
@@ -7210,7 +7210,7 @@
               </a:lnSpc>
               <a:buNone/>
             </a:pPr>
-            <a:endParaRPr b="0" lang="pt-BR" sz="1800" spc="-1" strike="noStrike">
+            <a:endParaRPr b="0" lang="en-US" sz="1800" spc="-1" strike="noStrike">
               <a:latin typeface="Arial"/>
             </a:endParaRPr>
           </a:p>
@@ -7229,7 +7229,7 @@
         <p:spPr>
           <a:xfrm>
             <a:off x="1737720" y="3024360"/>
-            <a:ext cx="1978200" cy="3243240"/>
+            <a:ext cx="1977840" cy="3242880"/>
           </a:xfrm>
           <a:prstGeom prst="rect">
             <a:avLst/>
@@ -7252,7 +7252,7 @@
         <p:spPr>
           <a:xfrm>
             <a:off x="5707080" y="3112200"/>
-            <a:ext cx="1559520" cy="3067920"/>
+            <a:ext cx="1559160" cy="3067560"/>
           </a:xfrm>
           <a:prstGeom prst="rect">
             <a:avLst/>
@@ -7271,7 +7271,7 @@
         <p:spPr>
           <a:xfrm>
             <a:off x="4119120" y="4339800"/>
-            <a:ext cx="1134720" cy="360360"/>
+            <a:ext cx="1134360" cy="360000"/>
           </a:xfrm>
           <a:prstGeom prst="rightArrow">
             <a:avLst>
@@ -7343,7 +7343,7 @@
         <p:spPr>
           <a:xfrm>
             <a:off x="360000" y="360000"/>
-            <a:ext cx="9355320" cy="895320"/>
+            <a:ext cx="9354960" cy="894960"/>
           </a:xfrm>
           <a:prstGeom prst="rect">
             <a:avLst/>
@@ -7380,7 +7380,7 @@
               </a:rPr>
               <a:t>Image Descriptors – Texture </a:t>
             </a:r>
-            <a:endParaRPr b="0" lang="pt-BR" sz="3200" spc="-1" strike="noStrike">
+            <a:endParaRPr b="0" lang="en-US" sz="3200" spc="-1" strike="noStrike">
               <a:latin typeface="Arial"/>
             </a:endParaRPr>
           </a:p>
@@ -7395,7 +7395,7 @@
         <p:spPr>
           <a:xfrm>
             <a:off x="897120" y="6886080"/>
-            <a:ext cx="6442560" cy="360360"/>
+            <a:ext cx="6442200" cy="360000"/>
           </a:xfrm>
           <a:prstGeom prst="rect">
             <a:avLst/>
@@ -7432,7 +7432,7 @@
               </a:rPr>
               <a:t>Computer Vision - Prof. André Hochuli</a:t>
             </a:r>
-            <a:endParaRPr b="0" lang="pt-BR" sz="1800" spc="-1" strike="noStrike">
+            <a:endParaRPr b="0" lang="en-US" sz="1800" spc="-1" strike="noStrike">
               <a:latin typeface="Arial"/>
             </a:endParaRPr>
           </a:p>
@@ -7447,7 +7447,7 @@
         <p:spPr>
           <a:xfrm>
             <a:off x="7608600" y="6886080"/>
-            <a:ext cx="2280600" cy="360360"/>
+            <a:ext cx="2280240" cy="360000"/>
           </a:xfrm>
           <a:prstGeom prst="rect">
             <a:avLst/>
@@ -7494,7 +7494,7 @@
               </a:rPr>
               <a:t> 07</a:t>
             </a:r>
-            <a:endParaRPr b="0" lang="pt-BR" sz="1800" spc="-1" strike="noStrike">
+            <a:endParaRPr b="0" lang="en-US" sz="1800" spc="-1" strike="noStrike">
               <a:latin typeface="Arial"/>
             </a:endParaRPr>
           </a:p>
@@ -7509,7 +7509,7 @@
         <p:spPr>
           <a:xfrm>
             <a:off x="200160" y="1742760"/>
-            <a:ext cx="9515160" cy="912600"/>
+            <a:ext cx="9514800" cy="912600"/>
           </a:xfrm>
           <a:prstGeom prst="rect">
             <a:avLst/>
@@ -7550,7 +7550,7 @@
               </a:rPr>
               <a:t>Gabor Filters </a:t>
             </a:r>
-            <a:endParaRPr b="0" lang="pt-BR" sz="1800" spc="-1" strike="noStrike">
+            <a:endParaRPr b="0" lang="en-US" sz="1800" spc="-1" strike="noStrike">
               <a:latin typeface="Arial"/>
             </a:endParaRPr>
           </a:p>
@@ -7575,7 +7575,7 @@
               </a:rPr>
               <a:t>Convolves the image using several Gaussian Kernels (Kernel Bank)</a:t>
             </a:r>
-            <a:endParaRPr b="0" lang="pt-BR" sz="1800" spc="-1" strike="noStrike">
+            <a:endParaRPr b="0" lang="en-US" sz="1800" spc="-1" strike="noStrike">
               <a:latin typeface="Arial"/>
             </a:endParaRPr>
           </a:p>
@@ -7586,7 +7586,7 @@
               </a:lnSpc>
               <a:buNone/>
             </a:pPr>
-            <a:endParaRPr b="0" lang="pt-BR" sz="1800" spc="-1" strike="noStrike">
+            <a:endParaRPr b="0" lang="en-US" sz="1800" spc="-1" strike="noStrike">
               <a:latin typeface="Arial"/>
             </a:endParaRPr>
           </a:p>
@@ -7605,7 +7605,7 @@
         <p:spPr>
           <a:xfrm>
             <a:off x="360000" y="2963520"/>
-            <a:ext cx="3667680" cy="3667680"/>
+            <a:ext cx="3667320" cy="3667320"/>
           </a:xfrm>
           <a:prstGeom prst="rect">
             <a:avLst/>
@@ -7628,7 +7628,7 @@
         <p:spPr>
           <a:xfrm>
             <a:off x="6047640" y="2963520"/>
-            <a:ext cx="3667680" cy="3667680"/>
+            <a:ext cx="3667320" cy="3667320"/>
           </a:xfrm>
           <a:prstGeom prst="rect">
             <a:avLst/>
@@ -7651,7 +7651,7 @@
         <p:spPr>
           <a:xfrm>
             <a:off x="4276080" y="4191840"/>
-            <a:ext cx="1527120" cy="1017720"/>
+            <a:ext cx="1526760" cy="1017360"/>
           </a:xfrm>
           <a:prstGeom prst="rect">
             <a:avLst/>
@@ -7700,7 +7700,7 @@
         <p:spPr>
           <a:xfrm>
             <a:off x="360000" y="360000"/>
-            <a:ext cx="9355320" cy="895320"/>
+            <a:ext cx="9354960" cy="894960"/>
           </a:xfrm>
           <a:prstGeom prst="rect">
             <a:avLst/>
@@ -7737,7 +7737,7 @@
               </a:rPr>
               <a:t>Image Descriptors – Texture </a:t>
             </a:r>
-            <a:endParaRPr b="0" lang="pt-BR" sz="3200" spc="-1" strike="noStrike">
+            <a:endParaRPr b="0" lang="en-US" sz="3200" spc="-1" strike="noStrike">
               <a:latin typeface="Arial"/>
             </a:endParaRPr>
           </a:p>
@@ -7752,7 +7752,7 @@
         <p:spPr>
           <a:xfrm>
             <a:off x="897120" y="6886080"/>
-            <a:ext cx="6442560" cy="360360"/>
+            <a:ext cx="6442200" cy="360000"/>
           </a:xfrm>
           <a:prstGeom prst="rect">
             <a:avLst/>
@@ -7789,7 +7789,7 @@
               </a:rPr>
               <a:t>Computer Vision - Prof. André Hochuli</a:t>
             </a:r>
-            <a:endParaRPr b="0" lang="pt-BR" sz="1800" spc="-1" strike="noStrike">
+            <a:endParaRPr b="0" lang="en-US" sz="1800" spc="-1" strike="noStrike">
               <a:latin typeface="Arial"/>
             </a:endParaRPr>
           </a:p>
@@ -7804,7 +7804,7 @@
         <p:spPr>
           <a:xfrm>
             <a:off x="7608600" y="6886080"/>
-            <a:ext cx="2280600" cy="360360"/>
+            <a:ext cx="2280240" cy="360000"/>
           </a:xfrm>
           <a:prstGeom prst="rect">
             <a:avLst/>
@@ -7851,7 +7851,7 @@
               </a:rPr>
               <a:t> 07</a:t>
             </a:r>
-            <a:endParaRPr b="0" lang="pt-BR" sz="1800" spc="-1" strike="noStrike">
+            <a:endParaRPr b="0" lang="en-US" sz="1800" spc="-1" strike="noStrike">
               <a:latin typeface="Arial"/>
             </a:endParaRPr>
           </a:p>
@@ -7866,7 +7866,7 @@
         <p:spPr>
           <a:xfrm>
             <a:off x="200160" y="1742760"/>
-            <a:ext cx="9515160" cy="912600"/>
+            <a:ext cx="9514800" cy="912600"/>
           </a:xfrm>
           <a:prstGeom prst="rect">
             <a:avLst/>
@@ -7907,7 +7907,7 @@
               </a:rPr>
               <a:t>Local Binary Patterns</a:t>
             </a:r>
-            <a:endParaRPr b="0" lang="pt-BR" sz="1800" spc="-1" strike="noStrike">
+            <a:endParaRPr b="0" lang="en-US" sz="1800" spc="-1" strike="noStrike">
               <a:latin typeface="Arial"/>
             </a:endParaRPr>
           </a:p>
@@ -7932,7 +7932,7 @@
               </a:rPr>
               <a:t>Convolves the image using a Circular Kernel</a:t>
             </a:r>
-            <a:endParaRPr b="0" lang="pt-BR" sz="1800" spc="-1" strike="noStrike">
+            <a:endParaRPr b="0" lang="en-US" sz="1800" spc="-1" strike="noStrike">
               <a:latin typeface="Arial"/>
             </a:endParaRPr>
           </a:p>
@@ -7957,7 +7957,7 @@
               </a:rPr>
               <a:t>The resulting pixel is computed in the binary neighborhood</a:t>
             </a:r>
-            <a:endParaRPr b="0" lang="pt-BR" sz="1800" spc="-1" strike="noStrike">
+            <a:endParaRPr b="0" lang="en-US" sz="1800" spc="-1" strike="noStrike">
               <a:latin typeface="Arial"/>
             </a:endParaRPr>
           </a:p>
@@ -7976,7 +7976,7 @@
         <p:spPr>
           <a:xfrm>
             <a:off x="7067520" y="1910520"/>
-            <a:ext cx="2286360" cy="754560"/>
+            <a:ext cx="2286000" cy="754200"/>
           </a:xfrm>
           <a:prstGeom prst="rect">
             <a:avLst/>
@@ -7999,7 +7999,7 @@
         <p:spPr>
           <a:xfrm>
             <a:off x="1725120" y="3128760"/>
-            <a:ext cx="7206840" cy="3597480"/>
+            <a:ext cx="7206480" cy="3597120"/>
           </a:xfrm>
           <a:prstGeom prst="rect">
             <a:avLst/>
@@ -8048,7 +8048,7 @@
         <p:spPr>
           <a:xfrm>
             <a:off x="360000" y="360000"/>
-            <a:ext cx="9355320" cy="895320"/>
+            <a:ext cx="9354960" cy="894960"/>
           </a:xfrm>
           <a:prstGeom prst="rect">
             <a:avLst/>
@@ -8085,7 +8085,7 @@
               </a:rPr>
               <a:t>Classification </a:t>
             </a:r>
-            <a:endParaRPr b="0" lang="pt-BR" sz="3200" spc="-1" strike="noStrike">
+            <a:endParaRPr b="0" lang="en-US" sz="3200" spc="-1" strike="noStrike">
               <a:latin typeface="Arial"/>
             </a:endParaRPr>
           </a:p>
@@ -8100,7 +8100,7 @@
         <p:spPr>
           <a:xfrm>
             <a:off x="897120" y="6886080"/>
-            <a:ext cx="6442560" cy="360360"/>
+            <a:ext cx="6442200" cy="360000"/>
           </a:xfrm>
           <a:prstGeom prst="rect">
             <a:avLst/>
@@ -8137,7 +8137,7 @@
               </a:rPr>
               <a:t>Computer Vision - Prof. André Hochuli</a:t>
             </a:r>
-            <a:endParaRPr b="0" lang="pt-BR" sz="1800" spc="-1" strike="noStrike">
+            <a:endParaRPr b="0" lang="en-US" sz="1800" spc="-1" strike="noStrike">
               <a:latin typeface="Arial"/>
             </a:endParaRPr>
           </a:p>
@@ -8152,7 +8152,7 @@
         <p:spPr>
           <a:xfrm>
             <a:off x="7608600" y="6886080"/>
-            <a:ext cx="2280600" cy="360360"/>
+            <a:ext cx="2280240" cy="360000"/>
           </a:xfrm>
           <a:prstGeom prst="rect">
             <a:avLst/>
@@ -8199,7 +8199,7 @@
               </a:rPr>
               <a:t> 07</a:t>
             </a:r>
-            <a:endParaRPr b="0" lang="pt-BR" sz="1800" spc="-1" strike="noStrike">
+            <a:endParaRPr b="0" lang="en-US" sz="1800" spc="-1" strike="noStrike">
               <a:latin typeface="Arial"/>
             </a:endParaRPr>
           </a:p>
@@ -8214,7 +8214,7 @@
         <p:spPr>
           <a:xfrm>
             <a:off x="200160" y="1742760"/>
-            <a:ext cx="9515160" cy="1461240"/>
+            <a:ext cx="9514800" cy="1461240"/>
           </a:xfrm>
           <a:prstGeom prst="rect">
             <a:avLst/>
@@ -8255,7 +8255,7 @@
               </a:rPr>
               <a:t>KNN</a:t>
             </a:r>
-            <a:endParaRPr b="0" lang="pt-BR" sz="1800" spc="-1" strike="noStrike">
+            <a:endParaRPr b="0" lang="en-US" sz="1800" spc="-1" strike="noStrike">
               <a:latin typeface="Arial"/>
             </a:endParaRPr>
           </a:p>
@@ -8280,7 +8280,7 @@
               </a:rPr>
               <a:t>Computes the similarity in a feature space (Euclidian Distance, Manhattan….)</a:t>
             </a:r>
-            <a:endParaRPr b="0" lang="pt-BR" sz="1800" spc="-1" strike="noStrike">
+            <a:endParaRPr b="0" lang="en-US" sz="1800" spc="-1" strike="noStrike">
               <a:latin typeface="Arial"/>
             </a:endParaRPr>
           </a:p>
@@ -8291,7 +8291,7 @@
               </a:lnSpc>
               <a:buNone/>
             </a:pPr>
-            <a:endParaRPr b="0" lang="pt-BR" sz="1800" spc="-1" strike="noStrike">
+            <a:endParaRPr b="0" lang="en-US" sz="1800" spc="-1" strike="noStrike">
               <a:latin typeface="Arial"/>
             </a:endParaRPr>
           </a:p>
@@ -8316,7 +8316,7 @@
               </a:rPr>
               <a:t>The K-Nearest Neighbors determines the class (Majority Vote)</a:t>
             </a:r>
-            <a:endParaRPr b="0" lang="pt-BR" sz="1800" spc="-1" strike="noStrike">
+            <a:endParaRPr b="0" lang="en-US" sz="1800" spc="-1" strike="noStrike">
               <a:latin typeface="Arial"/>
             </a:endParaRPr>
           </a:p>
@@ -8335,7 +8335,7 @@
         <p:spPr>
           <a:xfrm>
             <a:off x="519120" y="3429360"/>
-            <a:ext cx="3856680" cy="3294720"/>
+            <a:ext cx="3856320" cy="3294360"/>
           </a:xfrm>
           <a:prstGeom prst="rect">
             <a:avLst/>
@@ -8358,7 +8358,7 @@
         <p:spPr>
           <a:xfrm>
             <a:off x="5336280" y="3835440"/>
-            <a:ext cx="3647520" cy="1561320"/>
+            <a:ext cx="3647160" cy="1560960"/>
           </a:xfrm>
           <a:prstGeom prst="rect">
             <a:avLst/>
@@ -8407,7 +8407,7 @@
         <p:spPr>
           <a:xfrm>
             <a:off x="360000" y="360000"/>
-            <a:ext cx="9355320" cy="895320"/>
+            <a:ext cx="9354960" cy="894960"/>
           </a:xfrm>
           <a:prstGeom prst="rect">
             <a:avLst/>
@@ -8444,7 +8444,7 @@
               </a:rPr>
               <a:t>Let’s Code</a:t>
             </a:r>
-            <a:endParaRPr b="0" lang="pt-BR" sz="3200" spc="-1" strike="noStrike">
+            <a:endParaRPr b="0" lang="en-US" sz="3200" spc="-1" strike="noStrike">
               <a:latin typeface="Arial"/>
             </a:endParaRPr>
           </a:p>
@@ -8459,7 +8459,7 @@
         <p:spPr>
           <a:xfrm>
             <a:off x="897120" y="6886080"/>
-            <a:ext cx="6442560" cy="360360"/>
+            <a:ext cx="6442200" cy="360000"/>
           </a:xfrm>
           <a:prstGeom prst="rect">
             <a:avLst/>
@@ -8496,7 +8496,7 @@
               </a:rPr>
               <a:t>Computer Vision - Prof. André Hochuli</a:t>
             </a:r>
-            <a:endParaRPr b="0" lang="pt-BR" sz="1800" spc="-1" strike="noStrike">
+            <a:endParaRPr b="0" lang="en-US" sz="1800" spc="-1" strike="noStrike">
               <a:latin typeface="Arial"/>
             </a:endParaRPr>
           </a:p>
@@ -8511,7 +8511,7 @@
         <p:spPr>
           <a:xfrm>
             <a:off x="7608600" y="6886080"/>
-            <a:ext cx="2280600" cy="360360"/>
+            <a:ext cx="2280240" cy="360000"/>
           </a:xfrm>
           <a:prstGeom prst="rect">
             <a:avLst/>
@@ -8558,7 +8558,7 @@
               </a:rPr>
               <a:t> 07</a:t>
             </a:r>
-            <a:endParaRPr b="0" lang="pt-BR" sz="1800" spc="-1" strike="noStrike">
+            <a:endParaRPr b="0" lang="en-US" sz="1800" spc="-1" strike="noStrike">
               <a:latin typeface="Arial"/>
             </a:endParaRPr>
           </a:p>
@@ -8569,7 +8569,7 @@
               </a:lnSpc>
               <a:buNone/>
             </a:pPr>
-            <a:endParaRPr b="0" lang="pt-BR" sz="1800" spc="-1" strike="noStrike">
+            <a:endParaRPr b="0" lang="en-US" sz="1800" spc="-1" strike="noStrike">
               <a:latin typeface="Arial"/>
             </a:endParaRPr>
           </a:p>
@@ -8584,7 +8584,7 @@
         <p:spPr>
           <a:xfrm>
             <a:off x="200160" y="1689840"/>
-            <a:ext cx="9515160" cy="3381480"/>
+            <a:ext cx="9514800" cy="3381480"/>
           </a:xfrm>
           <a:prstGeom prst="rect">
             <a:avLst/>
@@ -8611,7 +8611,7 @@
               </a:lnSpc>
               <a:buNone/>
             </a:pPr>
-            <a:endParaRPr b="0" lang="pt-BR" sz="1800" spc="-1" strike="noStrike">
+            <a:endParaRPr b="0" lang="en-US" sz="1800" spc="-1" strike="noStrike">
               <a:latin typeface="Arial"/>
             </a:endParaRPr>
           </a:p>
@@ -8622,7 +8622,7 @@
               </a:lnSpc>
               <a:buNone/>
             </a:pPr>
-            <a:endParaRPr b="0" lang="pt-BR" sz="1800" spc="-1" strike="noStrike">
+            <a:endParaRPr b="0" lang="en-US" sz="1800" spc="-1" strike="noStrike">
               <a:latin typeface="Arial"/>
             </a:endParaRPr>
           </a:p>
@@ -8633,7 +8633,7 @@
               </a:lnSpc>
               <a:buNone/>
             </a:pPr>
-            <a:endParaRPr b="0" lang="pt-BR" sz="1800" spc="-1" strike="noStrike">
+            <a:endParaRPr b="0" lang="en-US" sz="1800" spc="-1" strike="noStrike">
               <a:latin typeface="Arial"/>
             </a:endParaRPr>
           </a:p>
@@ -8644,7 +8644,7 @@
               </a:lnSpc>
               <a:buNone/>
             </a:pPr>
-            <a:endParaRPr b="0" lang="pt-BR" sz="1800" spc="-1" strike="noStrike">
+            <a:endParaRPr b="0" lang="en-US" sz="1800" spc="-1" strike="noStrike">
               <a:latin typeface="Arial"/>
             </a:endParaRPr>
           </a:p>
@@ -8655,7 +8655,7 @@
               </a:lnSpc>
               <a:buNone/>
             </a:pPr>
-            <a:endParaRPr b="0" lang="pt-BR" sz="1800" spc="-1" strike="noStrike">
+            <a:endParaRPr b="0" lang="en-US" sz="1800" spc="-1" strike="noStrike">
               <a:latin typeface="Arial"/>
             </a:endParaRPr>
           </a:p>
@@ -8666,7 +8666,7 @@
               </a:lnSpc>
               <a:buNone/>
             </a:pPr>
-            <a:endParaRPr b="0" lang="pt-BR" sz="1800" spc="-1" strike="noStrike">
+            <a:endParaRPr b="0" lang="en-US" sz="1800" spc="-1" strike="noStrike">
               <a:latin typeface="Arial"/>
             </a:endParaRPr>
           </a:p>
@@ -8677,7 +8677,7 @@
               </a:lnSpc>
               <a:buNone/>
             </a:pPr>
-            <a:endParaRPr b="0" lang="pt-BR" sz="1800" spc="-1" strike="noStrike">
+            <a:endParaRPr b="0" lang="en-US" sz="1800" spc="-1" strike="noStrike">
               <a:latin typeface="Arial"/>
             </a:endParaRPr>
           </a:p>
@@ -8688,7 +8688,7 @@
               </a:lnSpc>
               <a:buNone/>
             </a:pPr>
-            <a:endParaRPr b="0" lang="pt-BR" sz="1800" spc="-1" strike="noStrike">
+            <a:endParaRPr b="0" lang="en-US" sz="1800" spc="-1" strike="noStrike">
               <a:latin typeface="Arial"/>
             </a:endParaRPr>
           </a:p>
@@ -8699,7 +8699,7 @@
               </a:lnSpc>
               <a:buNone/>
             </a:pPr>
-            <a:endParaRPr b="0" lang="pt-BR" sz="1800" spc="-1" strike="noStrike">
+            <a:endParaRPr b="0" lang="en-US" sz="1800" spc="-1" strike="noStrike">
               <a:latin typeface="Arial"/>
             </a:endParaRPr>
           </a:p>
@@ -8710,7 +8710,7 @@
               </a:lnSpc>
               <a:buNone/>
             </a:pPr>
-            <a:endParaRPr b="0" lang="pt-BR" sz="1800" spc="-1" strike="noStrike">
+            <a:endParaRPr b="0" lang="en-US" sz="1800" spc="-1" strike="noStrike">
               <a:latin typeface="Arial"/>
             </a:endParaRPr>
           </a:p>
@@ -8721,7 +8721,7 @@
               </a:lnSpc>
               <a:buNone/>
             </a:pPr>
-            <a:endParaRPr b="0" lang="pt-BR" sz="1800" spc="-1" strike="noStrike">
+            <a:endParaRPr b="0" lang="en-US" sz="1800" spc="-1" strike="noStrike">
               <a:latin typeface="Arial"/>
             </a:endParaRPr>
           </a:p>
@@ -8732,7 +8732,7 @@
               </a:lnSpc>
               <a:buNone/>
             </a:pPr>
-            <a:endParaRPr b="0" lang="pt-BR" sz="1800" spc="-1" strike="noStrike">
+            <a:endParaRPr b="0" lang="en-US" sz="1800" spc="-1" strike="noStrike">
               <a:latin typeface="Arial"/>
             </a:endParaRPr>
           </a:p>
@@ -8747,7 +8747,7 @@
         <p:spPr>
           <a:xfrm>
             <a:off x="200160" y="1689840"/>
-            <a:ext cx="9515160" cy="3655800"/>
+            <a:ext cx="9514800" cy="1736280"/>
           </a:xfrm>
           <a:prstGeom prst="rect">
             <a:avLst/>
@@ -8790,7 +8790,7 @@
               </a:rPr>
               <a:t>LINK</a:t>
             </a:r>
-            <a:endParaRPr b="0" lang="pt-BR" sz="1800" spc="-1" strike="noStrike">
+            <a:endParaRPr b="0" lang="en-US" sz="1800" spc="-1" strike="noStrike">
               <a:latin typeface="Arial"/>
             </a:endParaRPr>
           </a:p>
@@ -8801,7 +8801,7 @@
               </a:lnSpc>
               <a:buNone/>
             </a:pPr>
-            <a:endParaRPr b="0" lang="pt-BR" sz="1800" spc="-1" strike="noStrike">
+            <a:endParaRPr b="0" lang="en-US" sz="1800" spc="-1" strike="noStrike">
               <a:latin typeface="Arial"/>
             </a:endParaRPr>
           </a:p>
@@ -8812,7 +8812,7 @@
               </a:lnSpc>
               <a:buNone/>
             </a:pPr>
-            <a:endParaRPr b="0" lang="pt-BR" sz="1800" spc="-1" strike="noStrike">
+            <a:endParaRPr b="0" lang="en-US" sz="1800" spc="-1" strike="noStrike">
               <a:latin typeface="Arial"/>
             </a:endParaRPr>
           </a:p>
@@ -8823,7 +8823,7 @@
               </a:lnSpc>
               <a:buNone/>
             </a:pPr>
-            <a:endParaRPr b="0" lang="pt-BR" sz="1800" spc="-1" strike="noStrike">
+            <a:endParaRPr b="0" lang="en-US" sz="1800" spc="-1" strike="noStrike">
               <a:latin typeface="Arial"/>
             </a:endParaRPr>
           </a:p>
@@ -8834,7 +8834,7 @@
               </a:lnSpc>
               <a:buNone/>
             </a:pPr>
-            <a:endParaRPr b="0" lang="pt-BR" sz="1800" spc="-1" strike="noStrike">
+            <a:endParaRPr b="0" lang="en-US" sz="1800" spc="-1" strike="noStrike">
               <a:latin typeface="Arial"/>
             </a:endParaRPr>
           </a:p>
@@ -8845,84 +8845,7 @@
               </a:lnSpc>
               <a:buNone/>
             </a:pPr>
-            <a:endParaRPr b="0" lang="pt-BR" sz="1800" spc="-1" strike="noStrike">
-              <a:latin typeface="Arial"/>
-            </a:endParaRPr>
-          </a:p>
-          <a:p>
-            <a:pPr>
-              <a:lnSpc>
-                <a:spcPct val="100000"/>
-              </a:lnSpc>
-              <a:buNone/>
-            </a:pPr>
-            <a:endParaRPr b="0" lang="pt-BR" sz="1800" spc="-1" strike="noStrike">
-              <a:latin typeface="Arial"/>
-            </a:endParaRPr>
-          </a:p>
-          <a:p>
-            <a:pPr>
-              <a:lnSpc>
-                <a:spcPct val="100000"/>
-              </a:lnSpc>
-              <a:buNone/>
-            </a:pPr>
-            <a:endParaRPr b="0" lang="pt-BR" sz="1800" spc="-1" strike="noStrike">
-              <a:latin typeface="Arial"/>
-            </a:endParaRPr>
-          </a:p>
-          <a:p>
-            <a:pPr>
-              <a:lnSpc>
-                <a:spcPct val="100000"/>
-              </a:lnSpc>
-              <a:buNone/>
-            </a:pPr>
-            <a:endParaRPr b="0" lang="pt-BR" sz="1800" spc="-1" strike="noStrike">
-              <a:latin typeface="Arial"/>
-            </a:endParaRPr>
-          </a:p>
-          <a:p>
-            <a:pPr>
-              <a:lnSpc>
-                <a:spcPct val="100000"/>
-              </a:lnSpc>
-              <a:buNone/>
-            </a:pPr>
-            <a:endParaRPr b="0" lang="pt-BR" sz="1800" spc="-1" strike="noStrike">
-              <a:latin typeface="Arial"/>
-            </a:endParaRPr>
-          </a:p>
-          <a:p>
-            <a:pPr>
-              <a:lnSpc>
-                <a:spcPct val="100000"/>
-              </a:lnSpc>
-              <a:buNone/>
-            </a:pPr>
-            <a:endParaRPr b="0" lang="pt-BR" sz="1800" spc="-1" strike="noStrike">
-              <a:latin typeface="Arial"/>
-            </a:endParaRPr>
-          </a:p>
-          <a:p>
-            <a:pPr>
-              <a:lnSpc>
-                <a:spcPct val="100000"/>
-              </a:lnSpc>
-              <a:buNone/>
-            </a:pPr>
-            <a:endParaRPr b="0" lang="pt-BR" sz="1800" spc="-1" strike="noStrike">
-              <a:latin typeface="Arial"/>
-            </a:endParaRPr>
-          </a:p>
-          <a:p>
-            <a:pPr>
-              <a:lnSpc>
-                <a:spcPct val="100000"/>
-              </a:lnSpc>
-              <a:buNone/>
-            </a:pPr>
-            <a:endParaRPr b="0" lang="pt-BR" sz="1800" spc="-1" strike="noStrike">
+            <a:endParaRPr b="0" lang="en-US" sz="1800" spc="-1" strike="noStrike">
               <a:latin typeface="Arial"/>
             </a:endParaRPr>
           </a:p>
